--- a/WINAPI/Textures/Dominion/배한진 WINAPI 기획서 - 도미니온.pptx
+++ b/WINAPI/Textures/Dominion/배한진 WINAPI 기획서 - 도미니온.pptx
@@ -1,6 +1,6 @@
 
 <file path=ppt/presentation.xml><?xml version="1.0" encoding="utf-8"?>
-<p:presentation xmlns:r="http://schemas.openxmlformats.org/officeDocument/2006/relationships" xmlns:c="http://schemas.openxmlformats.org/drawingml/2006/chart" xmlns:a="http://schemas.openxmlformats.org/drawingml/2006/main" xmlns:dgm="http://schemas.openxmlformats.org/drawingml/2006/diagram" xmlns:dsp="http://schemas.microsoft.com/office/drawing/2008/diagram" xmlns:p="http://schemas.openxmlformats.org/presentationml/2006/main">
+<p:presentation xmlns:a="http://schemas.openxmlformats.org/drawingml/2006/main" xmlns:r="http://schemas.openxmlformats.org/officeDocument/2006/relationships" xmlns:p="http://schemas.openxmlformats.org/presentationml/2006/main">
   <p:sldMasterIdLst>
     <p:sldMasterId id="2147483661" r:id="rId1"/>
   </p:sldMasterIdLst>
@@ -13,8 +13,9 @@
     <p:sldId id="261" r:id="rId7"/>
     <p:sldId id="262" r:id="rId8"/>
     <p:sldId id="263" r:id="rId9"/>
-    <p:sldId id="264" r:id="rId10"/>
-    <p:sldId id="265" r:id="rId11"/>
+    <p:sldId id="266" r:id="rId10"/>
+    <p:sldId id="264" r:id="rId11"/>
+    <p:sldId id="265" r:id="rId12"/>
   </p:sldIdLst>
   <p:sldSz cx="12192000" cy="6858000"/>
   <p:notesSz cx="6858000" cy="9144000"/>
@@ -113,6 +114,11 @@
       </a:defRPr>
     </a:lvl9pPr>
   </p:defaultTextStyle>
+  <p:extLst>
+    <p:ext uri="{EFAFB233-063F-42B5-8137-9DF3F51BA10A}">
+      <p15:sldGuideLst xmlns:p15="http://schemas.microsoft.com/office/powerpoint/2012/main"/>
+    </p:ext>
+  </p:extLst>
 </p:presentation>
 </file>
 
@@ -263,7 +269,7 @@
           <a:p>
             <a:fld id="{D886EC6B-C01A-44B8-A0B2-50D96AB74FC5}" type="datetimeFigureOut">
               <a:rPr lang="ko-KR" altLang="en-US" smtClean="0"/>
-              <a:t>2022-12-30</a:t>
+              <a:t>2023-01-09</a:t>
             </a:fld>
             <a:endParaRPr lang="ko-KR" altLang="en-US"/>
           </a:p>
@@ -461,7 +467,7 @@
           <a:p>
             <a:fld id="{D886EC6B-C01A-44B8-A0B2-50D96AB74FC5}" type="datetimeFigureOut">
               <a:rPr lang="ko-KR" altLang="en-US" smtClean="0"/>
-              <a:t>2022-12-30</a:t>
+              <a:t>2023-01-09</a:t>
             </a:fld>
             <a:endParaRPr lang="ko-KR" altLang="en-US"/>
           </a:p>
@@ -669,7 +675,7 @@
           <a:p>
             <a:fld id="{D886EC6B-C01A-44B8-A0B2-50D96AB74FC5}" type="datetimeFigureOut">
               <a:rPr lang="ko-KR" altLang="en-US" smtClean="0"/>
-              <a:t>2022-12-30</a:t>
+              <a:t>2023-01-09</a:t>
             </a:fld>
             <a:endParaRPr lang="ko-KR" altLang="en-US"/>
           </a:p>
@@ -867,7 +873,7 @@
           <a:p>
             <a:fld id="{D886EC6B-C01A-44B8-A0B2-50D96AB74FC5}" type="datetimeFigureOut">
               <a:rPr lang="ko-KR" altLang="en-US" smtClean="0"/>
-              <a:t>2022-12-30</a:t>
+              <a:t>2023-01-09</a:t>
             </a:fld>
             <a:endParaRPr lang="ko-KR" altLang="en-US"/>
           </a:p>
@@ -1142,7 +1148,7 @@
           <a:p>
             <a:fld id="{D886EC6B-C01A-44B8-A0B2-50D96AB74FC5}" type="datetimeFigureOut">
               <a:rPr lang="ko-KR" altLang="en-US" smtClean="0"/>
-              <a:t>2022-12-30</a:t>
+              <a:t>2023-01-09</a:t>
             </a:fld>
             <a:endParaRPr lang="ko-KR" altLang="en-US"/>
           </a:p>
@@ -1407,7 +1413,7 @@
           <a:p>
             <a:fld id="{D886EC6B-C01A-44B8-A0B2-50D96AB74FC5}" type="datetimeFigureOut">
               <a:rPr lang="ko-KR" altLang="en-US" smtClean="0"/>
-              <a:t>2022-12-30</a:t>
+              <a:t>2023-01-09</a:t>
             </a:fld>
             <a:endParaRPr lang="ko-KR" altLang="en-US"/>
           </a:p>
@@ -1819,7 +1825,7 @@
           <a:p>
             <a:fld id="{D886EC6B-C01A-44B8-A0B2-50D96AB74FC5}" type="datetimeFigureOut">
               <a:rPr lang="ko-KR" altLang="en-US" smtClean="0"/>
-              <a:t>2022-12-30</a:t>
+              <a:t>2023-01-09</a:t>
             </a:fld>
             <a:endParaRPr lang="ko-KR" altLang="en-US"/>
           </a:p>
@@ -1960,7 +1966,7 @@
           <a:p>
             <a:fld id="{D886EC6B-C01A-44B8-A0B2-50D96AB74FC5}" type="datetimeFigureOut">
               <a:rPr lang="ko-KR" altLang="en-US" smtClean="0"/>
-              <a:t>2022-12-30</a:t>
+              <a:t>2023-01-09</a:t>
             </a:fld>
             <a:endParaRPr lang="ko-KR" altLang="en-US"/>
           </a:p>
@@ -2073,7 +2079,7 @@
           <a:p>
             <a:fld id="{D886EC6B-C01A-44B8-A0B2-50D96AB74FC5}" type="datetimeFigureOut">
               <a:rPr lang="ko-KR" altLang="en-US" smtClean="0"/>
-              <a:t>2022-12-30</a:t>
+              <a:t>2023-01-09</a:t>
             </a:fld>
             <a:endParaRPr lang="ko-KR" altLang="en-US"/>
           </a:p>
@@ -2384,7 +2390,7 @@
           <a:p>
             <a:fld id="{D886EC6B-C01A-44B8-A0B2-50D96AB74FC5}" type="datetimeFigureOut">
               <a:rPr lang="ko-KR" altLang="en-US" smtClean="0"/>
-              <a:t>2022-12-30</a:t>
+              <a:t>2023-01-09</a:t>
             </a:fld>
             <a:endParaRPr lang="ko-KR" altLang="en-US"/>
           </a:p>
@@ -2672,7 +2678,7 @@
           <a:p>
             <a:fld id="{D886EC6B-C01A-44B8-A0B2-50D96AB74FC5}" type="datetimeFigureOut">
               <a:rPr lang="ko-KR" altLang="en-US" smtClean="0"/>
-              <a:t>2022-12-30</a:t>
+              <a:t>2023-01-09</a:t>
             </a:fld>
             <a:endParaRPr lang="ko-KR" altLang="en-US"/>
           </a:p>
@@ -2913,7 +2919,7 @@
           <a:p>
             <a:fld id="{D886EC6B-C01A-44B8-A0B2-50D96AB74FC5}" type="datetimeFigureOut">
               <a:rPr lang="ko-KR" altLang="en-US" smtClean="0"/>
-              <a:t>2022-12-30</a:t>
+              <a:t>2023-01-09</a:t>
             </a:fld>
             <a:endParaRPr lang="ko-KR" altLang="en-US"/>
           </a:p>
@@ -3314,7 +3320,7 @@
 </file>
 
 <file path=ppt/slides/slide1.xml><?xml version="1.0" encoding="utf-8"?>
-<p:sld xmlns:r="http://schemas.openxmlformats.org/officeDocument/2006/relationships" xmlns:c="http://schemas.openxmlformats.org/drawingml/2006/chart" xmlns:a="http://schemas.openxmlformats.org/drawingml/2006/main" xmlns:dgm="http://schemas.openxmlformats.org/drawingml/2006/diagram" xmlns:dsp="http://schemas.microsoft.com/office/drawing/2008/diagram" xmlns:p="http://schemas.openxmlformats.org/presentationml/2006/main">
+<p:sld xmlns:a="http://schemas.openxmlformats.org/drawingml/2006/main" xmlns:r="http://schemas.openxmlformats.org/officeDocument/2006/relationships" xmlns:p="http://schemas.openxmlformats.org/presentationml/2006/main">
   <p:cSld>
     <p:spTree>
       <p:nvGrpSpPr>
@@ -3332,7 +3338,7 @@
       </p:grpSpPr>
       <p:pic>
         <p:nvPicPr>
-          <p:cNvPr id="4" name=""/>
+          <p:cNvPr id="4" name="그림 3"/>
           <p:cNvPicPr>
             <a:picLocks noChangeAspect="1"/>
           </p:cNvPicPr>
@@ -3372,7 +3378,7 @@
             <a:spLocks noGrp="1"/>
           </p:cNvSpPr>
           <p:nvPr>
-            <p:ph type="ctrTitle" idx="0"/>
+            <p:ph type="ctrTitle"/>
           </p:nvPr>
         </p:nvSpPr>
         <p:spPr>
@@ -3400,7 +3406,6 @@
               <a:rPr lang="ko-KR" altLang="en-US"/>
               <a:t>도미니온</a:t>
             </a:r>
-            <a:endParaRPr lang="ko-KR" altLang="en-US"/>
           </a:p>
         </p:txBody>
       </p:sp>
@@ -3437,7 +3442,6 @@
               <a:rPr lang="ko-KR" altLang="en-US"/>
               <a:t>배한진</a:t>
             </a:r>
-            <a:endParaRPr lang="ko-KR" altLang="en-US"/>
           </a:p>
         </p:txBody>
       </p:sp>
@@ -3446,11 +3450,11 @@
   <p:clrMapOvr>
     <a:masterClrMapping/>
   </p:clrMapOvr>
-  <mc:AlternateContent xmlns:mc="http://schemas.openxmlformats.org/markup-compatibility/2006">
-    <mc:Choice xmlns:p14="http://schemas.microsoft.com/office/powerpoint/2010/main" Requires="p14">
-      <p:transition xmlns:mc="http://schemas.openxmlformats.org/markup-compatibility/2006" xmlns:p14="http://schemas.microsoft.com/office/powerpoint/2010/main" mc:Ignorable="p14" p14:dur="500"/>
+  <mc:AlternateContent xmlns:mc="http://schemas.openxmlformats.org/markup-compatibility/2006" xmlns:p14="http://schemas.microsoft.com/office/powerpoint/2010/main">
+    <mc:Choice Requires="p14">
+      <p:transition/>
     </mc:Choice>
-    <mc:Fallback>
+    <mc:Fallback xmlns:dsp="http://schemas.microsoft.com/office/drawing/2008/diagram" xmlns:dgm="http://schemas.openxmlformats.org/drawingml/2006/diagram" xmlns:c="http://schemas.openxmlformats.org/drawingml/2006/chart" xmlns="">
       <p:transition/>
     </mc:Fallback>
   </mc:AlternateContent>
@@ -3458,7 +3462,7 @@
 </file>
 
 <file path=ppt/slides/slide10.xml><?xml version="1.0" encoding="utf-8"?>
-<p:sld xmlns:r="http://schemas.openxmlformats.org/officeDocument/2006/relationships" xmlns:c="http://schemas.openxmlformats.org/drawingml/2006/chart" xmlns:a="http://schemas.openxmlformats.org/drawingml/2006/main" xmlns:dgm="http://schemas.openxmlformats.org/drawingml/2006/diagram" xmlns:dsp="http://schemas.microsoft.com/office/drawing/2008/diagram" xmlns:p="http://schemas.openxmlformats.org/presentationml/2006/main">
+<p:sld xmlns:a="http://schemas.openxmlformats.org/drawingml/2006/main" xmlns:r="http://schemas.openxmlformats.org/officeDocument/2006/relationships" xmlns:p="http://schemas.openxmlformats.org/presentationml/2006/main">
   <p:cSld>
     <p:spTree>
       <p:nvGrpSpPr>
@@ -3481,7 +3485,7 @@
             <a:spLocks noGrp="1"/>
           </p:cNvSpPr>
           <p:nvPr>
-            <p:ph type="title" idx="0"/>
+            <p:ph type="title"/>
           </p:nvPr>
         </p:nvSpPr>
         <p:spPr/>
@@ -3494,3403 +3498,55 @@
             </a:pPr>
             <a:r>
               <a:rPr lang="ko-KR" altLang="en-US"/>
-              <a:t>개발 일정</a:t>
-            </a:r>
-            <a:endParaRPr lang="ko-KR" altLang="en-US"/>
+              <a:t>주요 구현 요소</a:t>
+            </a:r>
           </a:p>
         </p:txBody>
       </p:sp>
-      <p:graphicFrame>
-        <p:nvGraphicFramePr>
-          <p:cNvPr id="3" name=""/>
-          <p:cNvGraphicFramePr>
-            <a:graphicFrameLocks noGrp="1"/>
-          </p:cNvGraphicFramePr>
+      <p:pic>
+        <p:nvPicPr>
+          <p:cNvPr id="3" name="내용 개체 틀 2"/>
+          <p:cNvPicPr>
+            <a:picLocks noGrp="1" noChangeAspect="1"/>
+          </p:cNvPicPr>
           <p:nvPr>
-            <p:ph idx="1"/>
+            <p:ph sz="half" idx="1"/>
           </p:nvPr>
-        </p:nvGraphicFramePr>
-        <p:xfrm>
-          <a:off x="838200" y="1825625"/>
-          <a:ext cx="10603451" cy="3932921"/>
-        </p:xfrm>
-        <a:graphic>
-          <a:graphicData uri="http://schemas.openxmlformats.org/drawingml/2006/table">
-            <a:tbl>
-              <a:tblPr firstRow="1" bandRow="1">
-                <a:tableStyleId>{01A66EDD-3DAB-4C5B-A090-DC80EC1FD486}</a:tableStyleId>
-              </a:tblPr>
-              <a:tblGrid>
-                <a:gridCol w="1178773"/>
-                <a:gridCol w="1173260"/>
-                <a:gridCol w="1178773"/>
-                <a:gridCol w="1178773"/>
-                <a:gridCol w="1178773"/>
-                <a:gridCol w="1178773"/>
-                <a:gridCol w="1178773"/>
-                <a:gridCol w="1178773"/>
-                <a:gridCol w="1178773"/>
-              </a:tblGrid>
-              <a:tr h="463954">
-                <a:tc gridSpan="3">
-                  <a:txBody>
-                    <a:bodyPr vert="horz" wrap="square" lIns="91440" tIns="45720" rIns="91440" bIns="45720" anchor="ctr" anchorCtr="0">
-                      <a:spAutoFit/>
-                    </a:bodyPr>
-                    <a:p>
-                      <a:pPr algn="ctr">
-                        <a:defRPr/>
-                      </a:pPr>
-                      <a:r>
-                        <a:rPr lang="ko-KR" altLang="en-US" b="0">
-                          <a:solidFill>
-                            <a:schemeClr val="dk1"/>
-                          </a:solidFill>
-                        </a:rPr>
-                        <a:t>기본 클래스 구현</a:t>
-                      </a:r>
-                      <a:endParaRPr lang="ko-KR" altLang="en-US" b="0">
-                        <a:solidFill>
-                          <a:schemeClr val="dk1"/>
-                        </a:solidFill>
-                      </a:endParaRPr>
-                    </a:p>
-                  </a:txBody>
-                  <a:tcPr marL="91440" marR="91440" anchor="ctr">
-                    <a:lnL w="12700" cap="flat" cmpd="sng" algn="ctr">
-                      <a:solidFill>
-                        <a:schemeClr val="tx1"/>
-                      </a:solidFill>
-                      <a:prstDash val="solid"/>
-                      <a:round/>
-                      <a:headEnd w="med" len="med"/>
-                      <a:tailEnd w="med" len="med"/>
-                    </a:lnL>
-                    <a:lnR w="12700" cap="flat" cmpd="sng" algn="ctr">
-                      <a:solidFill>
-                        <a:schemeClr val="tx1"/>
-                      </a:solidFill>
-                      <a:prstDash val="solid"/>
-                      <a:round/>
-                      <a:headEnd w="med" len="med"/>
-                      <a:tailEnd w="med" len="med"/>
-                    </a:lnR>
-                    <a:lnT w="12700" cap="flat" cmpd="sng" algn="ctr">
-                      <a:solidFill>
-                        <a:schemeClr val="tx1"/>
-                      </a:solidFill>
-                      <a:prstDash val="solid"/>
-                      <a:round/>
-                      <a:headEnd w="med" len="med"/>
-                      <a:tailEnd w="med" len="med"/>
-                    </a:lnT>
-                    <a:lnB w="12700" cap="flat" cmpd="sng" algn="ctr">
-                      <a:solidFill>
-                        <a:schemeClr val="tx1"/>
-                      </a:solidFill>
-                      <a:prstDash val="solid"/>
-                      <a:round/>
-                      <a:headEnd w="med" len="med"/>
-                      <a:tailEnd w="med" len="med"/>
-                    </a:lnB>
-                    <a:solidFill>
-                      <a:schemeClr val="lt2"/>
-                    </a:solidFill>
-                  </a:tcPr>
-                </a:tc>
-                <a:tc hMerge="1">
-                  <a:txBody>
-                    <a:bodyPr vert="horz" wrap="square" lIns="91440" tIns="45720" rIns="91440" bIns="45720" anchor="t" anchorCtr="0">
-                      <a:spAutoFit/>
-                    </a:bodyPr>
-                    <a:p>
-                      <a:pPr>
-                        <a:defRPr/>
-                      </a:pPr>
-                      <a:endParaRPr lang="ko-KR" altLang="en-US"/>
-                    </a:p>
-                  </a:txBody>
-                  <a:tcPr marL="91440" marR="91440">
-                    <a:lnL w="12700" cap="flat" cmpd="sng" algn="ctr">
-                      <a:solidFill>
-                        <a:schemeClr val="tx1"/>
-                      </a:solidFill>
-                      <a:prstDash val="solid"/>
-                      <a:round/>
-                      <a:headEnd w="med" len="med"/>
-                      <a:tailEnd w="med" len="med"/>
-                    </a:lnL>
-                    <a:lnR w="12700" cap="flat" cmpd="sng" algn="ctr">
-                      <a:solidFill>
-                        <a:schemeClr val="tx1"/>
-                      </a:solidFill>
-                      <a:prstDash val="solid"/>
-                      <a:round/>
-                      <a:headEnd w="med" len="med"/>
-                      <a:tailEnd w="med" len="med"/>
-                    </a:lnR>
-                    <a:lnT w="12700" cap="flat" cmpd="sng" algn="ctr">
-                      <a:solidFill>
-                        <a:schemeClr val="tx1"/>
-                      </a:solidFill>
-                      <a:prstDash val="solid"/>
-                      <a:round/>
-                      <a:headEnd w="med" len="med"/>
-                      <a:tailEnd w="med" len="med"/>
-                    </a:lnT>
-                    <a:lnB w="12700" cap="flat" cmpd="sng" algn="ctr">
-                      <a:solidFill>
-                        <a:schemeClr val="tx1"/>
-                      </a:solidFill>
-                      <a:prstDash val="solid"/>
-                      <a:round/>
-                      <a:headEnd w="med" len="med"/>
-                      <a:tailEnd w="med" len="med"/>
-                    </a:lnB>
-                    <a:noFill/>
-                  </a:tcPr>
-                </a:tc>
-                <a:tc hMerge="1">
-                  <a:txBody>
-                    <a:bodyPr vert="horz" wrap="square" lIns="91440" tIns="45720" rIns="91440" bIns="45720" anchor="ctr" anchorCtr="0">
-                      <a:spAutoFit/>
-                    </a:bodyPr>
-                    <a:p>
-                      <a:pPr>
-                        <a:defRPr/>
-                      </a:pPr>
-                      <a:endParaRPr lang="ko-KR" altLang="en-US"/>
-                    </a:p>
-                  </a:txBody>
-                  <a:tcPr marL="91440" marR="91440" anchor="ctr">
-                    <a:lnL w="12700" cap="flat" cmpd="sng" algn="ctr">
-                      <a:solidFill>
-                        <a:schemeClr val="tx1"/>
-                      </a:solidFill>
-                      <a:prstDash val="solid"/>
-                      <a:round/>
-                      <a:headEnd w="med" len="med"/>
-                      <a:tailEnd w="med" len="med"/>
-                    </a:lnL>
-                    <a:lnR w="12700" cap="flat" cmpd="sng" algn="ctr">
-                      <a:solidFill>
-                        <a:schemeClr val="tx1"/>
-                      </a:solidFill>
-                      <a:prstDash val="solid"/>
-                      <a:round/>
-                      <a:headEnd w="med" len="med"/>
-                      <a:tailEnd w="med" len="med"/>
-                    </a:lnR>
-                    <a:lnT w="12700" cap="flat" cmpd="sng" algn="ctr">
-                      <a:solidFill>
-                        <a:schemeClr val="tx1"/>
-                      </a:solidFill>
-                      <a:prstDash val="solid"/>
-                      <a:round/>
-                      <a:headEnd w="med" len="med"/>
-                      <a:tailEnd w="med" len="med"/>
-                    </a:lnT>
-                    <a:lnB w="12700" cap="flat" cmpd="sng" algn="ctr">
-                      <a:solidFill>
-                        <a:schemeClr val="tx1"/>
-                      </a:solidFill>
-                      <a:prstDash val="solid"/>
-                      <a:round/>
-                      <a:headEnd w="med" len="med"/>
-                      <a:tailEnd w="med" len="med"/>
-                    </a:lnB>
-                    <a:noFill/>
-                  </a:tcPr>
-                </a:tc>
-                <a:tc>
-                  <a:txBody>
-                    <a:bodyPr vert="horz" wrap="square" lIns="91440" tIns="45720" rIns="91440" bIns="45720" anchor="ctr" anchorCtr="0">
-                      <a:spAutoFit/>
-                    </a:bodyPr>
-                    <a:p>
-                      <a:pPr algn="ctr">
-                        <a:defRPr/>
-                      </a:pPr>
-                      <a:endParaRPr lang="ko-KR" altLang="en-US" b="0">
-                        <a:solidFill>
-                          <a:schemeClr val="dk1"/>
-                        </a:solidFill>
-                      </a:endParaRPr>
-                    </a:p>
-                  </a:txBody>
-                  <a:tcPr marL="91440" marR="91440" anchor="ctr">
-                    <a:lnL w="12700" cap="flat" cmpd="sng" algn="ctr">
-                      <a:solidFill>
-                        <a:schemeClr val="tx1"/>
-                      </a:solidFill>
-                      <a:prstDash val="solid"/>
-                      <a:round/>
-                      <a:headEnd w="med" len="med"/>
-                      <a:tailEnd w="med" len="med"/>
-                    </a:lnL>
-                    <a:lnR w="9525" cap="flat" cmpd="sng" algn="ctr">
-                      <a:noFill/>
-                      <a:prstDash val="solid"/>
-                      <a:round/>
-                      <a:headEnd w="med" len="med"/>
-                      <a:tailEnd w="med" len="med"/>
-                    </a:lnR>
-                    <a:lnT w="9525" cap="flat" cmpd="sng" algn="ctr">
-                      <a:noFill/>
-                      <a:prstDash val="solid"/>
-                      <a:round/>
-                      <a:headEnd w="med" len="med"/>
-                      <a:tailEnd w="med" len="med"/>
-                    </a:lnT>
-                    <a:lnB w="12700" cap="flat" cmpd="sng" algn="ctr">
-                      <a:solidFill>
-                        <a:schemeClr val="tx1"/>
-                      </a:solidFill>
-                      <a:prstDash val="solid"/>
-                      <a:round/>
-                      <a:headEnd w="med" len="med"/>
-                      <a:tailEnd w="med" len="med"/>
-                    </a:lnB>
-                    <a:noFill/>
-                  </a:tcPr>
-                </a:tc>
-                <a:tc>
-                  <a:txBody>
-                    <a:bodyPr vert="horz" wrap="square" lIns="91440" tIns="45720" rIns="91440" bIns="45720" anchor="ctr" anchorCtr="0">
-                      <a:spAutoFit/>
-                    </a:bodyPr>
-                    <a:p>
-                      <a:pPr algn="ctr">
-                        <a:defRPr/>
-                      </a:pPr>
-                      <a:endParaRPr lang="ko-KR" altLang="en-US" b="0">
-                        <a:solidFill>
-                          <a:schemeClr val="dk1"/>
-                        </a:solidFill>
-                      </a:endParaRPr>
-                    </a:p>
-                  </a:txBody>
-                  <a:tcPr marL="91440" marR="91440" anchor="ctr">
-                    <a:lnL w="9525" cap="flat" cmpd="sng" algn="ctr">
-                      <a:noFill/>
-                      <a:prstDash val="solid"/>
-                      <a:round/>
-                      <a:headEnd w="med" len="med"/>
-                      <a:tailEnd w="med" len="med"/>
-                    </a:lnL>
-                    <a:lnR w="9525" cap="flat" cmpd="sng" algn="ctr">
-                      <a:noFill/>
-                      <a:prstDash val="solid"/>
-                      <a:round/>
-                      <a:headEnd w="med" len="med"/>
-                      <a:tailEnd w="med" len="med"/>
-                    </a:lnR>
-                    <a:lnT w="9525" cap="flat" cmpd="sng" algn="ctr">
-                      <a:noFill/>
-                      <a:prstDash val="solid"/>
-                      <a:round/>
-                      <a:headEnd w="med" len="med"/>
-                      <a:tailEnd w="med" len="med"/>
-                    </a:lnT>
-                    <a:lnB w="12700" cap="flat" cmpd="sng" algn="ctr">
-                      <a:solidFill>
-                        <a:schemeClr val="tx1"/>
-                      </a:solidFill>
-                      <a:prstDash val="solid"/>
-                      <a:round/>
-                      <a:headEnd w="med" len="med"/>
-                      <a:tailEnd w="med" len="med"/>
-                    </a:lnB>
-                    <a:noFill/>
-                  </a:tcPr>
-                </a:tc>
-                <a:tc>
-                  <a:txBody>
-                    <a:bodyPr vert="horz" wrap="square" lIns="91440" tIns="45720" rIns="91440" bIns="45720" anchor="ctr" anchorCtr="0">
-                      <a:spAutoFit/>
-                    </a:bodyPr>
-                    <a:p>
-                      <a:pPr algn="ctr">
-                        <a:defRPr/>
-                      </a:pPr>
-                      <a:endParaRPr lang="ko-KR" altLang="en-US" b="0">
-                        <a:solidFill>
-                          <a:schemeClr val="dk1"/>
-                        </a:solidFill>
-                      </a:endParaRPr>
-                    </a:p>
-                  </a:txBody>
-                  <a:tcPr marL="91440" marR="91440" anchor="ctr">
-                    <a:lnL w="9525" cap="flat" cmpd="sng" algn="ctr">
-                      <a:noFill/>
-                      <a:prstDash val="solid"/>
-                      <a:round/>
-                      <a:headEnd w="med" len="med"/>
-                      <a:tailEnd w="med" len="med"/>
-                    </a:lnL>
-                    <a:lnR w="9525" cap="flat" cmpd="sng" algn="ctr">
-                      <a:noFill/>
-                      <a:prstDash val="solid"/>
-                      <a:round/>
-                      <a:headEnd w="med" len="med"/>
-                      <a:tailEnd w="med" len="med"/>
-                    </a:lnR>
-                    <a:lnT w="9525" cap="flat" cmpd="sng" algn="ctr">
-                      <a:noFill/>
-                      <a:prstDash val="solid"/>
-                      <a:round/>
-                      <a:headEnd w="med" len="med"/>
-                      <a:tailEnd w="med" len="med"/>
-                    </a:lnT>
-                    <a:lnB w="12700" cap="flat" cmpd="sng" algn="ctr">
-                      <a:solidFill>
-                        <a:schemeClr val="tx1"/>
-                      </a:solidFill>
-                      <a:prstDash val="solid"/>
-                      <a:round/>
-                      <a:headEnd w="med" len="med"/>
-                      <a:tailEnd w="med" len="med"/>
-                    </a:lnB>
-                    <a:noFill/>
-                  </a:tcPr>
-                </a:tc>
-                <a:tc>
-                  <a:txBody>
-                    <a:bodyPr vert="horz" wrap="square" lIns="91440" tIns="45720" rIns="91440" bIns="45720" anchor="ctr" anchorCtr="0">
-                      <a:spAutoFit/>
-                    </a:bodyPr>
-                    <a:p>
-                      <a:pPr algn="ctr">
-                        <a:defRPr/>
-                      </a:pPr>
-                      <a:endParaRPr lang="ko-KR" altLang="en-US" b="0">
-                        <a:solidFill>
-                          <a:schemeClr val="dk1"/>
-                        </a:solidFill>
-                      </a:endParaRPr>
-                    </a:p>
-                  </a:txBody>
-                  <a:tcPr marL="91440" marR="91440" anchor="ctr">
-                    <a:lnL w="9525" cap="flat" cmpd="sng" algn="ctr">
-                      <a:noFill/>
-                      <a:prstDash val="solid"/>
-                      <a:round/>
-                      <a:headEnd w="med" len="med"/>
-                      <a:tailEnd w="med" len="med"/>
-                    </a:lnL>
-                    <a:lnR w="9525" cap="flat" cmpd="sng" algn="ctr">
-                      <a:noFill/>
-                      <a:prstDash val="solid"/>
-                      <a:round/>
-                      <a:headEnd w="med" len="med"/>
-                      <a:tailEnd w="med" len="med"/>
-                    </a:lnR>
-                    <a:lnT w="9525" cap="flat" cmpd="sng" algn="ctr">
-                      <a:noFill/>
-                      <a:prstDash val="solid"/>
-                      <a:round/>
-                      <a:headEnd w="med" len="med"/>
-                      <a:tailEnd w="med" len="med"/>
-                    </a:lnT>
-                    <a:lnB w="9525" cap="flat" cmpd="sng" algn="ctr">
-                      <a:noFill/>
-                      <a:prstDash val="solid"/>
-                      <a:round/>
-                      <a:headEnd w="med" len="med"/>
-                      <a:tailEnd w="med" len="med"/>
-                    </a:lnB>
-                    <a:noFill/>
-                  </a:tcPr>
-                </a:tc>
-                <a:tc>
-                  <a:txBody>
-                    <a:bodyPr vert="horz" wrap="square" lIns="91440" tIns="45720" rIns="91440" bIns="45720" anchor="ctr" anchorCtr="0">
-                      <a:spAutoFit/>
-                    </a:bodyPr>
-                    <a:p>
-                      <a:pPr algn="ctr">
-                        <a:defRPr/>
-                      </a:pPr>
-                      <a:endParaRPr lang="ko-KR" altLang="en-US" b="0">
-                        <a:solidFill>
-                          <a:schemeClr val="dk1"/>
-                        </a:solidFill>
-                      </a:endParaRPr>
-                    </a:p>
-                  </a:txBody>
-                  <a:tcPr marL="91440" marR="91440" anchor="ctr">
-                    <a:lnL w="9525" cap="flat" cmpd="sng" algn="ctr">
-                      <a:noFill/>
-                      <a:prstDash val="solid"/>
-                      <a:round/>
-                      <a:headEnd w="med" len="med"/>
-                      <a:tailEnd w="med" len="med"/>
-                    </a:lnL>
-                    <a:lnR w="9525" cap="flat" cmpd="sng" algn="ctr">
-                      <a:noFill/>
-                      <a:prstDash val="solid"/>
-                      <a:round/>
-                      <a:headEnd w="med" len="med"/>
-                      <a:tailEnd w="med" len="med"/>
-                    </a:lnR>
-                    <a:lnT w="9525" cap="flat" cmpd="sng" algn="ctr">
-                      <a:noFill/>
-                      <a:prstDash val="solid"/>
-                      <a:round/>
-                      <a:headEnd w="med" len="med"/>
-                      <a:tailEnd w="med" len="med"/>
-                    </a:lnT>
-                    <a:lnB w="9525" cap="flat" cmpd="sng" algn="ctr">
-                      <a:noFill/>
-                      <a:prstDash val="solid"/>
-                      <a:round/>
-                      <a:headEnd w="med" len="med"/>
-                      <a:tailEnd w="med" len="med"/>
-                    </a:lnB>
-                    <a:noFill/>
-                  </a:tcPr>
-                </a:tc>
-                <a:tc>
-                  <a:txBody>
-                    <a:bodyPr vert="horz" wrap="square" lIns="91440" tIns="45720" rIns="91440" bIns="45720" anchor="ctr" anchorCtr="0">
-                      <a:spAutoFit/>
-                    </a:bodyPr>
-                    <a:p>
-                      <a:pPr algn="ctr">
-                        <a:defRPr/>
-                      </a:pPr>
-                      <a:endParaRPr lang="ko-KR" altLang="en-US" b="0">
-                        <a:solidFill>
-                          <a:schemeClr val="dk1"/>
-                        </a:solidFill>
-                      </a:endParaRPr>
-                    </a:p>
-                  </a:txBody>
-                  <a:tcPr marL="91440" marR="91440" anchor="ctr">
-                    <a:lnL w="9525" cap="flat" cmpd="sng" algn="ctr">
-                      <a:noFill/>
-                      <a:prstDash val="solid"/>
-                      <a:round/>
-                      <a:headEnd w="med" len="med"/>
-                      <a:tailEnd w="med" len="med"/>
-                    </a:lnL>
-                    <a:lnR w="9525" cap="flat" cmpd="sng" algn="ctr">
-                      <a:noFill/>
-                      <a:prstDash val="solid"/>
-                      <a:round/>
-                      <a:headEnd w="med" len="med"/>
-                      <a:tailEnd w="med" len="med"/>
-                    </a:lnR>
-                    <a:lnT w="9525" cap="flat" cmpd="sng" algn="ctr">
-                      <a:noFill/>
-                      <a:prstDash val="solid"/>
-                      <a:round/>
-                      <a:headEnd w="med" len="med"/>
-                      <a:tailEnd w="med" len="med"/>
-                    </a:lnT>
-                    <a:lnB w="9525" cap="flat" cmpd="sng" algn="ctr">
-                      <a:noFill/>
-                      <a:prstDash val="solid"/>
-                      <a:round/>
-                      <a:headEnd w="med" len="med"/>
-                      <a:tailEnd w="med" len="med"/>
-                    </a:lnB>
-                    <a:noFill/>
-                  </a:tcPr>
-                </a:tc>
-              </a:tr>
-              <a:tr h="463954">
-                <a:tc>
-                  <a:txBody>
-                    <a:bodyPr vert="horz" wrap="square" lIns="91440" tIns="45720" rIns="91440" bIns="45720" anchor="ctr" anchorCtr="0">
-                      <a:spAutoFit/>
-                    </a:bodyPr>
-                    <a:p>
-                      <a:pPr algn="ctr">
-                        <a:defRPr/>
-                      </a:pPr>
-                      <a:endParaRPr lang="ko-KR" altLang="en-US">
-                        <a:solidFill>
-                          <a:schemeClr val="dk1"/>
-                        </a:solidFill>
-                      </a:endParaRPr>
-                    </a:p>
-                  </a:txBody>
-                  <a:tcPr marL="91440" marR="91440" anchor="ctr">
-                    <a:lnL w="9525" cap="flat" cmpd="sng" algn="ctr">
-                      <a:noFill/>
-                      <a:prstDash val="solid"/>
-                      <a:round/>
-                      <a:headEnd w="med" len="med"/>
-                      <a:tailEnd w="med" len="med"/>
-                    </a:lnL>
-                    <a:lnR w="12700" cap="flat" cmpd="sng" algn="ctr">
-                      <a:solidFill>
-                        <a:schemeClr val="tx1"/>
-                      </a:solidFill>
-                      <a:prstDash val="solid"/>
-                      <a:round/>
-                      <a:headEnd w="med" len="med"/>
-                      <a:tailEnd w="med" len="med"/>
-                    </a:lnR>
-                    <a:lnT w="12700" cap="flat" cmpd="sng" algn="ctr">
-                      <a:solidFill>
-                        <a:schemeClr val="tx1"/>
-                      </a:solidFill>
-                      <a:prstDash val="solid"/>
-                      <a:round/>
-                      <a:headEnd w="med" len="med"/>
-                      <a:tailEnd w="med" len="med"/>
-                    </a:lnT>
-                    <a:lnB w="9525" cap="flat" cmpd="sng" algn="ctr">
-                      <a:noFill/>
-                      <a:prstDash val="solid"/>
-                      <a:round/>
-                      <a:headEnd w="med" len="med"/>
-                      <a:tailEnd w="med" len="med"/>
-                    </a:lnB>
-                    <a:noFill/>
-                  </a:tcPr>
-                </a:tc>
-                <a:tc gridSpan="5">
-                  <a:txBody>
-                    <a:bodyPr vert="horz" wrap="square" lIns="91440" tIns="45720" rIns="91440" bIns="45720" anchor="ctr" anchorCtr="0">
-                      <a:spAutoFit/>
-                    </a:bodyPr>
-                    <a:p>
-                      <a:pPr algn="ctr">
-                        <a:defRPr/>
-                      </a:pPr>
-                      <a:r>
-                        <a:rPr lang="ko-KR" altLang="en-US">
-                          <a:solidFill>
-                            <a:schemeClr val="dk1"/>
-                          </a:solidFill>
-                        </a:rPr>
-                        <a:t>클래스 간 연동 구현</a:t>
-                      </a:r>
-                      <a:endParaRPr lang="ko-KR" altLang="en-US">
-                        <a:solidFill>
-                          <a:schemeClr val="dk1"/>
-                        </a:solidFill>
-                      </a:endParaRPr>
-                    </a:p>
-                  </a:txBody>
-                  <a:tcPr marL="91440" marR="91440" anchor="ctr">
-                    <a:lnL w="12700" cap="flat" cmpd="sng" algn="ctr">
-                      <a:solidFill>
-                        <a:schemeClr val="tx1"/>
-                      </a:solidFill>
-                      <a:prstDash val="solid"/>
-                      <a:round/>
-                      <a:headEnd w="med" len="med"/>
-                      <a:tailEnd w="med" len="med"/>
-                    </a:lnL>
-                    <a:lnR w="12700" cap="flat" cmpd="sng" algn="ctr">
-                      <a:solidFill>
-                        <a:schemeClr val="tx1"/>
-                      </a:solidFill>
-                      <a:prstDash val="solid"/>
-                      <a:round/>
-                      <a:headEnd w="med" len="med"/>
-                      <a:tailEnd w="med" len="med"/>
-                    </a:lnR>
-                    <a:lnT w="12700" cap="flat" cmpd="sng" algn="ctr">
-                      <a:solidFill>
-                        <a:schemeClr val="tx1"/>
-                      </a:solidFill>
-                      <a:prstDash val="solid"/>
-                      <a:round/>
-                      <a:headEnd w="med" len="med"/>
-                      <a:tailEnd w="med" len="med"/>
-                    </a:lnT>
-                    <a:lnB w="12700" cap="flat" cmpd="sng" algn="ctr">
-                      <a:solidFill>
-                        <a:schemeClr val="tx1"/>
-                      </a:solidFill>
-                      <a:prstDash val="solid"/>
-                      <a:round/>
-                      <a:headEnd w="med" len="med"/>
-                      <a:tailEnd w="med" len="med"/>
-                    </a:lnB>
-                    <a:solidFill>
-                      <a:schemeClr val="lt2"/>
-                    </a:solidFill>
-                  </a:tcPr>
-                </a:tc>
-                <a:tc hMerge="1">
-                  <a:txBody>
-                    <a:bodyPr vert="horz" wrap="square" lIns="91440" tIns="45720" rIns="91440" bIns="45720" anchor="ctr" anchorCtr="0">
-                      <a:spAutoFit/>
-                    </a:bodyPr>
-                    <a:p>
-                      <a:pPr>
-                        <a:defRPr/>
-                      </a:pPr>
-                      <a:endParaRPr lang="ko-KR" altLang="en-US"/>
-                    </a:p>
-                  </a:txBody>
-                  <a:tcPr marL="91440" marR="91440" anchor="ctr">
-                    <a:lnL w="12700" cap="flat" cmpd="sng" algn="ctr">
-                      <a:solidFill>
-                        <a:schemeClr val="tx1"/>
-                      </a:solidFill>
-                      <a:prstDash val="solid"/>
-                      <a:round/>
-                      <a:headEnd w="med" len="med"/>
-                      <a:tailEnd w="med" len="med"/>
-                    </a:lnL>
-                    <a:lnR w="12700" cap="flat" cmpd="sng" algn="ctr">
-                      <a:solidFill>
-                        <a:schemeClr val="tx1"/>
-                      </a:solidFill>
-                      <a:prstDash val="solid"/>
-                      <a:round/>
-                      <a:headEnd w="med" len="med"/>
-                      <a:tailEnd w="med" len="med"/>
-                    </a:lnR>
-                    <a:lnT w="12700" cap="flat" cmpd="sng" algn="ctr">
-                      <a:solidFill>
-                        <a:schemeClr val="tx1"/>
-                      </a:solidFill>
-                      <a:prstDash val="solid"/>
-                      <a:round/>
-                      <a:headEnd w="med" len="med"/>
-                      <a:tailEnd w="med" len="med"/>
-                    </a:lnT>
-                    <a:lnB w="12700" cap="flat" cmpd="sng" algn="ctr">
-                      <a:solidFill>
-                        <a:schemeClr val="tx1"/>
-                      </a:solidFill>
-                      <a:prstDash val="solid"/>
-                      <a:round/>
-                      <a:headEnd w="med" len="med"/>
-                      <a:tailEnd w="med" len="med"/>
-                    </a:lnB>
-                    <a:noFill/>
-                  </a:tcPr>
-                </a:tc>
-                <a:tc hMerge="1">
-                  <a:txBody>
-                    <a:bodyPr vert="horz" wrap="square" lIns="91440" tIns="45720" rIns="91440" bIns="45720" anchor="ctr" anchorCtr="0">
-                      <a:spAutoFit/>
-                    </a:bodyPr>
-                    <a:p>
-                      <a:pPr>
-                        <a:defRPr/>
-                      </a:pPr>
-                      <a:endParaRPr lang="ko-KR" altLang="en-US"/>
-                    </a:p>
-                  </a:txBody>
-                  <a:tcPr marL="91440" marR="91440" anchor="ctr">
-                    <a:lnL w="12700" cap="flat" cmpd="sng" algn="ctr">
-                      <a:solidFill>
-                        <a:schemeClr val="tx1"/>
-                      </a:solidFill>
-                      <a:prstDash val="solid"/>
-                      <a:round/>
-                      <a:headEnd w="med" len="med"/>
-                      <a:tailEnd w="med" len="med"/>
-                    </a:lnL>
-                    <a:lnR w="12700" cap="flat" cmpd="sng" algn="ctr">
-                      <a:solidFill>
-                        <a:schemeClr val="tx1"/>
-                      </a:solidFill>
-                      <a:prstDash val="solid"/>
-                      <a:round/>
-                      <a:headEnd w="med" len="med"/>
-                      <a:tailEnd w="med" len="med"/>
-                    </a:lnR>
-                    <a:lnT w="12700" cap="flat" cmpd="sng" algn="ctr">
-                      <a:solidFill>
-                        <a:schemeClr val="tx1"/>
-                      </a:solidFill>
-                      <a:prstDash val="solid"/>
-                      <a:round/>
-                      <a:headEnd w="med" len="med"/>
-                      <a:tailEnd w="med" len="med"/>
-                    </a:lnT>
-                    <a:lnB w="12700" cap="flat" cmpd="sng" algn="ctr">
-                      <a:solidFill>
-                        <a:schemeClr val="tx1"/>
-                      </a:solidFill>
-                      <a:prstDash val="solid"/>
-                      <a:round/>
-                      <a:headEnd w="med" len="med"/>
-                      <a:tailEnd w="med" len="med"/>
-                    </a:lnB>
-                    <a:noFill/>
-                  </a:tcPr>
-                </a:tc>
-                <a:tc hMerge="1">
-                  <a:txBody>
-                    <a:bodyPr vert="horz" wrap="square" lIns="91440" tIns="45720" rIns="91440" bIns="45720" anchor="ctr" anchorCtr="0">
-                      <a:spAutoFit/>
-                    </a:bodyPr>
-                    <a:p>
-                      <a:pPr>
-                        <a:defRPr/>
-                      </a:pPr>
-                      <a:endParaRPr lang="ko-KR" altLang="en-US"/>
-                    </a:p>
-                  </a:txBody>
-                  <a:tcPr marL="91440" marR="91440" anchor="ctr">
-                    <a:lnL w="12700" cap="flat" cmpd="sng" algn="ctr">
-                      <a:solidFill>
-                        <a:schemeClr val="tx1"/>
-                      </a:solidFill>
-                      <a:prstDash val="solid"/>
-                      <a:round/>
-                      <a:headEnd w="med" len="med"/>
-                      <a:tailEnd w="med" len="med"/>
-                    </a:lnL>
-                    <a:lnR w="12700" cap="flat" cmpd="sng" algn="ctr">
-                      <a:solidFill>
-                        <a:schemeClr val="tx1"/>
-                      </a:solidFill>
-                      <a:prstDash val="solid"/>
-                      <a:round/>
-                      <a:headEnd w="med" len="med"/>
-                      <a:tailEnd w="med" len="med"/>
-                    </a:lnR>
-                    <a:lnT w="12700" cap="flat" cmpd="sng" algn="ctr">
-                      <a:solidFill>
-                        <a:schemeClr val="tx1"/>
-                      </a:solidFill>
-                      <a:prstDash val="solid"/>
-                      <a:round/>
-                      <a:headEnd w="med" len="med"/>
-                      <a:tailEnd w="med" len="med"/>
-                    </a:lnT>
-                    <a:lnB w="12700" cap="flat" cmpd="sng" algn="ctr">
-                      <a:solidFill>
-                        <a:schemeClr val="tx1"/>
-                      </a:solidFill>
-                      <a:prstDash val="solid"/>
-                      <a:round/>
-                      <a:headEnd w="med" len="med"/>
-                      <a:tailEnd w="med" len="med"/>
-                    </a:lnB>
-                    <a:noFill/>
-                  </a:tcPr>
-                </a:tc>
-                <a:tc hMerge="1">
-                  <a:txBody>
-                    <a:bodyPr vert="horz" wrap="square" lIns="91440" tIns="45720" rIns="91440" bIns="45720" anchor="ctr" anchorCtr="0">
-                      <a:spAutoFit/>
-                    </a:bodyPr>
-                    <a:p>
-                      <a:pPr>
-                        <a:defRPr/>
-                      </a:pPr>
-                      <a:endParaRPr lang="ko-KR" altLang="en-US"/>
-                    </a:p>
-                  </a:txBody>
-                  <a:tcPr marL="91440" marR="91440" anchor="ctr">
-                    <a:lnL w="12700" cap="flat" cmpd="sng" algn="ctr">
-                      <a:solidFill>
-                        <a:schemeClr val="tx1"/>
-                      </a:solidFill>
-                      <a:prstDash val="solid"/>
-                      <a:round/>
-                      <a:headEnd w="med" len="med"/>
-                      <a:tailEnd w="med" len="med"/>
-                    </a:lnL>
-                    <a:lnR w="12700" cap="flat" cmpd="sng" algn="ctr">
-                      <a:solidFill>
-                        <a:schemeClr val="tx1"/>
-                      </a:solidFill>
-                      <a:prstDash val="solid"/>
-                      <a:round/>
-                      <a:headEnd w="med" len="med"/>
-                      <a:tailEnd w="med" len="med"/>
-                    </a:lnR>
-                    <a:lnT w="12700" cap="flat" cmpd="sng" algn="ctr">
-                      <a:solidFill>
-                        <a:schemeClr val="tx1"/>
-                      </a:solidFill>
-                      <a:prstDash val="solid"/>
-                      <a:round/>
-                      <a:headEnd w="med" len="med"/>
-                      <a:tailEnd w="med" len="med"/>
-                    </a:lnT>
-                    <a:lnB w="12700" cap="flat" cmpd="sng" algn="ctr">
-                      <a:solidFill>
-                        <a:schemeClr val="tx1"/>
-                      </a:solidFill>
-                      <a:prstDash val="solid"/>
-                      <a:round/>
-                      <a:headEnd w="med" len="med"/>
-                      <a:tailEnd w="med" len="med"/>
-                    </a:lnB>
-                    <a:noFill/>
-                  </a:tcPr>
-                </a:tc>
-                <a:tc>
-                  <a:txBody>
-                    <a:bodyPr vert="horz" wrap="square" lIns="91440" tIns="45720" rIns="91440" bIns="45720" anchor="ctr" anchorCtr="0">
-                      <a:spAutoFit/>
-                    </a:bodyPr>
-                    <a:p>
-                      <a:pPr algn="ctr">
-                        <a:defRPr/>
-                      </a:pPr>
-                      <a:endParaRPr lang="ko-KR" altLang="en-US">
-                        <a:solidFill>
-                          <a:schemeClr val="dk1"/>
-                        </a:solidFill>
-                      </a:endParaRPr>
-                    </a:p>
-                  </a:txBody>
-                  <a:tcPr marL="91440" marR="91440" anchor="ctr">
-                    <a:lnL w="12700" cap="flat" cmpd="sng" algn="ctr">
-                      <a:solidFill>
-                        <a:schemeClr val="tx1"/>
-                      </a:solidFill>
-                      <a:prstDash val="solid"/>
-                      <a:round/>
-                      <a:headEnd w="med" len="med"/>
-                      <a:tailEnd w="med" len="med"/>
-                    </a:lnL>
-                    <a:lnR w="9525" cap="flat" cmpd="sng" algn="ctr">
-                      <a:noFill/>
-                      <a:prstDash val="solid"/>
-                      <a:round/>
-                      <a:headEnd w="med" len="med"/>
-                      <a:tailEnd w="med" len="med"/>
-                    </a:lnR>
-                    <a:lnT w="9525" cap="flat" cmpd="sng" algn="ctr">
-                      <a:noFill/>
-                      <a:prstDash val="solid"/>
-                      <a:round/>
-                      <a:headEnd w="med" len="med"/>
-                      <a:tailEnd w="med" len="med"/>
-                    </a:lnT>
-                    <a:lnB w="12700" cap="flat" cmpd="sng" algn="ctr">
-                      <a:solidFill>
-                        <a:schemeClr val="tx1"/>
-                      </a:solidFill>
-                      <a:prstDash val="solid"/>
-                      <a:round/>
-                      <a:headEnd w="med" len="med"/>
-                      <a:tailEnd w="med" len="med"/>
-                    </a:lnB>
-                    <a:noFill/>
-                  </a:tcPr>
-                </a:tc>
-                <a:tc>
-                  <a:txBody>
-                    <a:bodyPr vert="horz" wrap="square" lIns="91440" tIns="45720" rIns="91440" bIns="45720" anchor="ctr" anchorCtr="0">
-                      <a:spAutoFit/>
-                    </a:bodyPr>
-                    <a:p>
-                      <a:pPr algn="ctr">
-                        <a:defRPr/>
-                      </a:pPr>
-                      <a:endParaRPr lang="ko-KR" altLang="en-US">
-                        <a:solidFill>
-                          <a:schemeClr val="dk1"/>
-                        </a:solidFill>
-                      </a:endParaRPr>
-                    </a:p>
-                  </a:txBody>
-                  <a:tcPr marL="91440" marR="91440" anchor="ctr">
-                    <a:lnL w="9525" cap="flat" cmpd="sng" algn="ctr">
-                      <a:noFill/>
-                      <a:prstDash val="solid"/>
-                      <a:round/>
-                      <a:headEnd w="med" len="med"/>
-                      <a:tailEnd w="med" len="med"/>
-                    </a:lnL>
-                    <a:lnR w="9525" cap="flat" cmpd="sng" algn="ctr">
-                      <a:noFill/>
-                      <a:prstDash val="solid"/>
-                      <a:round/>
-                      <a:headEnd w="med" len="med"/>
-                      <a:tailEnd w="med" len="med"/>
-                    </a:lnR>
-                    <a:lnT w="9525" cap="flat" cmpd="sng" algn="ctr">
-                      <a:noFill/>
-                      <a:prstDash val="solid"/>
-                      <a:round/>
-                      <a:headEnd w="med" len="med"/>
-                      <a:tailEnd w="med" len="med"/>
-                    </a:lnT>
-                    <a:lnB w="9525" cap="flat" cmpd="sng" algn="ctr">
-                      <a:noFill/>
-                      <a:prstDash val="solid"/>
-                      <a:round/>
-                      <a:headEnd w="med" len="med"/>
-                      <a:tailEnd w="med" len="med"/>
-                    </a:lnB>
-                    <a:noFill/>
-                  </a:tcPr>
-                </a:tc>
-                <a:tc>
-                  <a:txBody>
-                    <a:bodyPr vert="horz" wrap="square" lIns="91440" tIns="45720" rIns="91440" bIns="45720" anchor="ctr" anchorCtr="0">
-                      <a:spAutoFit/>
-                    </a:bodyPr>
-                    <a:p>
-                      <a:pPr algn="ctr">
-                        <a:defRPr/>
-                      </a:pPr>
-                      <a:endParaRPr lang="ko-KR" altLang="en-US">
-                        <a:solidFill>
-                          <a:schemeClr val="dk1"/>
-                        </a:solidFill>
-                      </a:endParaRPr>
-                    </a:p>
-                  </a:txBody>
-                  <a:tcPr marL="91440" marR="91440" anchor="ctr">
-                    <a:lnL w="9525" cap="flat" cmpd="sng" algn="ctr">
-                      <a:noFill/>
-                      <a:prstDash val="solid"/>
-                      <a:round/>
-                      <a:headEnd w="med" len="med"/>
-                      <a:tailEnd w="med" len="med"/>
-                    </a:lnL>
-                    <a:lnR w="9525" cap="flat" cmpd="sng" algn="ctr">
-                      <a:noFill/>
-                      <a:prstDash val="solid"/>
-                      <a:round/>
-                      <a:headEnd w="med" len="med"/>
-                      <a:tailEnd w="med" len="med"/>
-                    </a:lnR>
-                    <a:lnT w="9525" cap="flat" cmpd="sng" algn="ctr">
-                      <a:noFill/>
-                      <a:prstDash val="solid"/>
-                      <a:round/>
-                      <a:headEnd w="med" len="med"/>
-                      <a:tailEnd w="med" len="med"/>
-                    </a:lnT>
-                    <a:lnB w="9525" cap="flat" cmpd="sng" algn="ctr">
-                      <a:noFill/>
-                      <a:prstDash val="solid"/>
-                      <a:round/>
-                      <a:headEnd w="med" len="med"/>
-                      <a:tailEnd w="med" len="med"/>
-                    </a:lnB>
-                    <a:noFill/>
-                  </a:tcPr>
-                </a:tc>
-              </a:tr>
-              <a:tr h="463954">
-                <a:tc>
-                  <a:txBody>
-                    <a:bodyPr vert="horz" wrap="square" lIns="91440" tIns="45720" rIns="91440" bIns="45720" anchor="ctr" anchorCtr="0">
-                      <a:spAutoFit/>
-                    </a:bodyPr>
-                    <a:p>
-                      <a:pPr algn="ctr">
-                        <a:defRPr/>
-                      </a:pPr>
-                      <a:endParaRPr lang="ko-KR" altLang="en-US">
-                        <a:solidFill>
-                          <a:schemeClr val="dk1"/>
-                        </a:solidFill>
-                      </a:endParaRPr>
-                    </a:p>
-                  </a:txBody>
-                  <a:tcPr marL="91440" marR="91440" anchor="ctr">
-                    <a:lnL w="9525" cap="flat" cmpd="sng" algn="ctr">
-                      <a:noFill/>
-                      <a:prstDash val="solid"/>
-                      <a:round/>
-                      <a:headEnd w="med" len="med"/>
-                      <a:tailEnd w="med" len="med"/>
-                    </a:lnL>
-                    <a:lnR w="9525" cap="flat" cmpd="sng" algn="ctr">
-                      <a:noFill/>
-                      <a:prstDash val="solid"/>
-                      <a:round/>
-                      <a:headEnd w="med" len="med"/>
-                      <a:tailEnd w="med" len="med"/>
-                    </a:lnR>
-                    <a:lnT w="9525" cap="flat" cmpd="sng" algn="ctr">
-                      <a:noFill/>
-                      <a:prstDash val="solid"/>
-                      <a:round/>
-                      <a:headEnd w="med" len="med"/>
-                      <a:tailEnd w="med" len="med"/>
-                    </a:lnT>
-                    <a:lnB w="9525" cap="flat" cmpd="sng" algn="ctr">
-                      <a:noFill/>
-                      <a:prstDash val="solid"/>
-                      <a:round/>
-                      <a:headEnd w="med" len="med"/>
-                      <a:tailEnd w="med" len="med"/>
-                    </a:lnB>
-                    <a:noFill/>
-                  </a:tcPr>
-                </a:tc>
-                <a:tc>
-                  <a:txBody>
-                    <a:bodyPr vert="horz" wrap="square" lIns="91440" tIns="45720" rIns="91440" bIns="45720" anchor="ctr" anchorCtr="0">
-                      <a:spAutoFit/>
-                    </a:bodyPr>
-                    <a:p>
-                      <a:pPr algn="ctr">
-                        <a:defRPr/>
-                      </a:pPr>
-                      <a:endParaRPr lang="ko-KR" altLang="en-US">
-                        <a:solidFill>
-                          <a:schemeClr val="dk1"/>
-                        </a:solidFill>
-                      </a:endParaRPr>
-                    </a:p>
-                  </a:txBody>
-                  <a:tcPr marL="91440" marR="91440" anchor="ctr">
-                    <a:lnL w="9525" cap="flat" cmpd="sng" algn="ctr">
-                      <a:noFill/>
-                      <a:prstDash val="solid"/>
-                      <a:round/>
-                      <a:headEnd w="med" len="med"/>
-                      <a:tailEnd w="med" len="med"/>
-                    </a:lnL>
-                    <a:lnR w="9525" cap="flat" cmpd="sng" algn="ctr">
-                      <a:noFill/>
-                      <a:prstDash val="solid"/>
-                      <a:round/>
-                      <a:headEnd w="med" len="med"/>
-                      <a:tailEnd w="med" len="med"/>
-                    </a:lnR>
-                    <a:lnT w="12700" cap="flat" cmpd="sng" algn="ctr">
-                      <a:solidFill>
-                        <a:schemeClr val="tx1"/>
-                      </a:solidFill>
-                      <a:prstDash val="solid"/>
-                      <a:round/>
-                      <a:headEnd w="med" len="med"/>
-                      <a:tailEnd w="med" len="med"/>
-                    </a:lnT>
-                    <a:lnB w="9525" cap="flat" cmpd="sng" algn="ctr">
-                      <a:noFill/>
-                      <a:prstDash val="solid"/>
-                      <a:round/>
-                      <a:headEnd w="med" len="med"/>
-                      <a:tailEnd w="med" len="med"/>
-                    </a:lnB>
-                    <a:noFill/>
-                  </a:tcPr>
-                </a:tc>
-                <a:tc>
-                  <a:txBody>
-                    <a:bodyPr vert="horz" wrap="square" lIns="91440" tIns="45720" rIns="91440" bIns="45720" anchor="ctr" anchorCtr="0">
-                      <a:spAutoFit/>
-                    </a:bodyPr>
-                    <a:p>
-                      <a:pPr algn="ctr">
-                        <a:defRPr/>
-                      </a:pPr>
-                      <a:endParaRPr lang="ko-KR" altLang="en-US">
-                        <a:solidFill>
-                          <a:schemeClr val="dk1"/>
-                        </a:solidFill>
-                      </a:endParaRPr>
-                    </a:p>
-                  </a:txBody>
-                  <a:tcPr marL="91440" marR="91440" anchor="ctr">
-                    <a:lnL w="9525" cap="flat" cmpd="sng" algn="ctr">
-                      <a:noFill/>
-                      <a:prstDash val="solid"/>
-                      <a:round/>
-                      <a:headEnd w="med" len="med"/>
-                      <a:tailEnd w="med" len="med"/>
-                    </a:lnL>
-                    <a:lnR w="12700" cap="flat" cmpd="sng" algn="ctr">
-                      <a:solidFill>
-                        <a:schemeClr val="tx1"/>
-                      </a:solidFill>
-                      <a:prstDash val="solid"/>
-                      <a:round/>
-                      <a:headEnd w="med" len="med"/>
-                      <a:tailEnd w="med" len="med"/>
-                    </a:lnR>
-                    <a:lnT w="12700" cap="flat" cmpd="sng" algn="ctr">
-                      <a:solidFill>
-                        <a:schemeClr val="tx1"/>
-                      </a:solidFill>
-                      <a:prstDash val="solid"/>
-                      <a:round/>
-                      <a:headEnd w="med" len="med"/>
-                      <a:tailEnd w="med" len="med"/>
-                    </a:lnT>
-                    <a:lnB w="9525" cap="flat" cmpd="sng" algn="ctr">
-                      <a:noFill/>
-                      <a:prstDash val="solid"/>
-                      <a:round/>
-                      <a:headEnd w="med" len="med"/>
-                      <a:tailEnd w="med" len="med"/>
-                    </a:lnB>
-                    <a:noFill/>
-                  </a:tcPr>
-                </a:tc>
-                <a:tc gridSpan="4">
-                  <a:txBody>
-                    <a:bodyPr vert="horz" wrap="square" lIns="91440" tIns="45720" rIns="91440" bIns="45720" anchor="ctr" anchorCtr="0">
-                      <a:spAutoFit/>
-                    </a:bodyPr>
-                    <a:p>
-                      <a:pPr algn="ctr">
-                        <a:defRPr/>
-                      </a:pPr>
-                      <a:r>
-                        <a:rPr lang="ko-KR" altLang="en-US">
-                          <a:solidFill>
-                            <a:schemeClr val="dk1"/>
-                          </a:solidFill>
-                        </a:rPr>
-                        <a:t>자식 클래스 및 메소드 구현</a:t>
-                      </a:r>
-                      <a:endParaRPr lang="ko-KR" altLang="en-US">
-                        <a:solidFill>
-                          <a:schemeClr val="dk1"/>
-                        </a:solidFill>
-                      </a:endParaRPr>
-                    </a:p>
-                  </a:txBody>
-                  <a:tcPr marL="91440" marR="91440" anchor="ctr">
-                    <a:lnL w="12700" cap="flat" cmpd="sng" algn="ctr">
-                      <a:solidFill>
-                        <a:schemeClr val="tx1"/>
-                      </a:solidFill>
-                      <a:prstDash val="solid"/>
-                      <a:round/>
-                      <a:headEnd w="med" len="med"/>
-                      <a:tailEnd w="med" len="med"/>
-                    </a:lnL>
-                    <a:lnR w="12700" cap="flat" cmpd="sng" algn="ctr">
-                      <a:solidFill>
-                        <a:schemeClr val="tx1"/>
-                      </a:solidFill>
-                      <a:prstDash val="solid"/>
-                      <a:round/>
-                      <a:headEnd w="med" len="med"/>
-                      <a:tailEnd w="med" len="med"/>
-                    </a:lnR>
-                    <a:lnT w="12700" cap="flat" cmpd="sng" algn="ctr">
-                      <a:solidFill>
-                        <a:schemeClr val="tx1"/>
-                      </a:solidFill>
-                      <a:prstDash val="solid"/>
-                      <a:round/>
-                      <a:headEnd w="med" len="med"/>
-                      <a:tailEnd w="med" len="med"/>
-                    </a:lnT>
-                    <a:lnB w="12700" cap="flat" cmpd="sng" algn="ctr">
-                      <a:solidFill>
-                        <a:schemeClr val="tx1"/>
-                      </a:solidFill>
-                      <a:prstDash val="solid"/>
-                      <a:round/>
-                      <a:headEnd w="med" len="med"/>
-                      <a:tailEnd w="med" len="med"/>
-                    </a:lnB>
-                    <a:solidFill>
-                      <a:schemeClr val="lt2"/>
-                    </a:solidFill>
-                  </a:tcPr>
-                </a:tc>
-                <a:tc hMerge="1">
-                  <a:txBody>
-                    <a:bodyPr vert="horz" wrap="square" lIns="91440" tIns="45720" rIns="91440" bIns="45720" anchor="ctr" anchorCtr="0">
-                      <a:spAutoFit/>
-                    </a:bodyPr>
-                    <a:p>
-                      <a:pPr>
-                        <a:defRPr/>
-                      </a:pPr>
-                      <a:endParaRPr lang="ko-KR" altLang="en-US"/>
-                    </a:p>
-                  </a:txBody>
-                  <a:tcPr marL="91440" marR="91440" anchor="ctr">
-                    <a:lnL w="12700" cap="flat" cmpd="sng" algn="ctr">
-                      <a:solidFill>
-                        <a:schemeClr val="tx1"/>
-                      </a:solidFill>
-                      <a:prstDash val="solid"/>
-                      <a:round/>
-                      <a:headEnd w="med" len="med"/>
-                      <a:tailEnd w="med" len="med"/>
-                    </a:lnL>
-                    <a:lnR w="12700" cap="flat" cmpd="sng" algn="ctr">
-                      <a:solidFill>
-                        <a:schemeClr val="tx1"/>
-                      </a:solidFill>
-                      <a:prstDash val="solid"/>
-                      <a:round/>
-                      <a:headEnd w="med" len="med"/>
-                      <a:tailEnd w="med" len="med"/>
-                    </a:lnR>
-                    <a:lnT w="12700" cap="flat" cmpd="sng" algn="ctr">
-                      <a:solidFill>
-                        <a:schemeClr val="tx1"/>
-                      </a:solidFill>
-                      <a:prstDash val="solid"/>
-                      <a:round/>
-                      <a:headEnd w="med" len="med"/>
-                      <a:tailEnd w="med" len="med"/>
-                    </a:lnT>
-                    <a:lnB w="12700" cap="flat" cmpd="sng" algn="ctr">
-                      <a:solidFill>
-                        <a:schemeClr val="tx1"/>
-                      </a:solidFill>
-                      <a:prstDash val="solid"/>
-                      <a:round/>
-                      <a:headEnd w="med" len="med"/>
-                      <a:tailEnd w="med" len="med"/>
-                    </a:lnB>
-                    <a:noFill/>
-                  </a:tcPr>
-                </a:tc>
-                <a:tc hMerge="1">
-                  <a:txBody>
-                    <a:bodyPr vert="horz" wrap="square" lIns="91440" tIns="45720" rIns="91440" bIns="45720" anchor="ctr" anchorCtr="0">
-                      <a:spAutoFit/>
-                    </a:bodyPr>
-                    <a:p>
-                      <a:pPr>
-                        <a:defRPr/>
-                      </a:pPr>
-                      <a:endParaRPr lang="ko-KR" altLang="en-US"/>
-                    </a:p>
-                  </a:txBody>
-                  <a:tcPr marL="91440" marR="91440" anchor="ctr">
-                    <a:lnL w="12700" cap="flat" cmpd="sng" algn="ctr">
-                      <a:solidFill>
-                        <a:schemeClr val="tx1"/>
-                      </a:solidFill>
-                      <a:prstDash val="solid"/>
-                      <a:round/>
-                      <a:headEnd w="med" len="med"/>
-                      <a:tailEnd w="med" len="med"/>
-                    </a:lnL>
-                    <a:lnR w="12700" cap="flat" cmpd="sng" algn="ctr">
-                      <a:solidFill>
-                        <a:schemeClr val="tx1"/>
-                      </a:solidFill>
-                      <a:prstDash val="solid"/>
-                      <a:round/>
-                      <a:headEnd w="med" len="med"/>
-                      <a:tailEnd w="med" len="med"/>
-                    </a:lnR>
-                    <a:lnT w="12700" cap="flat" cmpd="sng" algn="ctr">
-                      <a:solidFill>
-                        <a:schemeClr val="tx1"/>
-                      </a:solidFill>
-                      <a:prstDash val="solid"/>
-                      <a:round/>
-                      <a:headEnd w="med" len="med"/>
-                      <a:tailEnd w="med" len="med"/>
-                    </a:lnT>
-                    <a:lnB w="12700" cap="flat" cmpd="sng" algn="ctr">
-                      <a:solidFill>
-                        <a:schemeClr val="tx1"/>
-                      </a:solidFill>
-                      <a:prstDash val="solid"/>
-                      <a:round/>
-                      <a:headEnd w="med" len="med"/>
-                      <a:tailEnd w="med" len="med"/>
-                    </a:lnB>
-                    <a:noFill/>
-                  </a:tcPr>
-                </a:tc>
-                <a:tc hMerge="1">
-                  <a:txBody>
-                    <a:bodyPr vert="horz" wrap="square" lIns="91440" tIns="45720" rIns="91440" bIns="45720" anchor="ctr" anchorCtr="0">
-                      <a:spAutoFit/>
-                    </a:bodyPr>
-                    <a:p>
-                      <a:pPr>
-                        <a:defRPr/>
-                      </a:pPr>
-                      <a:endParaRPr lang="ko-KR" altLang="en-US"/>
-                    </a:p>
-                  </a:txBody>
-                  <a:tcPr marL="91440" marR="91440" anchor="ctr">
-                    <a:lnL w="12700" cap="flat" cmpd="sng" algn="ctr">
-                      <a:solidFill>
-                        <a:schemeClr val="tx1"/>
-                      </a:solidFill>
-                      <a:prstDash val="solid"/>
-                      <a:round/>
-                      <a:headEnd w="med" len="med"/>
-                      <a:tailEnd w="med" len="med"/>
-                    </a:lnL>
-                    <a:lnR w="12700" cap="flat" cmpd="sng" algn="ctr">
-                      <a:solidFill>
-                        <a:schemeClr val="tx1"/>
-                      </a:solidFill>
-                      <a:prstDash val="solid"/>
-                      <a:round/>
-                      <a:headEnd w="med" len="med"/>
-                      <a:tailEnd w="med" len="med"/>
-                    </a:lnR>
-                    <a:lnT w="12700" cap="flat" cmpd="sng" algn="ctr">
-                      <a:solidFill>
-                        <a:schemeClr val="tx1"/>
-                      </a:solidFill>
-                      <a:prstDash val="solid"/>
-                      <a:round/>
-                      <a:headEnd w="med" len="med"/>
-                      <a:tailEnd w="med" len="med"/>
-                    </a:lnT>
-                    <a:lnB w="12700" cap="flat" cmpd="sng" algn="ctr">
-                      <a:solidFill>
-                        <a:schemeClr val="tx1"/>
-                      </a:solidFill>
-                      <a:prstDash val="solid"/>
-                      <a:round/>
-                      <a:headEnd w="med" len="med"/>
-                      <a:tailEnd w="med" len="med"/>
-                    </a:lnB>
-                    <a:noFill/>
-                  </a:tcPr>
-                </a:tc>
-                <a:tc>
-                  <a:txBody>
-                    <a:bodyPr vert="horz" wrap="square" lIns="91440" tIns="45720" rIns="91440" bIns="45720" anchor="ctr" anchorCtr="0">
-                      <a:spAutoFit/>
-                    </a:bodyPr>
-                    <a:p>
-                      <a:pPr algn="ctr">
-                        <a:defRPr/>
-                      </a:pPr>
-                      <a:endParaRPr lang="ko-KR" altLang="en-US">
-                        <a:solidFill>
-                          <a:schemeClr val="dk1"/>
-                        </a:solidFill>
-                      </a:endParaRPr>
-                    </a:p>
-                  </a:txBody>
-                  <a:tcPr marL="91440" marR="91440" anchor="ctr">
-                    <a:lnL w="12700" cap="flat" cmpd="sng" algn="ctr">
-                      <a:solidFill>
-                        <a:schemeClr val="tx1"/>
-                      </a:solidFill>
-                      <a:prstDash val="solid"/>
-                      <a:round/>
-                      <a:headEnd w="med" len="med"/>
-                      <a:tailEnd w="med" len="med"/>
-                    </a:lnL>
-                    <a:lnR w="9525" cap="flat" cmpd="sng" algn="ctr">
-                      <a:noFill/>
-                      <a:prstDash val="solid"/>
-                      <a:round/>
-                      <a:headEnd w="med" len="med"/>
-                      <a:tailEnd w="med" len="med"/>
-                    </a:lnR>
-                    <a:lnT w="9525" cap="flat" cmpd="sng" algn="ctr">
-                      <a:noFill/>
-                      <a:prstDash val="solid"/>
-                      <a:round/>
-                      <a:headEnd w="med" len="med"/>
-                      <a:tailEnd w="med" len="med"/>
-                    </a:lnT>
-                    <a:lnB w="9525" cap="flat" cmpd="sng" algn="ctr">
-                      <a:noFill/>
-                      <a:prstDash val="solid"/>
-                      <a:round/>
-                      <a:headEnd w="med" len="med"/>
-                      <a:tailEnd w="med" len="med"/>
-                    </a:lnB>
-                    <a:noFill/>
-                  </a:tcPr>
-                </a:tc>
-                <a:tc>
-                  <a:txBody>
-                    <a:bodyPr vert="horz" wrap="square" lIns="91440" tIns="45720" rIns="91440" bIns="45720" anchor="ctr" anchorCtr="0">
-                      <a:spAutoFit/>
-                    </a:bodyPr>
-                    <a:p>
-                      <a:pPr algn="ctr">
-                        <a:defRPr/>
-                      </a:pPr>
-                      <a:endParaRPr lang="ko-KR" altLang="en-US">
-                        <a:solidFill>
-                          <a:schemeClr val="dk1"/>
-                        </a:solidFill>
-                      </a:endParaRPr>
-                    </a:p>
-                  </a:txBody>
-                  <a:tcPr marL="91440" marR="91440" anchor="ctr">
-                    <a:lnL w="9525" cap="flat" cmpd="sng" algn="ctr">
-                      <a:noFill/>
-                      <a:prstDash val="solid"/>
-                      <a:round/>
-                      <a:headEnd w="med" len="med"/>
-                      <a:tailEnd w="med" len="med"/>
-                    </a:lnL>
-                    <a:lnR w="9525" cap="flat" cmpd="sng" algn="ctr">
-                      <a:noFill/>
-                      <a:prstDash val="solid"/>
-                      <a:round/>
-                      <a:headEnd w="med" len="med"/>
-                      <a:tailEnd w="med" len="med"/>
-                    </a:lnR>
-                    <a:lnT w="9525" cap="flat" cmpd="sng" algn="ctr">
-                      <a:noFill/>
-                      <a:prstDash val="solid"/>
-                      <a:round/>
-                      <a:headEnd w="med" len="med"/>
-                      <a:tailEnd w="med" len="med"/>
-                    </a:lnT>
-                    <a:lnB w="9525" cap="flat" cmpd="sng" algn="ctr">
-                      <a:noFill/>
-                      <a:prstDash val="solid"/>
-                      <a:round/>
-                      <a:headEnd w="med" len="med"/>
-                      <a:tailEnd w="med" len="med"/>
-                    </a:lnB>
-                    <a:noFill/>
-                  </a:tcPr>
-                </a:tc>
-              </a:tr>
-              <a:tr h="463954">
-                <a:tc>
-                  <a:txBody>
-                    <a:bodyPr vert="horz" wrap="square" lIns="91440" tIns="45720" rIns="91440" bIns="45720" anchor="ctr" anchorCtr="0">
-                      <a:spAutoFit/>
-                    </a:bodyPr>
-                    <a:p>
-                      <a:pPr algn="ctr">
-                        <a:defRPr/>
-                      </a:pPr>
-                      <a:endParaRPr lang="ko-KR" altLang="en-US">
-                        <a:solidFill>
-                          <a:schemeClr val="dk1"/>
-                        </a:solidFill>
-                      </a:endParaRPr>
-                    </a:p>
-                  </a:txBody>
-                  <a:tcPr marL="91440" marR="91440" anchor="ctr">
-                    <a:lnL w="9525" cap="flat" cmpd="sng" algn="ctr">
-                      <a:noFill/>
-                      <a:prstDash val="solid"/>
-                      <a:round/>
-                      <a:headEnd w="med" len="med"/>
-                      <a:tailEnd w="med" len="med"/>
-                    </a:lnL>
-                    <a:lnR w="9525" cap="flat" cmpd="sng" algn="ctr">
-                      <a:noFill/>
-                      <a:prstDash val="solid"/>
-                      <a:round/>
-                      <a:headEnd w="med" len="med"/>
-                      <a:tailEnd w="med" len="med"/>
-                    </a:lnR>
-                    <a:lnT w="9525" cap="flat" cmpd="sng" algn="ctr">
-                      <a:noFill/>
-                      <a:prstDash val="solid"/>
-                      <a:round/>
-                      <a:headEnd w="med" len="med"/>
-                      <a:tailEnd w="med" len="med"/>
-                    </a:lnT>
-                    <a:lnB w="9525" cap="flat" cmpd="sng" algn="ctr">
-                      <a:noFill/>
-                      <a:prstDash val="solid"/>
-                      <a:round/>
-                      <a:headEnd w="med" len="med"/>
-                      <a:tailEnd w="med" len="med"/>
-                    </a:lnB>
-                    <a:noFill/>
-                  </a:tcPr>
-                </a:tc>
-                <a:tc>
-                  <a:txBody>
-                    <a:bodyPr vert="horz" wrap="square" lIns="91440" tIns="45720" rIns="91440" bIns="45720" anchor="ctr" anchorCtr="0">
-                      <a:spAutoFit/>
-                    </a:bodyPr>
-                    <a:p>
-                      <a:pPr algn="ctr">
-                        <a:defRPr/>
-                      </a:pPr>
-                      <a:endParaRPr lang="ko-KR" altLang="en-US">
-                        <a:solidFill>
-                          <a:schemeClr val="dk1"/>
-                        </a:solidFill>
-                      </a:endParaRPr>
-                    </a:p>
-                  </a:txBody>
-                  <a:tcPr marL="91440" marR="91440" anchor="ctr">
-                    <a:lnL w="9525" cap="flat" cmpd="sng" algn="ctr">
-                      <a:noFill/>
-                      <a:prstDash val="solid"/>
-                      <a:round/>
-                      <a:headEnd w="med" len="med"/>
-                      <a:tailEnd w="med" len="med"/>
-                    </a:lnL>
-                    <a:lnR w="9525" cap="flat" cmpd="sng" algn="ctr">
-                      <a:noFill/>
-                      <a:prstDash val="solid"/>
-                      <a:round/>
-                      <a:headEnd w="med" len="med"/>
-                      <a:tailEnd w="med" len="med"/>
-                    </a:lnR>
-                    <a:lnT w="9525" cap="flat" cmpd="sng" algn="ctr">
-                      <a:noFill/>
-                      <a:prstDash val="solid"/>
-                      <a:round/>
-                      <a:headEnd w="med" len="med"/>
-                      <a:tailEnd w="med" len="med"/>
-                    </a:lnT>
-                    <a:lnB w="9525" cap="flat" cmpd="sng" algn="ctr">
-                      <a:noFill/>
-                      <a:prstDash val="solid"/>
-                      <a:round/>
-                      <a:headEnd w="med" len="med"/>
-                      <a:tailEnd w="med" len="med"/>
-                    </a:lnB>
-                    <a:noFill/>
-                  </a:tcPr>
-                </a:tc>
-                <a:tc>
-                  <a:txBody>
-                    <a:bodyPr vert="horz" wrap="square" lIns="91440" tIns="45720" rIns="91440" bIns="45720" anchor="ctr" anchorCtr="0">
-                      <a:spAutoFit/>
-                    </a:bodyPr>
-                    <a:p>
-                      <a:pPr algn="ctr">
-                        <a:defRPr/>
-                      </a:pPr>
-                      <a:endParaRPr lang="ko-KR" altLang="en-US">
-                        <a:solidFill>
-                          <a:schemeClr val="dk1"/>
-                        </a:solidFill>
-                      </a:endParaRPr>
-                    </a:p>
-                  </a:txBody>
-                  <a:tcPr marL="91440" marR="91440" anchor="ctr">
-                    <a:lnL w="9525" cap="flat" cmpd="sng" algn="ctr">
-                      <a:noFill/>
-                      <a:prstDash val="solid"/>
-                      <a:round/>
-                      <a:headEnd w="med" len="med"/>
-                      <a:tailEnd w="med" len="med"/>
-                    </a:lnL>
-                    <a:lnR w="12700" cap="flat" cmpd="sng" algn="ctr">
-                      <a:solidFill>
-                        <a:schemeClr val="tx1"/>
-                      </a:solidFill>
-                      <a:prstDash val="solid"/>
-                      <a:round/>
-                      <a:headEnd w="med" len="med"/>
-                      <a:tailEnd w="med" len="med"/>
-                    </a:lnR>
-                    <a:lnT w="9525" cap="flat" cmpd="sng" algn="ctr">
-                      <a:noFill/>
-                      <a:prstDash val="solid"/>
-                      <a:round/>
-                      <a:headEnd w="med" len="med"/>
-                      <a:tailEnd w="med" len="med"/>
-                    </a:lnT>
-                    <a:lnB w="9525" cap="flat" cmpd="sng" algn="ctr">
-                      <a:noFill/>
-                      <a:prstDash val="solid"/>
-                      <a:round/>
-                      <a:headEnd w="med" len="med"/>
-                      <a:tailEnd w="med" len="med"/>
-                    </a:lnB>
-                    <a:noFill/>
-                  </a:tcPr>
-                </a:tc>
-                <a:tc gridSpan="3">
-                  <a:txBody>
-                    <a:bodyPr vert="horz" wrap="square" lIns="91440" tIns="45720" rIns="91440" bIns="45720" anchor="ctr" anchorCtr="0">
-                      <a:spAutoFit/>
-                    </a:bodyPr>
-                    <a:p>
-                      <a:pPr algn="ctr">
-                        <a:defRPr/>
-                      </a:pPr>
-                      <a:r>
-                        <a:rPr lang="ko-KR" altLang="en-US">
-                          <a:solidFill>
-                            <a:schemeClr val="dk1"/>
-                          </a:solidFill>
-                        </a:rPr>
-                        <a:t>게임 데이터베이스 적용</a:t>
-                      </a:r>
-                      <a:endParaRPr lang="ko-KR" altLang="en-US">
-                        <a:solidFill>
-                          <a:schemeClr val="dk1"/>
-                        </a:solidFill>
-                      </a:endParaRPr>
-                    </a:p>
-                  </a:txBody>
-                  <a:tcPr marL="91440" marR="91440" anchor="ctr">
-                    <a:lnL w="12700" cap="flat" cmpd="sng" algn="ctr">
-                      <a:solidFill>
-                        <a:schemeClr val="tx1"/>
-                      </a:solidFill>
-                      <a:prstDash val="solid"/>
-                      <a:round/>
-                      <a:headEnd w="med" len="med"/>
-                      <a:tailEnd w="med" len="med"/>
-                    </a:lnL>
-                    <a:lnR w="12700" cap="flat" cmpd="sng" algn="ctr">
-                      <a:solidFill>
-                        <a:schemeClr val="tx1"/>
-                      </a:solidFill>
-                      <a:prstDash val="solid"/>
-                      <a:round/>
-                      <a:headEnd w="med" len="med"/>
-                      <a:tailEnd w="med" len="med"/>
-                    </a:lnR>
-                    <a:lnT w="12700" cap="flat" cmpd="sng" algn="ctr">
-                      <a:solidFill>
-                        <a:schemeClr val="tx1"/>
-                      </a:solidFill>
-                      <a:prstDash val="solid"/>
-                      <a:round/>
-                      <a:headEnd w="med" len="med"/>
-                      <a:tailEnd w="med" len="med"/>
-                    </a:lnT>
-                    <a:lnB w="12700" cap="flat" cmpd="sng" algn="ctr">
-                      <a:solidFill>
-                        <a:schemeClr val="tx1"/>
-                      </a:solidFill>
-                      <a:prstDash val="solid"/>
-                      <a:round/>
-                      <a:headEnd w="med" len="med"/>
-                      <a:tailEnd w="med" len="med"/>
-                    </a:lnB>
-                    <a:solidFill>
-                      <a:schemeClr val="lt2"/>
-                    </a:solidFill>
-                  </a:tcPr>
-                </a:tc>
-                <a:tc hMerge="1">
-                  <a:txBody>
-                    <a:bodyPr vert="horz" wrap="square" lIns="91440" tIns="45720" rIns="91440" bIns="45720" anchor="ctr" anchorCtr="0">
-                      <a:spAutoFit/>
-                    </a:bodyPr>
-                    <a:p>
-                      <a:pPr>
-                        <a:defRPr/>
-                      </a:pPr>
-                      <a:endParaRPr lang="ko-KR" altLang="en-US"/>
-                    </a:p>
-                  </a:txBody>
-                  <a:tcPr marL="91440" marR="91440" anchor="ctr">
-                    <a:lnL w="12700" cap="flat" cmpd="sng" algn="ctr">
-                      <a:solidFill>
-                        <a:schemeClr val="tx1"/>
-                      </a:solidFill>
-                      <a:prstDash val="solid"/>
-                      <a:round/>
-                      <a:headEnd w="med" len="med"/>
-                      <a:tailEnd w="med" len="med"/>
-                    </a:lnL>
-                    <a:lnR w="12700" cap="flat" cmpd="sng" algn="ctr">
-                      <a:solidFill>
-                        <a:schemeClr val="tx1"/>
-                      </a:solidFill>
-                      <a:prstDash val="solid"/>
-                      <a:round/>
-                      <a:headEnd w="med" len="med"/>
-                      <a:tailEnd w="med" len="med"/>
-                    </a:lnR>
-                    <a:lnT w="12700" cap="flat" cmpd="sng" algn="ctr">
-                      <a:solidFill>
-                        <a:schemeClr val="tx1"/>
-                      </a:solidFill>
-                      <a:prstDash val="solid"/>
-                      <a:round/>
-                      <a:headEnd w="med" len="med"/>
-                      <a:tailEnd w="med" len="med"/>
-                    </a:lnT>
-                    <a:lnB w="12700" cap="flat" cmpd="sng" algn="ctr">
-                      <a:solidFill>
-                        <a:schemeClr val="tx1"/>
-                      </a:solidFill>
-                      <a:prstDash val="solid"/>
-                      <a:round/>
-                      <a:headEnd w="med" len="med"/>
-                      <a:tailEnd w="med" len="med"/>
-                    </a:lnB>
-                    <a:noFill/>
-                  </a:tcPr>
-                </a:tc>
-                <a:tc hMerge="1">
-                  <a:txBody>
-                    <a:bodyPr vert="horz" wrap="square" lIns="91440" tIns="45720" rIns="91440" bIns="45720" anchor="ctr" anchorCtr="0">
-                      <a:spAutoFit/>
-                    </a:bodyPr>
-                    <a:p>
-                      <a:pPr>
-                        <a:defRPr/>
-                      </a:pPr>
-                      <a:endParaRPr lang="ko-KR" altLang="en-US"/>
-                    </a:p>
-                  </a:txBody>
-                  <a:tcPr marL="91440" marR="91440" anchor="ctr">
-                    <a:lnL w="12700" cap="flat" cmpd="sng" algn="ctr">
-                      <a:solidFill>
-                        <a:schemeClr val="tx1"/>
-                      </a:solidFill>
-                      <a:prstDash val="solid"/>
-                      <a:round/>
-                      <a:headEnd w="med" len="med"/>
-                      <a:tailEnd w="med" len="med"/>
-                    </a:lnL>
-                    <a:lnR w="12700" cap="flat" cmpd="sng" algn="ctr">
-                      <a:solidFill>
-                        <a:schemeClr val="tx1"/>
-                      </a:solidFill>
-                      <a:prstDash val="solid"/>
-                      <a:round/>
-                      <a:headEnd w="med" len="med"/>
-                      <a:tailEnd w="med" len="med"/>
-                    </a:lnR>
-                    <a:lnT w="12700" cap="flat" cmpd="sng" algn="ctr">
-                      <a:solidFill>
-                        <a:schemeClr val="tx1"/>
-                      </a:solidFill>
-                      <a:prstDash val="solid"/>
-                      <a:round/>
-                      <a:headEnd w="med" len="med"/>
-                      <a:tailEnd w="med" len="med"/>
-                    </a:lnT>
-                    <a:lnB w="12700" cap="flat" cmpd="sng" algn="ctr">
-                      <a:solidFill>
-                        <a:schemeClr val="tx1"/>
-                      </a:solidFill>
-                      <a:prstDash val="solid"/>
-                      <a:round/>
-                      <a:headEnd w="med" len="med"/>
-                      <a:tailEnd w="med" len="med"/>
-                    </a:lnB>
-                    <a:noFill/>
-                  </a:tcPr>
-                </a:tc>
-                <a:tc>
-                  <a:txBody>
-                    <a:bodyPr vert="horz" wrap="square" lIns="91440" tIns="45720" rIns="91440" bIns="45720" anchor="ctr" anchorCtr="0">
-                      <a:spAutoFit/>
-                    </a:bodyPr>
-                    <a:p>
-                      <a:pPr algn="ctr">
-                        <a:defRPr/>
-                      </a:pPr>
-                      <a:endParaRPr lang="ko-KR" altLang="en-US">
-                        <a:solidFill>
-                          <a:schemeClr val="dk1"/>
-                        </a:solidFill>
-                      </a:endParaRPr>
-                    </a:p>
-                  </a:txBody>
-                  <a:tcPr marL="91440" marR="91440" anchor="ctr">
-                    <a:lnL w="12700" cap="flat" cmpd="sng" algn="ctr">
-                      <a:solidFill>
-                        <a:schemeClr val="tx1"/>
-                      </a:solidFill>
-                      <a:prstDash val="solid"/>
-                      <a:round/>
-                      <a:headEnd w="med" len="med"/>
-                      <a:tailEnd w="med" len="med"/>
-                    </a:lnL>
-                    <a:lnR w="9525" cap="flat" cmpd="sng" algn="ctr">
-                      <a:noFill/>
-                      <a:prstDash val="solid"/>
-                      <a:round/>
-                      <a:headEnd w="med" len="med"/>
-                      <a:tailEnd w="med" len="med"/>
-                    </a:lnR>
-                    <a:lnT w="12700" cap="flat" cmpd="sng" algn="ctr">
-                      <a:solidFill>
-                        <a:schemeClr val="tx1"/>
-                      </a:solidFill>
-                      <a:prstDash val="solid"/>
-                      <a:round/>
-                      <a:headEnd w="med" len="med"/>
-                      <a:tailEnd w="med" len="med"/>
-                    </a:lnT>
-                    <a:lnB w="12700" cap="flat" cmpd="sng" algn="ctr">
-                      <a:solidFill>
-                        <a:schemeClr val="tx1"/>
-                      </a:solidFill>
-                      <a:prstDash val="solid"/>
-                      <a:round/>
-                      <a:headEnd w="med" len="med"/>
-                      <a:tailEnd w="med" len="med"/>
-                    </a:lnB>
-                    <a:noFill/>
-                  </a:tcPr>
-                </a:tc>
-                <a:tc>
-                  <a:txBody>
-                    <a:bodyPr vert="horz" wrap="square" lIns="91440" tIns="45720" rIns="91440" bIns="45720" anchor="ctr" anchorCtr="0">
-                      <a:spAutoFit/>
-                    </a:bodyPr>
-                    <a:p>
-                      <a:pPr algn="ctr">
-                        <a:defRPr/>
-                      </a:pPr>
-                      <a:endParaRPr lang="ko-KR" altLang="en-US">
-                        <a:solidFill>
-                          <a:schemeClr val="dk1"/>
-                        </a:solidFill>
-                      </a:endParaRPr>
-                    </a:p>
-                  </a:txBody>
-                  <a:tcPr marL="91440" marR="91440" anchor="ctr">
-                    <a:lnL w="9525" cap="flat" cmpd="sng" algn="ctr">
-                      <a:noFill/>
-                      <a:prstDash val="solid"/>
-                      <a:round/>
-                      <a:headEnd w="med" len="med"/>
-                      <a:tailEnd w="med" len="med"/>
-                    </a:lnL>
-                    <a:lnR w="9525" cap="flat" cmpd="sng" algn="ctr">
-                      <a:noFill/>
-                      <a:prstDash val="solid"/>
-                      <a:round/>
-                      <a:headEnd w="med" len="med"/>
-                      <a:tailEnd w="med" len="med"/>
-                    </a:lnR>
-                    <a:lnT w="9525" cap="flat" cmpd="sng" algn="ctr">
-                      <a:noFill/>
-                      <a:prstDash val="solid"/>
-                      <a:round/>
-                      <a:headEnd w="med" len="med"/>
-                      <a:tailEnd w="med" len="med"/>
-                    </a:lnT>
-                    <a:lnB w="12700" cap="flat" cmpd="sng" algn="ctr">
-                      <a:solidFill>
-                        <a:schemeClr val="tx1"/>
-                      </a:solidFill>
-                      <a:prstDash val="solid"/>
-                      <a:round/>
-                      <a:headEnd w="med" len="med"/>
-                      <a:tailEnd w="med" len="med"/>
-                    </a:lnB>
-                    <a:noFill/>
-                  </a:tcPr>
-                </a:tc>
-                <a:tc>
-                  <a:txBody>
-                    <a:bodyPr vert="horz" wrap="square" lIns="91440" tIns="45720" rIns="91440" bIns="45720" anchor="ctr" anchorCtr="0">
-                      <a:spAutoFit/>
-                    </a:bodyPr>
-                    <a:p>
-                      <a:pPr algn="ctr">
-                        <a:defRPr/>
-                      </a:pPr>
-                      <a:endParaRPr lang="ko-KR" altLang="en-US">
-                        <a:solidFill>
-                          <a:schemeClr val="dk1"/>
-                        </a:solidFill>
-                      </a:endParaRPr>
-                    </a:p>
-                  </a:txBody>
-                  <a:tcPr marL="91440" marR="91440" anchor="ctr">
-                    <a:lnL w="9525" cap="flat" cmpd="sng" algn="ctr">
-                      <a:noFill/>
-                      <a:prstDash val="solid"/>
-                      <a:round/>
-                      <a:headEnd w="med" len="med"/>
-                      <a:tailEnd w="med" len="med"/>
-                    </a:lnL>
-                    <a:lnR w="9525" cap="flat" cmpd="sng" algn="ctr">
-                      <a:noFill/>
-                      <a:prstDash val="solid"/>
-                      <a:round/>
-                      <a:headEnd w="med" len="med"/>
-                      <a:tailEnd w="med" len="med"/>
-                    </a:lnR>
-                    <a:lnT w="9525" cap="flat" cmpd="sng" algn="ctr">
-                      <a:noFill/>
-                      <a:prstDash val="solid"/>
-                      <a:round/>
-                      <a:headEnd w="med" len="med"/>
-                      <a:tailEnd w="med" len="med"/>
-                    </a:lnT>
-                    <a:lnB w="9525" cap="flat" cmpd="sng" algn="ctr">
-                      <a:noFill/>
-                      <a:prstDash val="solid"/>
-                      <a:round/>
-                      <a:headEnd w="med" len="med"/>
-                      <a:tailEnd w="med" len="med"/>
-                    </a:lnB>
-                    <a:noFill/>
-                  </a:tcPr>
-                </a:tc>
-              </a:tr>
-              <a:tr h="463954">
-                <a:tc>
-                  <a:txBody>
-                    <a:bodyPr vert="horz" wrap="square" lIns="91440" tIns="45720" rIns="91440" bIns="45720" anchor="ctr" anchorCtr="0">
-                      <a:spAutoFit/>
-                    </a:bodyPr>
-                    <a:p>
-                      <a:pPr algn="ctr">
-                        <a:defRPr/>
-                      </a:pPr>
-                      <a:endParaRPr lang="ko-KR" altLang="en-US">
-                        <a:solidFill>
-                          <a:schemeClr val="dk1"/>
-                        </a:solidFill>
-                      </a:endParaRPr>
-                    </a:p>
-                  </a:txBody>
-                  <a:tcPr marL="91440" marR="91440" anchor="ctr">
-                    <a:lnL w="9525" cap="flat" cmpd="sng" algn="ctr">
-                      <a:noFill/>
-                      <a:prstDash val="solid"/>
-                      <a:round/>
-                      <a:headEnd w="med" len="med"/>
-                      <a:tailEnd w="med" len="med"/>
-                    </a:lnL>
-                    <a:lnR w="9525" cap="flat" cmpd="sng" algn="ctr">
-                      <a:noFill/>
-                      <a:prstDash val="solid"/>
-                      <a:round/>
-                      <a:headEnd w="med" len="med"/>
-                      <a:tailEnd w="med" len="med"/>
-                    </a:lnR>
-                    <a:lnT w="9525" cap="flat" cmpd="sng" algn="ctr">
-                      <a:noFill/>
-                      <a:prstDash val="solid"/>
-                      <a:round/>
-                      <a:headEnd w="med" len="med"/>
-                      <a:tailEnd w="med" len="med"/>
-                    </a:lnT>
-                    <a:lnB w="9525" cap="flat" cmpd="sng" algn="ctr">
-                      <a:noFill/>
-                      <a:prstDash val="solid"/>
-                      <a:round/>
-                      <a:headEnd w="med" len="med"/>
-                      <a:tailEnd w="med" len="med"/>
-                    </a:lnB>
-                    <a:noFill/>
-                  </a:tcPr>
-                </a:tc>
-                <a:tc>
-                  <a:txBody>
-                    <a:bodyPr vert="horz" wrap="square" lIns="91440" tIns="45720" rIns="91440" bIns="45720" anchor="ctr" anchorCtr="0">
-                      <a:spAutoFit/>
-                    </a:bodyPr>
-                    <a:p>
-                      <a:pPr algn="ctr">
-                        <a:defRPr/>
-                      </a:pPr>
-                      <a:endParaRPr lang="ko-KR" altLang="en-US">
-                        <a:solidFill>
-                          <a:schemeClr val="dk1"/>
-                        </a:solidFill>
-                      </a:endParaRPr>
-                    </a:p>
-                  </a:txBody>
-                  <a:tcPr marL="91440" marR="91440" anchor="ctr">
-                    <a:lnL w="9525" cap="flat" cmpd="sng" algn="ctr">
-                      <a:noFill/>
-                      <a:prstDash val="solid"/>
-                      <a:round/>
-                      <a:headEnd w="med" len="med"/>
-                      <a:tailEnd w="med" len="med"/>
-                    </a:lnL>
-                    <a:lnR w="9525" cap="flat" cmpd="sng" algn="ctr">
-                      <a:noFill/>
-                      <a:prstDash val="solid"/>
-                      <a:round/>
-                      <a:headEnd w="med" len="med"/>
-                      <a:tailEnd w="med" len="med"/>
-                    </a:lnR>
-                    <a:lnT w="9525" cap="flat" cmpd="sng" algn="ctr">
-                      <a:noFill/>
-                      <a:prstDash val="solid"/>
-                      <a:round/>
-                      <a:headEnd w="med" len="med"/>
-                      <a:tailEnd w="med" len="med"/>
-                    </a:lnT>
-                    <a:lnB w="9525" cap="flat" cmpd="sng" algn="ctr">
-                      <a:noFill/>
-                      <a:prstDash val="solid"/>
-                      <a:round/>
-                      <a:headEnd w="med" len="med"/>
-                      <a:tailEnd w="med" len="med"/>
-                    </a:lnB>
-                    <a:noFill/>
-                  </a:tcPr>
-                </a:tc>
-                <a:tc>
-                  <a:txBody>
-                    <a:bodyPr vert="horz" wrap="square" lIns="91440" tIns="45720" rIns="91440" bIns="45720" anchor="ctr" anchorCtr="0">
-                      <a:spAutoFit/>
-                    </a:bodyPr>
-                    <a:p>
-                      <a:pPr algn="ctr">
-                        <a:defRPr/>
-                      </a:pPr>
-                      <a:endParaRPr lang="ko-KR" altLang="en-US">
-                        <a:solidFill>
-                          <a:schemeClr val="dk1"/>
-                        </a:solidFill>
-                      </a:endParaRPr>
-                    </a:p>
-                  </a:txBody>
-                  <a:tcPr marL="91440" marR="91440" anchor="ctr">
-                    <a:lnL w="9525" cap="flat" cmpd="sng" algn="ctr">
-                      <a:noFill/>
-                      <a:prstDash val="solid"/>
-                      <a:round/>
-                      <a:headEnd w="med" len="med"/>
-                      <a:tailEnd w="med" len="med"/>
-                    </a:lnL>
-                    <a:lnR w="9525" cap="flat" cmpd="sng" algn="ctr">
-                      <a:noFill/>
-                      <a:prstDash val="solid"/>
-                      <a:round/>
-                      <a:headEnd w="med" len="med"/>
-                      <a:tailEnd w="med" len="med"/>
-                    </a:lnR>
-                    <a:lnT w="9525" cap="flat" cmpd="sng" algn="ctr">
-                      <a:noFill/>
-                      <a:prstDash val="solid"/>
-                      <a:round/>
-                      <a:headEnd w="med" len="med"/>
-                      <a:tailEnd w="med" len="med"/>
-                    </a:lnT>
-                    <a:lnB w="9525" cap="flat" cmpd="sng" algn="ctr">
-                      <a:noFill/>
-                      <a:prstDash val="solid"/>
-                      <a:round/>
-                      <a:headEnd w="med" len="med"/>
-                      <a:tailEnd w="med" len="med"/>
-                    </a:lnB>
-                    <a:noFill/>
-                  </a:tcPr>
-                </a:tc>
-                <a:tc>
-                  <a:txBody>
-                    <a:bodyPr vert="horz" wrap="square" lIns="91440" tIns="45720" rIns="91440" bIns="45720" anchor="ctr" anchorCtr="0">
-                      <a:spAutoFit/>
-                    </a:bodyPr>
-                    <a:p>
-                      <a:pPr algn="ctr">
-                        <a:defRPr/>
-                      </a:pPr>
-                      <a:endParaRPr lang="ko-KR" altLang="en-US">
-                        <a:solidFill>
-                          <a:schemeClr val="dk1"/>
-                        </a:solidFill>
-                      </a:endParaRPr>
-                    </a:p>
-                  </a:txBody>
-                  <a:tcPr marL="91440" marR="91440" anchor="ctr">
-                    <a:lnL w="9525" cap="flat" cmpd="sng" algn="ctr">
-                      <a:noFill/>
-                      <a:prstDash val="solid"/>
-                      <a:round/>
-                      <a:headEnd w="med" len="med"/>
-                      <a:tailEnd w="med" len="med"/>
-                    </a:lnL>
-                    <a:lnR w="9525" cap="flat" cmpd="sng" algn="ctr">
-                      <a:noFill/>
-                      <a:prstDash val="solid"/>
-                      <a:round/>
-                      <a:headEnd w="med" len="med"/>
-                      <a:tailEnd w="med" len="med"/>
-                    </a:lnR>
-                    <a:lnT w="12700" cap="flat" cmpd="sng" algn="ctr">
-                      <a:solidFill>
-                        <a:schemeClr val="tx1"/>
-                      </a:solidFill>
-                      <a:prstDash val="solid"/>
-                      <a:round/>
-                      <a:headEnd w="med" len="med"/>
-                      <a:tailEnd w="med" len="med"/>
-                    </a:lnT>
-                    <a:lnB w="9525" cap="flat" cmpd="sng" algn="ctr">
-                      <a:noFill/>
-                      <a:prstDash val="solid"/>
-                      <a:round/>
-                      <a:headEnd w="med" len="med"/>
-                      <a:tailEnd w="med" len="med"/>
-                    </a:lnB>
-                    <a:noFill/>
-                  </a:tcPr>
-                </a:tc>
-                <a:tc>
-                  <a:txBody>
-                    <a:bodyPr vert="horz" wrap="square" lIns="91440" tIns="45720" rIns="91440" bIns="45720" anchor="ctr" anchorCtr="0">
-                      <a:spAutoFit/>
-                    </a:bodyPr>
-                    <a:p>
-                      <a:pPr algn="ctr">
-                        <a:defRPr/>
-                      </a:pPr>
-                      <a:endParaRPr lang="ko-KR" altLang="en-US">
-                        <a:solidFill>
-                          <a:schemeClr val="dk1"/>
-                        </a:solidFill>
-                      </a:endParaRPr>
-                    </a:p>
-                  </a:txBody>
-                  <a:tcPr marL="91440" marR="91440" anchor="ctr">
-                    <a:lnL w="9525" cap="flat" cmpd="sng" algn="ctr">
-                      <a:noFill/>
-                      <a:prstDash val="solid"/>
-                      <a:round/>
-                      <a:headEnd w="med" len="med"/>
-                      <a:tailEnd w="med" len="med"/>
-                    </a:lnL>
-                    <a:lnR w="12700" cap="flat" cmpd="sng" algn="ctr">
-                      <a:solidFill>
-                        <a:schemeClr val="tx1"/>
-                      </a:solidFill>
-                      <a:prstDash val="solid"/>
-                      <a:round/>
-                      <a:headEnd w="med" len="med"/>
-                      <a:tailEnd w="med" len="med"/>
-                    </a:lnR>
-                    <a:lnT w="12700" cap="flat" cmpd="sng" algn="ctr">
-                      <a:solidFill>
-                        <a:schemeClr val="tx1"/>
-                      </a:solidFill>
-                      <a:prstDash val="solid"/>
-                      <a:round/>
-                      <a:headEnd w="med" len="med"/>
-                      <a:tailEnd w="med" len="med"/>
-                    </a:lnT>
-                    <a:lnB w="9525" cap="flat" cmpd="sng" algn="ctr">
-                      <a:noFill/>
-                      <a:prstDash val="solid"/>
-                      <a:round/>
-                      <a:headEnd w="med" len="med"/>
-                      <a:tailEnd w="med" len="med"/>
-                    </a:lnB>
-                    <a:noFill/>
-                  </a:tcPr>
-                </a:tc>
-                <a:tc gridSpan="3">
-                  <a:txBody>
-                    <a:bodyPr vert="horz" wrap="square" lIns="91440" tIns="45720" rIns="91440" bIns="45720" anchor="ctr" anchorCtr="0">
-                      <a:spAutoFit/>
-                    </a:bodyPr>
-                    <a:p>
-                      <a:pPr algn="ctr">
-                        <a:defRPr/>
-                      </a:pPr>
-                      <a:r>
-                        <a:rPr lang="ko-KR" altLang="en-US">
-                          <a:solidFill>
-                            <a:schemeClr val="dk1"/>
-                          </a:solidFill>
-                        </a:rPr>
-                        <a:t>기타 리소스 적용</a:t>
-                      </a:r>
-                      <a:endParaRPr lang="ko-KR" altLang="en-US">
-                        <a:solidFill>
-                          <a:schemeClr val="dk1"/>
-                        </a:solidFill>
-                      </a:endParaRPr>
-                    </a:p>
-                  </a:txBody>
-                  <a:tcPr marL="91440" marR="91440" anchor="ctr">
-                    <a:lnL w="12700" cap="flat" cmpd="sng" algn="ctr">
-                      <a:solidFill>
-                        <a:schemeClr val="tx1"/>
-                      </a:solidFill>
-                      <a:prstDash val="solid"/>
-                      <a:round/>
-                      <a:headEnd w="med" len="med"/>
-                      <a:tailEnd w="med" len="med"/>
-                    </a:lnL>
-                    <a:lnR w="12700" cap="flat" cmpd="sng" algn="ctr">
-                      <a:solidFill>
-                        <a:schemeClr val="tx1"/>
-                      </a:solidFill>
-                      <a:prstDash val="solid"/>
-                      <a:round/>
-                      <a:headEnd w="med" len="med"/>
-                      <a:tailEnd w="med" len="med"/>
-                    </a:lnR>
-                    <a:lnT w="12700" cap="flat" cmpd="sng" algn="ctr">
-                      <a:solidFill>
-                        <a:schemeClr val="tx1"/>
-                      </a:solidFill>
-                      <a:prstDash val="solid"/>
-                      <a:round/>
-                      <a:headEnd w="med" len="med"/>
-                      <a:tailEnd w="med" len="med"/>
-                    </a:lnT>
-                    <a:lnB w="12700" cap="flat" cmpd="sng" algn="ctr">
-                      <a:solidFill>
-                        <a:schemeClr val="tx1"/>
-                      </a:solidFill>
-                      <a:prstDash val="solid"/>
-                      <a:round/>
-                      <a:headEnd w="med" len="med"/>
-                      <a:tailEnd w="med" len="med"/>
-                    </a:lnB>
-                    <a:solidFill>
-                      <a:schemeClr val="lt2"/>
-                    </a:solidFill>
-                  </a:tcPr>
-                </a:tc>
-                <a:tc hMerge="1">
-                  <a:txBody>
-                    <a:bodyPr vert="horz" wrap="square" lIns="91440" tIns="45720" rIns="91440" bIns="45720" anchor="ctr" anchorCtr="0">
-                      <a:spAutoFit/>
-                    </a:bodyPr>
-                    <a:p>
-                      <a:pPr>
-                        <a:defRPr/>
-                      </a:pPr>
-                      <a:endParaRPr lang="ko-KR" altLang="en-US"/>
-                    </a:p>
-                  </a:txBody>
-                  <a:tcPr marL="91440" marR="91440" anchor="ctr">
-                    <a:lnL w="12700" cap="flat" cmpd="sng" algn="ctr">
-                      <a:solidFill>
-                        <a:schemeClr val="tx1"/>
-                      </a:solidFill>
-                      <a:prstDash val="solid"/>
-                      <a:round/>
-                      <a:headEnd w="med" len="med"/>
-                      <a:tailEnd w="med" len="med"/>
-                    </a:lnL>
-                    <a:lnR w="12700" cap="flat" cmpd="sng" algn="ctr">
-                      <a:solidFill>
-                        <a:schemeClr val="tx1"/>
-                      </a:solidFill>
-                      <a:prstDash val="solid"/>
-                      <a:round/>
-                      <a:headEnd w="med" len="med"/>
-                      <a:tailEnd w="med" len="med"/>
-                    </a:lnR>
-                    <a:lnT w="12700" cap="flat" cmpd="sng" algn="ctr">
-                      <a:solidFill>
-                        <a:schemeClr val="tx1"/>
-                      </a:solidFill>
-                      <a:prstDash val="solid"/>
-                      <a:round/>
-                      <a:headEnd w="med" len="med"/>
-                      <a:tailEnd w="med" len="med"/>
-                    </a:lnT>
-                    <a:lnB w="12700" cap="flat" cmpd="sng" algn="ctr">
-                      <a:solidFill>
-                        <a:schemeClr val="tx1"/>
-                      </a:solidFill>
-                      <a:prstDash val="solid"/>
-                      <a:round/>
-                      <a:headEnd w="med" len="med"/>
-                      <a:tailEnd w="med" len="med"/>
-                    </a:lnB>
-                    <a:noFill/>
-                  </a:tcPr>
-                </a:tc>
-                <a:tc hMerge="1">
-                  <a:txBody>
-                    <a:bodyPr vert="horz" wrap="square" lIns="91440" tIns="45720" rIns="91440" bIns="45720" anchor="ctr" anchorCtr="0">
-                      <a:spAutoFit/>
-                    </a:bodyPr>
-                    <a:p>
-                      <a:pPr>
-                        <a:defRPr/>
-                      </a:pPr>
-                      <a:endParaRPr lang="ko-KR" altLang="en-US"/>
-                    </a:p>
-                  </a:txBody>
-                  <a:tcPr marL="91440" marR="91440" anchor="ctr">
-                    <a:lnL w="12700" cap="flat" cmpd="sng" algn="ctr">
-                      <a:solidFill>
-                        <a:schemeClr val="tx1"/>
-                      </a:solidFill>
-                      <a:prstDash val="solid"/>
-                      <a:round/>
-                      <a:headEnd w="med" len="med"/>
-                      <a:tailEnd w="med" len="med"/>
-                    </a:lnL>
-                    <a:lnR w="12700" cap="flat" cmpd="sng" algn="ctr">
-                      <a:solidFill>
-                        <a:schemeClr val="tx1"/>
-                      </a:solidFill>
-                      <a:prstDash val="solid"/>
-                      <a:round/>
-                      <a:headEnd w="med" len="med"/>
-                      <a:tailEnd w="med" len="med"/>
-                    </a:lnR>
-                    <a:lnT w="12700" cap="flat" cmpd="sng" algn="ctr">
-                      <a:solidFill>
-                        <a:schemeClr val="tx1"/>
-                      </a:solidFill>
-                      <a:prstDash val="solid"/>
-                      <a:round/>
-                      <a:headEnd w="med" len="med"/>
-                      <a:tailEnd w="med" len="med"/>
-                    </a:lnT>
-                    <a:lnB w="12700" cap="flat" cmpd="sng" algn="ctr">
-                      <a:solidFill>
-                        <a:schemeClr val="tx1"/>
-                      </a:solidFill>
-                      <a:prstDash val="solid"/>
-                      <a:round/>
-                      <a:headEnd w="med" len="med"/>
-                      <a:tailEnd w="med" len="med"/>
-                    </a:lnB>
-                    <a:noFill/>
-                  </a:tcPr>
-                </a:tc>
-                <a:tc>
-                  <a:txBody>
-                    <a:bodyPr vert="horz" wrap="square" lIns="91440" tIns="45720" rIns="91440" bIns="45720" anchor="ctr" anchorCtr="0">
-                      <a:spAutoFit/>
-                    </a:bodyPr>
-                    <a:p>
-                      <a:pPr algn="ctr">
-                        <a:defRPr/>
-                      </a:pPr>
-                      <a:endParaRPr lang="ko-KR" altLang="en-US">
-                        <a:solidFill>
-                          <a:schemeClr val="dk1"/>
-                        </a:solidFill>
-                      </a:endParaRPr>
-                    </a:p>
-                  </a:txBody>
-                  <a:tcPr marL="91440" marR="91440" anchor="ctr">
-                    <a:lnL w="12700" cap="flat" cmpd="sng" algn="ctr">
-                      <a:solidFill>
-                        <a:schemeClr val="tx1"/>
-                      </a:solidFill>
-                      <a:prstDash val="solid"/>
-                      <a:round/>
-                      <a:headEnd w="med" len="med"/>
-                      <a:tailEnd w="med" len="med"/>
-                    </a:lnL>
-                    <a:lnR w="9525" cap="flat" cmpd="sng" algn="ctr">
-                      <a:noFill/>
-                      <a:prstDash val="solid"/>
-                      <a:round/>
-                      <a:headEnd w="med" len="med"/>
-                      <a:tailEnd w="med" len="med"/>
-                    </a:lnR>
-                    <a:lnT w="9525" cap="flat" cmpd="sng" algn="ctr">
-                      <a:noFill/>
-                      <a:prstDash val="solid"/>
-                      <a:round/>
-                      <a:headEnd w="med" len="med"/>
-                      <a:tailEnd w="med" len="med"/>
-                    </a:lnT>
-                    <a:lnB w="12700" cap="flat" cmpd="sng" algn="ctr">
-                      <a:solidFill>
-                        <a:schemeClr val="tx1"/>
-                      </a:solidFill>
-                      <a:prstDash val="solid"/>
-                      <a:round/>
-                      <a:headEnd w="med" len="med"/>
-                      <a:tailEnd w="med" len="med"/>
-                    </a:lnB>
-                    <a:noFill/>
-                  </a:tcPr>
-                </a:tc>
-              </a:tr>
-              <a:tr h="685242">
-                <a:tc>
-                  <a:txBody>
-                    <a:bodyPr vert="horz" wrap="square" lIns="91440" tIns="45720" rIns="91440" bIns="45720" anchor="ctr" anchorCtr="0">
-                      <a:spAutoFit/>
-                    </a:bodyPr>
-                    <a:p>
-                      <a:pPr algn="ctr">
-                        <a:defRPr/>
-                      </a:pPr>
-                      <a:endParaRPr lang="ko-KR" altLang="en-US">
-                        <a:solidFill>
-                          <a:schemeClr val="dk1"/>
-                        </a:solidFill>
-                      </a:endParaRPr>
-                    </a:p>
-                  </a:txBody>
-                  <a:tcPr marL="91440" marR="91440" anchor="ctr">
-                    <a:lnL w="9525" cap="flat" cmpd="sng" algn="ctr">
-                      <a:noFill/>
-                      <a:prstDash val="solid"/>
-                      <a:round/>
-                      <a:headEnd w="med" len="med"/>
-                      <a:tailEnd w="med" len="med"/>
-                    </a:lnL>
-                    <a:lnR w="9525" cap="flat" cmpd="sng" algn="ctr">
-                      <a:noFill/>
-                      <a:prstDash val="solid"/>
-                      <a:round/>
-                      <a:headEnd w="med" len="med"/>
-                      <a:tailEnd w="med" len="med"/>
-                    </a:lnR>
-                    <a:lnT w="9525" cap="flat" cmpd="sng" algn="ctr">
-                      <a:noFill/>
-                      <a:prstDash val="solid"/>
-                      <a:round/>
-                      <a:headEnd w="med" len="med"/>
-                      <a:tailEnd w="med" len="med"/>
-                    </a:lnT>
-                    <a:lnB w="12700" cap="flat" cmpd="sng" algn="ctr">
-                      <a:solidFill>
-                        <a:schemeClr val="tx1"/>
-                      </a:solidFill>
-                      <a:prstDash val="solid"/>
-                      <a:round/>
-                      <a:headEnd w="med" len="med"/>
-                      <a:tailEnd w="med" len="med"/>
-                    </a:lnB>
-                    <a:noFill/>
-                  </a:tcPr>
-                </a:tc>
-                <a:tc>
-                  <a:txBody>
-                    <a:bodyPr vert="horz" wrap="square" lIns="91440" tIns="45720" rIns="91440" bIns="45720" anchor="ctr" anchorCtr="0">
-                      <a:spAutoFit/>
-                    </a:bodyPr>
-                    <a:p>
-                      <a:pPr algn="ctr">
-                        <a:defRPr/>
-                      </a:pPr>
-                      <a:endParaRPr lang="ko-KR" altLang="en-US">
-                        <a:solidFill>
-                          <a:schemeClr val="dk1"/>
-                        </a:solidFill>
-                      </a:endParaRPr>
-                    </a:p>
-                  </a:txBody>
-                  <a:tcPr marL="91440" marR="91440" anchor="ctr">
-                    <a:lnL w="9525" cap="flat" cmpd="sng" algn="ctr">
-                      <a:noFill/>
-                      <a:prstDash val="solid"/>
-                      <a:round/>
-                      <a:headEnd w="med" len="med"/>
-                      <a:tailEnd w="med" len="med"/>
-                    </a:lnL>
-                    <a:lnR w="9525" cap="flat" cmpd="sng" algn="ctr">
-                      <a:noFill/>
-                      <a:prstDash val="solid"/>
-                      <a:round/>
-                      <a:headEnd w="med" len="med"/>
-                      <a:tailEnd w="med" len="med"/>
-                    </a:lnR>
-                    <a:lnT w="9525" cap="flat" cmpd="sng" algn="ctr">
-                      <a:noFill/>
-                      <a:prstDash val="solid"/>
-                      <a:round/>
-                      <a:headEnd w="med" len="med"/>
-                      <a:tailEnd w="med" len="med"/>
-                    </a:lnT>
-                    <a:lnB w="12700" cap="flat" cmpd="sng" algn="ctr">
-                      <a:solidFill>
-                        <a:schemeClr val="tx1"/>
-                      </a:solidFill>
-                      <a:prstDash val="solid"/>
-                      <a:round/>
-                      <a:headEnd w="med" len="med"/>
-                      <a:tailEnd w="med" len="med"/>
-                    </a:lnB>
-                    <a:noFill/>
-                  </a:tcPr>
-                </a:tc>
-                <a:tc>
-                  <a:txBody>
-                    <a:bodyPr vert="horz" wrap="square" lIns="91440" tIns="45720" rIns="91440" bIns="45720" anchor="ctr" anchorCtr="0">
-                      <a:spAutoFit/>
-                    </a:bodyPr>
-                    <a:p>
-                      <a:pPr algn="ctr">
-                        <a:defRPr/>
-                      </a:pPr>
-                      <a:endParaRPr lang="ko-KR" altLang="en-US">
-                        <a:solidFill>
-                          <a:schemeClr val="dk1"/>
-                        </a:solidFill>
-                      </a:endParaRPr>
-                    </a:p>
-                  </a:txBody>
-                  <a:tcPr marL="91440" marR="91440" anchor="ctr">
-                    <a:lnL w="9525" cap="flat" cmpd="sng" algn="ctr">
-                      <a:noFill/>
-                      <a:prstDash val="solid"/>
-                      <a:round/>
-                      <a:headEnd w="med" len="med"/>
-                      <a:tailEnd w="med" len="med"/>
-                    </a:lnL>
-                    <a:lnR w="9525" cap="flat" cmpd="sng" algn="ctr">
-                      <a:noFill/>
-                      <a:prstDash val="solid"/>
-                      <a:round/>
-                      <a:headEnd w="med" len="med"/>
-                      <a:tailEnd w="med" len="med"/>
-                    </a:lnR>
-                    <a:lnT w="9525" cap="flat" cmpd="sng" algn="ctr">
-                      <a:noFill/>
-                      <a:prstDash val="solid"/>
-                      <a:round/>
-                      <a:headEnd w="med" len="med"/>
-                      <a:tailEnd w="med" len="med"/>
-                    </a:lnT>
-                    <a:lnB w="12700" cap="flat" cmpd="sng" algn="ctr">
-                      <a:solidFill>
-                        <a:schemeClr val="tx1"/>
-                      </a:solidFill>
-                      <a:prstDash val="solid"/>
-                      <a:round/>
-                      <a:headEnd w="med" len="med"/>
-                      <a:tailEnd w="med" len="med"/>
-                    </a:lnB>
-                    <a:noFill/>
-                  </a:tcPr>
-                </a:tc>
-                <a:tc>
-                  <a:txBody>
-                    <a:bodyPr vert="horz" wrap="square" lIns="91440" tIns="45720" rIns="91440" bIns="45720" anchor="ctr" anchorCtr="0">
-                      <a:spAutoFit/>
-                    </a:bodyPr>
-                    <a:p>
-                      <a:pPr algn="ctr">
-                        <a:defRPr/>
-                      </a:pPr>
-                      <a:endParaRPr lang="ko-KR" altLang="en-US">
-                        <a:solidFill>
-                          <a:schemeClr val="dk1"/>
-                        </a:solidFill>
-                      </a:endParaRPr>
-                    </a:p>
-                  </a:txBody>
-                  <a:tcPr marL="91440" marR="91440" anchor="ctr">
-                    <a:lnL w="9525" cap="flat" cmpd="sng" algn="ctr">
-                      <a:noFill/>
-                      <a:prstDash val="solid"/>
-                      <a:round/>
-                      <a:headEnd w="med" len="med"/>
-                      <a:tailEnd w="med" len="med"/>
-                    </a:lnL>
-                    <a:lnR w="9525" cap="flat" cmpd="sng" algn="ctr">
-                      <a:noFill/>
-                      <a:prstDash val="solid"/>
-                      <a:round/>
-                      <a:headEnd w="med" len="med"/>
-                      <a:tailEnd w="med" len="med"/>
-                    </a:lnR>
-                    <a:lnT w="9525" cap="flat" cmpd="sng" algn="ctr">
-                      <a:noFill/>
-                      <a:prstDash val="solid"/>
-                      <a:round/>
-                      <a:headEnd w="med" len="med"/>
-                      <a:tailEnd w="med" len="med"/>
-                    </a:lnT>
-                    <a:lnB w="12700" cap="flat" cmpd="sng" algn="ctr">
-                      <a:solidFill>
-                        <a:schemeClr val="tx1"/>
-                      </a:solidFill>
-                      <a:prstDash val="solid"/>
-                      <a:round/>
-                      <a:headEnd w="med" len="med"/>
-                      <a:tailEnd w="med" len="med"/>
-                    </a:lnB>
-                    <a:noFill/>
-                  </a:tcPr>
-                </a:tc>
-                <a:tc>
-                  <a:txBody>
-                    <a:bodyPr vert="horz" wrap="square" lIns="91440" tIns="45720" rIns="91440" bIns="45720" anchor="ctr" anchorCtr="0">
-                      <a:spAutoFit/>
-                    </a:bodyPr>
-                    <a:p>
-                      <a:pPr algn="ctr">
-                        <a:defRPr/>
-                      </a:pPr>
-                      <a:endParaRPr lang="ko-KR" altLang="en-US">
-                        <a:solidFill>
-                          <a:schemeClr val="dk1"/>
-                        </a:solidFill>
-                      </a:endParaRPr>
-                    </a:p>
-                  </a:txBody>
-                  <a:tcPr marL="91440" marR="91440" anchor="ctr">
-                    <a:lnL w="9525" cap="flat" cmpd="sng" algn="ctr">
-                      <a:noFill/>
-                      <a:prstDash val="solid"/>
-                      <a:round/>
-                      <a:headEnd w="med" len="med"/>
-                      <a:tailEnd w="med" len="med"/>
-                    </a:lnL>
-                    <a:lnR w="9525" cap="flat" cmpd="sng" algn="ctr">
-                      <a:noFill/>
-                      <a:prstDash val="solid"/>
-                      <a:round/>
-                      <a:headEnd w="med" len="med"/>
-                      <a:tailEnd w="med" len="med"/>
-                    </a:lnR>
-                    <a:lnT w="9525" cap="flat" cmpd="sng" algn="ctr">
-                      <a:noFill/>
-                      <a:prstDash val="solid"/>
-                      <a:round/>
-                      <a:headEnd w="med" len="med"/>
-                      <a:tailEnd w="med" len="med"/>
-                    </a:lnT>
-                    <a:lnB w="12700" cap="flat" cmpd="sng" algn="ctr">
-                      <a:solidFill>
-                        <a:schemeClr val="tx1"/>
-                      </a:solidFill>
-                      <a:prstDash val="solid"/>
-                      <a:round/>
-                      <a:headEnd w="med" len="med"/>
-                      <a:tailEnd w="med" len="med"/>
-                    </a:lnB>
-                    <a:noFill/>
-                  </a:tcPr>
-                </a:tc>
-                <a:tc>
-                  <a:txBody>
-                    <a:bodyPr vert="horz" wrap="square" lIns="91440" tIns="45720" rIns="91440" bIns="45720" anchor="ctr" anchorCtr="0">
-                      <a:spAutoFit/>
-                    </a:bodyPr>
-                    <a:p>
-                      <a:pPr algn="ctr">
-                        <a:defRPr/>
-                      </a:pPr>
-                      <a:endParaRPr lang="ko-KR" altLang="en-US">
-                        <a:solidFill>
-                          <a:schemeClr val="dk1"/>
-                        </a:solidFill>
-                      </a:endParaRPr>
-                    </a:p>
-                  </a:txBody>
-                  <a:tcPr marL="91440" marR="91440" anchor="ctr">
-                    <a:lnL w="9525" cap="flat" cmpd="sng" algn="ctr">
-                      <a:noFill/>
-                      <a:prstDash val="solid"/>
-                      <a:round/>
-                      <a:headEnd w="med" len="med"/>
-                      <a:tailEnd w="med" len="med"/>
-                    </a:lnL>
-                    <a:lnR w="9525" cap="flat" cmpd="sng" algn="ctr">
-                      <a:noFill/>
-                      <a:prstDash val="solid"/>
-                      <a:round/>
-                      <a:headEnd w="med" len="med"/>
-                      <a:tailEnd w="med" len="med"/>
-                    </a:lnR>
-                    <a:lnT w="12700" cap="flat" cmpd="sng" algn="ctr">
-                      <a:solidFill>
-                        <a:schemeClr val="tx1"/>
-                      </a:solidFill>
-                      <a:prstDash val="solid"/>
-                      <a:round/>
-                      <a:headEnd w="med" len="med"/>
-                      <a:tailEnd w="med" len="med"/>
-                    </a:lnT>
-                    <a:lnB w="12700" cap="flat" cmpd="sng" algn="ctr">
-                      <a:solidFill>
-                        <a:schemeClr val="tx1"/>
-                      </a:solidFill>
-                      <a:prstDash val="solid"/>
-                      <a:round/>
-                      <a:headEnd w="med" len="med"/>
-                      <a:tailEnd w="med" len="med"/>
-                    </a:lnB>
-                    <a:noFill/>
-                  </a:tcPr>
-                </a:tc>
-                <a:tc>
-                  <a:txBody>
-                    <a:bodyPr vert="horz" wrap="square" lIns="91440" tIns="45720" rIns="91440" bIns="45720" anchor="ctr" anchorCtr="0">
-                      <a:spAutoFit/>
-                    </a:bodyPr>
-                    <a:p>
-                      <a:pPr algn="ctr">
-                        <a:defRPr/>
-                      </a:pPr>
-                      <a:endParaRPr lang="ko-KR" altLang="en-US">
-                        <a:solidFill>
-                          <a:schemeClr val="dk1"/>
-                        </a:solidFill>
-                      </a:endParaRPr>
-                    </a:p>
-                  </a:txBody>
-                  <a:tcPr marL="91440" marR="91440" anchor="ctr">
-                    <a:lnL w="9525" cap="flat" cmpd="sng" algn="ctr">
-                      <a:noFill/>
-                      <a:prstDash val="solid"/>
-                      <a:round/>
-                      <a:headEnd w="med" len="med"/>
-                      <a:tailEnd w="med" len="med"/>
-                    </a:lnL>
-                    <a:lnR w="12700" cap="flat" cmpd="sng" algn="ctr">
-                      <a:solidFill>
-                        <a:schemeClr val="tx1"/>
-                      </a:solidFill>
-                      <a:prstDash val="solid"/>
-                      <a:round/>
-                      <a:headEnd w="med" len="med"/>
-                      <a:tailEnd w="med" len="med"/>
-                    </a:lnR>
-                    <a:lnT w="12700" cap="flat" cmpd="sng" algn="ctr">
-                      <a:solidFill>
-                        <a:schemeClr val="tx1"/>
-                      </a:solidFill>
-                      <a:prstDash val="solid"/>
-                      <a:round/>
-                      <a:headEnd w="med" len="med"/>
-                      <a:tailEnd w="med" len="med"/>
-                    </a:lnT>
-                    <a:lnB w="12700" cap="flat" cmpd="sng" algn="ctr">
-                      <a:solidFill>
-                        <a:schemeClr val="tx1"/>
-                      </a:solidFill>
-                      <a:prstDash val="solid"/>
-                      <a:round/>
-                      <a:headEnd w="med" len="med"/>
-                      <a:tailEnd w="med" len="med"/>
-                    </a:lnB>
-                    <a:noFill/>
-                  </a:tcPr>
-                </a:tc>
-                <a:tc gridSpan="2">
-                  <a:txBody>
-                    <a:bodyPr vert="horz" wrap="square" lIns="91440" tIns="45720" rIns="91440" bIns="45720" anchor="ctr" anchorCtr="0">
-                      <a:spAutoFit/>
-                    </a:bodyPr>
-                    <a:p>
-                      <a:pPr algn="ctr">
-                        <a:defRPr/>
-                      </a:pPr>
-                      <a:r>
-                        <a:rPr lang="ko-KR" altLang="en-US">
-                          <a:solidFill>
-                            <a:schemeClr val="dk1"/>
-                          </a:solidFill>
-                        </a:rPr>
-                        <a:t>최종 조정</a:t>
-                      </a:r>
-                      <a:endParaRPr lang="ko-KR" altLang="en-US">
-                        <a:solidFill>
-                          <a:schemeClr val="dk1"/>
-                        </a:solidFill>
-                      </a:endParaRPr>
-                    </a:p>
-                  </a:txBody>
-                  <a:tcPr marL="91440" marR="91440" anchor="ctr">
-                    <a:lnL w="12700" cap="flat" cmpd="sng" algn="ctr">
-                      <a:solidFill>
-                        <a:schemeClr val="tx1"/>
-                      </a:solidFill>
-                      <a:prstDash val="solid"/>
-                      <a:round/>
-                      <a:headEnd w="med" len="med"/>
-                      <a:tailEnd w="med" len="med"/>
-                    </a:lnL>
-                    <a:lnR w="12700" cap="flat" cmpd="sng" algn="ctr">
-                      <a:solidFill>
-                        <a:schemeClr val="tx1"/>
-                      </a:solidFill>
-                      <a:prstDash val="solid"/>
-                      <a:round/>
-                      <a:headEnd w="med" len="med"/>
-                      <a:tailEnd w="med" len="med"/>
-                    </a:lnR>
-                    <a:lnT w="12700" cap="flat" cmpd="sng" algn="ctr">
-                      <a:solidFill>
-                        <a:schemeClr val="tx1"/>
-                      </a:solidFill>
-                      <a:prstDash val="solid"/>
-                      <a:round/>
-                      <a:headEnd w="med" len="med"/>
-                      <a:tailEnd w="med" len="med"/>
-                    </a:lnT>
-                    <a:lnB w="12700" cap="flat" cmpd="sng" algn="ctr">
-                      <a:solidFill>
-                        <a:schemeClr val="tx1"/>
-                      </a:solidFill>
-                      <a:prstDash val="solid"/>
-                      <a:round/>
-                      <a:headEnd w="med" len="med"/>
-                      <a:tailEnd w="med" len="med"/>
-                    </a:lnB>
-                    <a:solidFill>
-                      <a:schemeClr val="lt2"/>
-                    </a:solidFill>
-                  </a:tcPr>
-                </a:tc>
-                <a:tc hMerge="1">
-                  <a:txBody>
-                    <a:bodyPr vert="horz" wrap="square" lIns="91440" tIns="45720" rIns="91440" bIns="45720" anchor="ctr" anchorCtr="0">
-                      <a:spAutoFit/>
-                    </a:bodyPr>
-                    <a:p>
-                      <a:pPr>
-                        <a:defRPr/>
-                      </a:pPr>
-                      <a:endParaRPr lang="ko-KR" altLang="en-US"/>
-                    </a:p>
-                  </a:txBody>
-                  <a:tcPr marL="91440" marR="91440" anchor="ctr">
-                    <a:lnL w="12700" cap="flat" cmpd="sng" algn="ctr">
-                      <a:solidFill>
-                        <a:schemeClr val="tx1"/>
-                      </a:solidFill>
-                      <a:prstDash val="solid"/>
-                      <a:round/>
-                      <a:headEnd w="med" len="med"/>
-                      <a:tailEnd w="med" len="med"/>
-                    </a:lnL>
-                    <a:lnR w="12700" cap="flat" cmpd="sng" algn="ctr">
-                      <a:solidFill>
-                        <a:schemeClr val="tx1"/>
-                      </a:solidFill>
-                      <a:prstDash val="solid"/>
-                      <a:round/>
-                      <a:headEnd w="med" len="med"/>
-                      <a:tailEnd w="med" len="med"/>
-                    </a:lnR>
-                    <a:lnT w="12700" cap="flat" cmpd="sng" algn="ctr">
-                      <a:solidFill>
-                        <a:schemeClr val="tx1"/>
-                      </a:solidFill>
-                      <a:prstDash val="solid"/>
-                      <a:round/>
-                      <a:headEnd w="med" len="med"/>
-                      <a:tailEnd w="med" len="med"/>
-                    </a:lnT>
-                    <a:lnB w="12700" cap="flat" cmpd="sng" algn="ctr">
-                      <a:solidFill>
-                        <a:schemeClr val="tx1"/>
-                      </a:solidFill>
-                      <a:prstDash val="solid"/>
-                      <a:round/>
-                      <a:headEnd w="med" len="med"/>
-                      <a:tailEnd w="med" len="med"/>
-                    </a:lnB>
-                    <a:noFill/>
-                  </a:tcPr>
-                </a:tc>
-              </a:tr>
-              <a:tr h="927908">
-                <a:tc>
-                  <a:txBody>
-                    <a:bodyPr vert="horz" wrap="square" lIns="91440" tIns="45720" rIns="91440" bIns="45720" anchor="ctr" anchorCtr="0">
-                      <a:spAutoFit/>
-                    </a:bodyPr>
-                    <a:p>
-                      <a:pPr algn="ctr">
-                        <a:defRPr/>
-                      </a:pPr>
-                      <a:r>
-                        <a:rPr lang="en-US" altLang="ko-KR"/>
-                        <a:t>1/2</a:t>
-                      </a:r>
-                      <a:endParaRPr lang="en-US" altLang="ko-KR"/>
-                    </a:p>
-                  </a:txBody>
-                  <a:tcPr marL="91440" marR="91440" anchor="ctr">
-                    <a:lnL w="12700" cap="flat" cmpd="sng" algn="ctr">
-                      <a:solidFill>
-                        <a:schemeClr val="tx1"/>
-                      </a:solidFill>
-                      <a:prstDash val="solid"/>
-                      <a:round/>
-                      <a:headEnd w="med" len="med"/>
-                      <a:tailEnd w="med" len="med"/>
-                    </a:lnL>
-                    <a:lnR w="12700" cap="flat" cmpd="sng" algn="ctr">
-                      <a:solidFill>
-                        <a:schemeClr val="tx1"/>
-                      </a:solidFill>
-                      <a:prstDash val="solid"/>
-                      <a:round/>
-                      <a:headEnd w="med" len="med"/>
-                      <a:tailEnd w="med" len="med"/>
-                    </a:lnR>
-                    <a:lnT w="12700" cap="flat" cmpd="sng" algn="ctr">
-                      <a:solidFill>
-                        <a:schemeClr val="tx1"/>
-                      </a:solidFill>
-                      <a:prstDash val="solid"/>
-                      <a:round/>
-                      <a:headEnd w="med" len="med"/>
-                      <a:tailEnd w="med" len="med"/>
-                    </a:lnT>
-                    <a:lnB w="12700" cap="flat" cmpd="sng" algn="ctr">
-                      <a:solidFill>
-                        <a:schemeClr val="tx1"/>
-                      </a:solidFill>
-                      <a:prstDash val="solid"/>
-                      <a:round/>
-                      <a:headEnd w="med" len="med"/>
-                      <a:tailEnd w="med" len="med"/>
-                    </a:lnB>
-                    <a:noFill/>
-                  </a:tcPr>
-                </a:tc>
-                <a:tc>
-                  <a:txBody>
-                    <a:bodyPr vert="horz" wrap="square" lIns="91440" tIns="45720" rIns="91440" bIns="45720" anchor="ctr" anchorCtr="0">
-                      <a:spAutoFit/>
-                    </a:bodyPr>
-                    <a:p>
-                      <a:pPr algn="ctr">
-                        <a:defRPr/>
-                      </a:pPr>
-                      <a:r>
-                        <a:rPr lang="en-US" altLang="ko-KR"/>
-                        <a:t>1/3</a:t>
-                      </a:r>
-                      <a:endParaRPr lang="en-US" altLang="ko-KR"/>
-                    </a:p>
-                  </a:txBody>
-                  <a:tcPr marL="91440" marR="91440" anchor="ctr">
-                    <a:lnL w="12700" cap="flat" cmpd="sng" algn="ctr">
-                      <a:solidFill>
-                        <a:schemeClr val="tx1"/>
-                      </a:solidFill>
-                      <a:prstDash val="solid"/>
-                      <a:round/>
-                      <a:headEnd w="med" len="med"/>
-                      <a:tailEnd w="med" len="med"/>
-                    </a:lnL>
-                    <a:lnR w="12700" cap="flat" cmpd="sng" algn="ctr">
-                      <a:solidFill>
-                        <a:schemeClr val="tx1"/>
-                      </a:solidFill>
-                      <a:prstDash val="solid"/>
-                      <a:round/>
-                      <a:headEnd w="med" len="med"/>
-                      <a:tailEnd w="med" len="med"/>
-                    </a:lnR>
-                    <a:lnT w="12700" cap="flat" cmpd="sng" algn="ctr">
-                      <a:solidFill>
-                        <a:schemeClr val="tx1"/>
-                      </a:solidFill>
-                      <a:prstDash val="solid"/>
-                      <a:round/>
-                      <a:headEnd w="med" len="med"/>
-                      <a:tailEnd w="med" len="med"/>
-                    </a:lnT>
-                    <a:lnB w="12700" cap="flat" cmpd="sng" algn="ctr">
-                      <a:solidFill>
-                        <a:schemeClr val="tx1"/>
-                      </a:solidFill>
-                      <a:prstDash val="solid"/>
-                      <a:round/>
-                      <a:headEnd w="med" len="med"/>
-                      <a:tailEnd w="med" len="med"/>
-                    </a:lnB>
-                    <a:noFill/>
-                  </a:tcPr>
-                </a:tc>
-                <a:tc>
-                  <a:txBody>
-                    <a:bodyPr vert="horz" wrap="square" lIns="91440" tIns="45720" rIns="91440" bIns="45720" anchor="ctr" anchorCtr="0">
-                      <a:spAutoFit/>
-                    </a:bodyPr>
-                    <a:p>
-                      <a:pPr algn="ctr">
-                        <a:defRPr/>
-                      </a:pPr>
-                      <a:r>
-                        <a:rPr lang="en-US" altLang="ko-KR"/>
-                        <a:t>1/4</a:t>
-                      </a:r>
-                      <a:endParaRPr lang="en-US" altLang="ko-KR"/>
-                    </a:p>
-                  </a:txBody>
-                  <a:tcPr marL="91440" marR="91440" anchor="ctr">
-                    <a:lnL w="12700" cap="flat" cmpd="sng" algn="ctr">
-                      <a:solidFill>
-                        <a:schemeClr val="tx1"/>
-                      </a:solidFill>
-                      <a:prstDash val="solid"/>
-                      <a:round/>
-                      <a:headEnd w="med" len="med"/>
-                      <a:tailEnd w="med" len="med"/>
-                    </a:lnL>
-                    <a:lnR w="12700" cap="flat" cmpd="sng" algn="ctr">
-                      <a:solidFill>
-                        <a:schemeClr val="tx1"/>
-                      </a:solidFill>
-                      <a:prstDash val="solid"/>
-                      <a:round/>
-                      <a:headEnd w="med" len="med"/>
-                      <a:tailEnd w="med" len="med"/>
-                    </a:lnR>
-                    <a:lnT w="12700" cap="flat" cmpd="sng" algn="ctr">
-                      <a:solidFill>
-                        <a:schemeClr val="tx1"/>
-                      </a:solidFill>
-                      <a:prstDash val="solid"/>
-                      <a:round/>
-                      <a:headEnd w="med" len="med"/>
-                      <a:tailEnd w="med" len="med"/>
-                    </a:lnT>
-                    <a:lnB w="12700" cap="flat" cmpd="sng" algn="ctr">
-                      <a:solidFill>
-                        <a:schemeClr val="tx1"/>
-                      </a:solidFill>
-                      <a:prstDash val="solid"/>
-                      <a:round/>
-                      <a:headEnd w="med" len="med"/>
-                      <a:tailEnd w="med" len="med"/>
-                    </a:lnB>
-                    <a:noFill/>
-                  </a:tcPr>
-                </a:tc>
-                <a:tc>
-                  <a:txBody>
-                    <a:bodyPr vert="horz" wrap="square" lIns="91440" tIns="45720" rIns="91440" bIns="45720" anchor="ctr" anchorCtr="0">
-                      <a:spAutoFit/>
-                    </a:bodyPr>
-                    <a:p>
-                      <a:pPr algn="ctr">
-                        <a:defRPr/>
-                      </a:pPr>
-                      <a:r>
-                        <a:rPr lang="en-US" altLang="ko-KR"/>
-                        <a:t>1/5</a:t>
-                      </a:r>
-                      <a:endParaRPr lang="en-US" altLang="ko-KR"/>
-                    </a:p>
-                  </a:txBody>
-                  <a:tcPr marL="91440" marR="91440" anchor="ctr">
-                    <a:lnL w="12700" cap="flat" cmpd="sng" algn="ctr">
-                      <a:solidFill>
-                        <a:schemeClr val="tx1"/>
-                      </a:solidFill>
-                      <a:prstDash val="solid"/>
-                      <a:round/>
-                      <a:headEnd w="med" len="med"/>
-                      <a:tailEnd w="med" len="med"/>
-                    </a:lnL>
-                    <a:lnR w="12700" cap="flat" cmpd="sng" algn="ctr">
-                      <a:solidFill>
-                        <a:schemeClr val="tx1"/>
-                      </a:solidFill>
-                      <a:prstDash val="solid"/>
-                      <a:round/>
-                      <a:headEnd w="med" len="med"/>
-                      <a:tailEnd w="med" len="med"/>
-                    </a:lnR>
-                    <a:lnT w="12700" cap="flat" cmpd="sng" algn="ctr">
-                      <a:solidFill>
-                        <a:schemeClr val="tx1"/>
-                      </a:solidFill>
-                      <a:prstDash val="solid"/>
-                      <a:round/>
-                      <a:headEnd w="med" len="med"/>
-                      <a:tailEnd w="med" len="med"/>
-                    </a:lnT>
-                    <a:lnB w="12700" cap="flat" cmpd="sng" algn="ctr">
-                      <a:solidFill>
-                        <a:schemeClr val="tx1"/>
-                      </a:solidFill>
-                      <a:prstDash val="solid"/>
-                      <a:round/>
-                      <a:headEnd w="med" len="med"/>
-                      <a:tailEnd w="med" len="med"/>
-                    </a:lnB>
-                    <a:noFill/>
-                  </a:tcPr>
-                </a:tc>
-                <a:tc>
-                  <a:txBody>
-                    <a:bodyPr vert="horz" wrap="square" lIns="91440" tIns="45720" rIns="91440" bIns="45720" anchor="ctr" anchorCtr="0">
-                      <a:spAutoFit/>
-                    </a:bodyPr>
-                    <a:p>
-                      <a:pPr algn="ctr">
-                        <a:defRPr/>
-                      </a:pPr>
-                      <a:r>
-                        <a:rPr lang="en-US" altLang="ko-KR"/>
-                        <a:t>1/6</a:t>
-                      </a:r>
-                      <a:endParaRPr lang="en-US" altLang="ko-KR"/>
-                    </a:p>
-                  </a:txBody>
-                  <a:tcPr marL="91440" marR="91440" anchor="ctr">
-                    <a:lnL w="12700" cap="flat" cmpd="sng" algn="ctr">
-                      <a:solidFill>
-                        <a:schemeClr val="tx1"/>
-                      </a:solidFill>
-                      <a:prstDash val="solid"/>
-                      <a:round/>
-                      <a:headEnd w="med" len="med"/>
-                      <a:tailEnd w="med" len="med"/>
-                    </a:lnL>
-                    <a:lnR w="12700" cap="flat" cmpd="sng" algn="ctr">
-                      <a:solidFill>
-                        <a:schemeClr val="tx1"/>
-                      </a:solidFill>
-                      <a:prstDash val="solid"/>
-                      <a:round/>
-                      <a:headEnd w="med" len="med"/>
-                      <a:tailEnd w="med" len="med"/>
-                    </a:lnR>
-                    <a:lnT w="12700" cap="flat" cmpd="sng" algn="ctr">
-                      <a:solidFill>
-                        <a:schemeClr val="tx1"/>
-                      </a:solidFill>
-                      <a:prstDash val="solid"/>
-                      <a:round/>
-                      <a:headEnd w="med" len="med"/>
-                      <a:tailEnd w="med" len="med"/>
-                    </a:lnT>
-                    <a:lnB w="12700" cap="flat" cmpd="sng" algn="ctr">
-                      <a:solidFill>
-                        <a:schemeClr val="tx1"/>
-                      </a:solidFill>
-                      <a:prstDash val="solid"/>
-                      <a:round/>
-                      <a:headEnd w="med" len="med"/>
-                      <a:tailEnd w="med" len="med"/>
-                    </a:lnB>
-                    <a:noFill/>
-                  </a:tcPr>
-                </a:tc>
-                <a:tc>
-                  <a:txBody>
-                    <a:bodyPr vert="horz" wrap="square" lIns="91440" tIns="45720" rIns="91440" bIns="45720" anchor="ctr" anchorCtr="0">
-                      <a:spAutoFit/>
-                    </a:bodyPr>
-                    <a:p>
-                      <a:pPr algn="ctr">
-                        <a:defRPr/>
-                      </a:pPr>
-                      <a:r>
-                        <a:rPr lang="en-US" altLang="ko-KR"/>
-                        <a:t>1/7</a:t>
-                      </a:r>
-                      <a:endParaRPr lang="en-US" altLang="ko-KR"/>
-                    </a:p>
-                  </a:txBody>
-                  <a:tcPr marL="91440" marR="91440" anchor="ctr">
-                    <a:lnL w="12700" cap="flat" cmpd="sng" algn="ctr">
-                      <a:solidFill>
-                        <a:schemeClr val="tx1"/>
-                      </a:solidFill>
-                      <a:prstDash val="solid"/>
-                      <a:round/>
-                      <a:headEnd w="med" len="med"/>
-                      <a:tailEnd w="med" len="med"/>
-                    </a:lnL>
-                    <a:lnR w="12700" cap="flat" cmpd="sng" algn="ctr">
-                      <a:solidFill>
-                        <a:schemeClr val="tx1"/>
-                      </a:solidFill>
-                      <a:prstDash val="solid"/>
-                      <a:round/>
-                      <a:headEnd w="med" len="med"/>
-                      <a:tailEnd w="med" len="med"/>
-                    </a:lnR>
-                    <a:lnT w="12700" cap="flat" cmpd="sng" algn="ctr">
-                      <a:solidFill>
-                        <a:schemeClr val="tx1"/>
-                      </a:solidFill>
-                      <a:prstDash val="solid"/>
-                      <a:round/>
-                      <a:headEnd w="med" len="med"/>
-                      <a:tailEnd w="med" len="med"/>
-                    </a:lnT>
-                    <a:lnB w="12700" cap="flat" cmpd="sng" algn="ctr">
-                      <a:solidFill>
-                        <a:schemeClr val="tx1"/>
-                      </a:solidFill>
-                      <a:prstDash val="solid"/>
-                      <a:round/>
-                      <a:headEnd w="med" len="med"/>
-                      <a:tailEnd w="med" len="med"/>
-                    </a:lnB>
-                    <a:noFill/>
-                  </a:tcPr>
-                </a:tc>
-                <a:tc>
-                  <a:txBody>
-                    <a:bodyPr vert="horz" wrap="square" lIns="91440" tIns="45720" rIns="91440" bIns="45720" anchor="ctr" anchorCtr="0">
-                      <a:spAutoFit/>
-                    </a:bodyPr>
-                    <a:p>
-                      <a:pPr algn="ctr">
-                        <a:defRPr/>
-                      </a:pPr>
-                      <a:r>
-                        <a:rPr lang="en-US" altLang="ko-KR"/>
-                        <a:t>1/8</a:t>
-                      </a:r>
-                      <a:endParaRPr lang="en-US" altLang="ko-KR"/>
-                    </a:p>
-                  </a:txBody>
-                  <a:tcPr marL="91440" marR="91440" anchor="ctr">
-                    <a:lnL w="12700" cap="flat" cmpd="sng" algn="ctr">
-                      <a:solidFill>
-                        <a:schemeClr val="tx1"/>
-                      </a:solidFill>
-                      <a:prstDash val="solid"/>
-                      <a:round/>
-                      <a:headEnd w="med" len="med"/>
-                      <a:tailEnd w="med" len="med"/>
-                    </a:lnL>
-                    <a:lnR w="12700" cap="flat" cmpd="sng" algn="ctr">
-                      <a:solidFill>
-                        <a:schemeClr val="tx1"/>
-                      </a:solidFill>
-                      <a:prstDash val="solid"/>
-                      <a:round/>
-                      <a:headEnd w="med" len="med"/>
-                      <a:tailEnd w="med" len="med"/>
-                    </a:lnR>
-                    <a:lnT w="12700" cap="flat" cmpd="sng" algn="ctr">
-                      <a:solidFill>
-                        <a:schemeClr val="tx1"/>
-                      </a:solidFill>
-                      <a:prstDash val="solid"/>
-                      <a:round/>
-                      <a:headEnd w="med" len="med"/>
-                      <a:tailEnd w="med" len="med"/>
-                    </a:lnT>
-                    <a:lnB w="12700" cap="flat" cmpd="sng" algn="ctr">
-                      <a:solidFill>
-                        <a:schemeClr val="tx1"/>
-                      </a:solidFill>
-                      <a:prstDash val="solid"/>
-                      <a:round/>
-                      <a:headEnd w="med" len="med"/>
-                      <a:tailEnd w="med" len="med"/>
-                    </a:lnB>
-                    <a:noFill/>
-                  </a:tcPr>
-                </a:tc>
-                <a:tc>
-                  <a:txBody>
-                    <a:bodyPr vert="horz" wrap="square" lIns="91440" tIns="45720" rIns="91440" bIns="45720" anchor="ctr" anchorCtr="0">
-                      <a:spAutoFit/>
-                    </a:bodyPr>
-                    <a:p>
-                      <a:pPr algn="ctr">
-                        <a:defRPr/>
-                      </a:pPr>
-                      <a:r>
-                        <a:rPr lang="en-US" altLang="ko-KR"/>
-                        <a:t>1/9</a:t>
-                      </a:r>
-                      <a:endParaRPr lang="en-US" altLang="ko-KR"/>
-                    </a:p>
-                  </a:txBody>
-                  <a:tcPr marL="91440" marR="91440" anchor="ctr">
-                    <a:lnL w="12700" cap="flat" cmpd="sng" algn="ctr">
-                      <a:solidFill>
-                        <a:schemeClr val="tx1"/>
-                      </a:solidFill>
-                      <a:prstDash val="solid"/>
-                      <a:round/>
-                      <a:headEnd w="med" len="med"/>
-                      <a:tailEnd w="med" len="med"/>
-                    </a:lnL>
-                    <a:lnR w="12700" cap="flat" cmpd="sng" algn="ctr">
-                      <a:solidFill>
-                        <a:schemeClr val="tx1"/>
-                      </a:solidFill>
-                      <a:prstDash val="solid"/>
-                      <a:round/>
-                      <a:headEnd w="med" len="med"/>
-                      <a:tailEnd w="med" len="med"/>
-                    </a:lnR>
-                    <a:lnT w="12700" cap="flat" cmpd="sng" algn="ctr">
-                      <a:solidFill>
-                        <a:schemeClr val="tx1"/>
-                      </a:solidFill>
-                      <a:prstDash val="solid"/>
-                      <a:round/>
-                      <a:headEnd w="med" len="med"/>
-                      <a:tailEnd w="med" len="med"/>
-                    </a:lnT>
-                    <a:lnB w="12700" cap="flat" cmpd="sng" algn="ctr">
-                      <a:solidFill>
-                        <a:schemeClr val="tx1"/>
-                      </a:solidFill>
-                      <a:prstDash val="solid"/>
-                      <a:round/>
-                      <a:headEnd w="med" len="med"/>
-                      <a:tailEnd w="med" len="med"/>
-                    </a:lnB>
-                    <a:noFill/>
-                  </a:tcPr>
-                </a:tc>
-                <a:tc>
-                  <a:txBody>
-                    <a:bodyPr vert="horz" wrap="square" lIns="91440" tIns="45720" rIns="91440" bIns="45720" anchor="ctr" anchorCtr="0">
-                      <a:spAutoFit/>
-                    </a:bodyPr>
-                    <a:p>
-                      <a:pPr algn="ctr">
-                        <a:defRPr/>
-                      </a:pPr>
-                      <a:r>
-                        <a:rPr lang="en-US" altLang="ko-KR"/>
-                        <a:t>1/10</a:t>
-                      </a:r>
-                      <a:endParaRPr lang="en-US" altLang="ko-KR"/>
-                    </a:p>
-                  </a:txBody>
-                  <a:tcPr marL="91440" marR="91440" anchor="ctr">
-                    <a:lnL w="12700" cap="flat" cmpd="sng" algn="ctr">
-                      <a:solidFill>
-                        <a:schemeClr val="tx1"/>
-                      </a:solidFill>
-                      <a:prstDash val="solid"/>
-                      <a:round/>
-                      <a:headEnd w="med" len="med"/>
-                      <a:tailEnd w="med" len="med"/>
-                    </a:lnL>
-                    <a:lnR w="12700" cap="flat" cmpd="sng" algn="ctr">
-                      <a:solidFill>
-                        <a:schemeClr val="tx1"/>
-                      </a:solidFill>
-                      <a:prstDash val="solid"/>
-                      <a:round/>
-                      <a:headEnd w="med" len="med"/>
-                      <a:tailEnd w="med" len="med"/>
-                    </a:lnR>
-                    <a:lnT w="12700" cap="flat" cmpd="sng" algn="ctr">
-                      <a:solidFill>
-                        <a:schemeClr val="tx1"/>
-                      </a:solidFill>
-                      <a:prstDash val="solid"/>
-                      <a:round/>
-                      <a:headEnd w="med" len="med"/>
-                      <a:tailEnd w="med" len="med"/>
-                    </a:lnT>
-                    <a:lnB w="12700" cap="flat" cmpd="sng" algn="ctr">
-                      <a:solidFill>
-                        <a:schemeClr val="tx1"/>
-                      </a:solidFill>
-                      <a:prstDash val="solid"/>
-                      <a:round/>
-                      <a:headEnd w="med" len="med"/>
-                      <a:tailEnd w="med" len="med"/>
-                    </a:lnB>
-                    <a:noFill/>
-                  </a:tcPr>
-                </a:tc>
-              </a:tr>
-            </a:tbl>
-          </a:graphicData>
-        </a:graphic>
-      </p:graphicFrame>
+        </p:nvPicPr>
+        <p:blipFill rotWithShape="1">
+          <a:blip r:embed="rId2"/>
+          <a:stretch>
+            <a:fillRect/>
+          </a:stretch>
+        </p:blipFill>
+        <p:spPr>
+          <a:xfrm>
+            <a:off x="2086071" y="1804323"/>
+            <a:ext cx="8019858" cy="4016600"/>
+          </a:xfrm>
+          <a:prstGeom prst="rect">
+            <a:avLst/>
+          </a:prstGeom>
+        </p:spPr>
+      </p:pic>
     </p:spTree>
   </p:cSld>
   <p:clrMapOvr>
     <a:masterClrMapping/>
   </p:clrMapOvr>
-  <mc:AlternateContent xmlns:mc="http://schemas.openxmlformats.org/markup-compatibility/2006">
-    <mc:Choice xmlns:p14="http://schemas.microsoft.com/office/powerpoint/2010/main" Requires="p14">
-      <p:transition xmlns:mc="http://schemas.openxmlformats.org/markup-compatibility/2006" xmlns:p14="http://schemas.microsoft.com/office/powerpoint/2010/main" mc:Ignorable="p14" p14:dur="500"/>
+  <mc:AlternateContent xmlns:mc="http://schemas.openxmlformats.org/markup-compatibility/2006" xmlns:p14="http://schemas.microsoft.com/office/powerpoint/2010/main">
+    <mc:Choice Requires="p14">
+      <p:transition/>
     </mc:Choice>
-    <mc:Fallback>
+    <mc:Fallback xmlns:dsp="http://schemas.microsoft.com/office/drawing/2008/diagram" xmlns:dgm="http://schemas.openxmlformats.org/drawingml/2006/diagram" xmlns:c="http://schemas.openxmlformats.org/drawingml/2006/chart" xmlns="">
       <p:transition/>
     </mc:Fallback>
   </mc:AlternateContent>
 </p:sld>
 </file>
 
-<file path=ppt/slides/slide2.xml><?xml version="1.0" encoding="utf-8"?>
-<p:sld xmlns:r="http://schemas.openxmlformats.org/officeDocument/2006/relationships" xmlns:c="http://schemas.openxmlformats.org/drawingml/2006/chart" xmlns:a="http://schemas.openxmlformats.org/drawingml/2006/main" xmlns:dgm="http://schemas.openxmlformats.org/drawingml/2006/diagram" xmlns:dsp="http://schemas.microsoft.com/office/drawing/2008/diagram" xmlns:p="http://schemas.openxmlformats.org/presentationml/2006/main">
+<file path=ppt/slides/slide11.xml><?xml version="1.0" encoding="utf-8"?>
+<p:sld xmlns:a="http://schemas.openxmlformats.org/drawingml/2006/main" xmlns:r="http://schemas.openxmlformats.org/officeDocument/2006/relationships" xmlns:p="http://schemas.openxmlformats.org/presentationml/2006/main">
   <p:cSld>
     <p:spTree>
       <p:nvGrpSpPr>
@@ -6913,7 +3569,7 @@
             <a:spLocks noGrp="1"/>
           </p:cNvSpPr>
           <p:nvPr>
-            <p:ph type="title" idx="0"/>
+            <p:ph type="title"/>
           </p:nvPr>
         </p:nvSpPr>
         <p:spPr/>
@@ -6921,6 +3577,3711 @@
           <a:bodyPr/>
           <a:lstStyle/>
           <a:p>
+            <a:pPr>
+              <a:defRPr/>
+            </a:pPr>
+            <a:r>
+              <a:rPr lang="ko-KR" altLang="en-US"/>
+              <a:t>개발 일정</a:t>
+            </a:r>
+          </a:p>
+        </p:txBody>
+      </p:sp>
+      <p:graphicFrame>
+        <p:nvGraphicFramePr>
+          <p:cNvPr id="3" name="내용 개체 틀 2"/>
+          <p:cNvGraphicFramePr>
+            <a:graphicFrameLocks noGrp="1"/>
+          </p:cNvGraphicFramePr>
+          <p:nvPr>
+            <p:ph idx="1"/>
+            <p:extLst>
+              <p:ext uri="{D42A27DB-BD31-4B8C-83A1-F6EECF244321}">
+                <p14:modId xmlns:p14="http://schemas.microsoft.com/office/powerpoint/2010/main" val="1455059862"/>
+              </p:ext>
+            </p:extLst>
+          </p:nvPr>
+        </p:nvGraphicFramePr>
+        <p:xfrm>
+          <a:off x="838200" y="1825625"/>
+          <a:ext cx="11177543" cy="3932920"/>
+        </p:xfrm>
+        <a:graphic>
+          <a:graphicData uri="http://schemas.openxmlformats.org/drawingml/2006/table">
+            <a:tbl>
+              <a:tblPr firstRow="1" bandRow="1">
+                <a:tableStyleId>{01A66EDD-3DAB-4C5B-A090-DC80EC1FD486}</a:tableStyleId>
+              </a:tblPr>
+              <a:tblGrid>
+                <a:gridCol w="1294695">
+                  <a:extLst>
+                    <a:ext uri="{9D8B030D-6E8A-4147-A177-3AD203B41FA5}">
+                      <a16:colId xmlns:a16="http://schemas.microsoft.com/office/drawing/2014/main" val="20000"/>
+                    </a:ext>
+                  </a:extLst>
+                </a:gridCol>
+                <a:gridCol w="1173260">
+                  <a:extLst>
+                    <a:ext uri="{9D8B030D-6E8A-4147-A177-3AD203B41FA5}">
+                      <a16:colId xmlns:a16="http://schemas.microsoft.com/office/drawing/2014/main" val="20001"/>
+                    </a:ext>
+                  </a:extLst>
+                </a:gridCol>
+                <a:gridCol w="1291938">
+                  <a:extLst>
+                    <a:ext uri="{9D8B030D-6E8A-4147-A177-3AD203B41FA5}">
+                      <a16:colId xmlns:a16="http://schemas.microsoft.com/office/drawing/2014/main" val="20002"/>
+                    </a:ext>
+                  </a:extLst>
+                </a:gridCol>
+                <a:gridCol w="1292857">
+                  <a:extLst>
+                    <a:ext uri="{9D8B030D-6E8A-4147-A177-3AD203B41FA5}">
+                      <a16:colId xmlns:a16="http://schemas.microsoft.com/office/drawing/2014/main" val="20003"/>
+                    </a:ext>
+                  </a:extLst>
+                </a:gridCol>
+                <a:gridCol w="116840">
+                  <a:extLst>
+                    <a:ext uri="{9D8B030D-6E8A-4147-A177-3AD203B41FA5}">
+                      <a16:colId xmlns:a16="http://schemas.microsoft.com/office/drawing/2014/main" val="20004"/>
+                    </a:ext>
+                  </a:extLst>
+                </a:gridCol>
+                <a:gridCol w="1176936">
+                  <a:extLst>
+                    <a:ext uri="{9D8B030D-6E8A-4147-A177-3AD203B41FA5}">
+                      <a16:colId xmlns:a16="http://schemas.microsoft.com/office/drawing/2014/main" val="1480601846"/>
+                    </a:ext>
+                  </a:extLst>
+                </a:gridCol>
+                <a:gridCol w="116840">
+                  <a:extLst>
+                    <a:ext uri="{9D8B030D-6E8A-4147-A177-3AD203B41FA5}">
+                      <a16:colId xmlns:a16="http://schemas.microsoft.com/office/drawing/2014/main" val="20005"/>
+                    </a:ext>
+                  </a:extLst>
+                </a:gridCol>
+                <a:gridCol w="1177855">
+                  <a:extLst>
+                    <a:ext uri="{9D8B030D-6E8A-4147-A177-3AD203B41FA5}">
+                      <a16:colId xmlns:a16="http://schemas.microsoft.com/office/drawing/2014/main" val="1025565918"/>
+                    </a:ext>
+                  </a:extLst>
+                </a:gridCol>
+                <a:gridCol w="1178774">
+                  <a:extLst>
+                    <a:ext uri="{9D8B030D-6E8A-4147-A177-3AD203B41FA5}">
+                      <a16:colId xmlns:a16="http://schemas.microsoft.com/office/drawing/2014/main" val="20006"/>
+                    </a:ext>
+                  </a:extLst>
+                </a:gridCol>
+                <a:gridCol w="1178774">
+                  <a:extLst>
+                    <a:ext uri="{9D8B030D-6E8A-4147-A177-3AD203B41FA5}">
+                      <a16:colId xmlns:a16="http://schemas.microsoft.com/office/drawing/2014/main" val="20007"/>
+                    </a:ext>
+                  </a:extLst>
+                </a:gridCol>
+                <a:gridCol w="1178774">
+                  <a:extLst>
+                    <a:ext uri="{9D8B030D-6E8A-4147-A177-3AD203B41FA5}">
+                      <a16:colId xmlns:a16="http://schemas.microsoft.com/office/drawing/2014/main" val="20008"/>
+                    </a:ext>
+                  </a:extLst>
+                </a:gridCol>
+              </a:tblGrid>
+              <a:tr h="463954">
+                <a:tc gridSpan="3">
+                  <a:txBody>
+                    <a:bodyPr/>
+                    <a:lstStyle/>
+                    <a:p>
+                      <a:pPr algn="ctr">
+                        <a:defRPr/>
+                      </a:pPr>
+                      <a:r>
+                        <a:rPr lang="ko-KR" altLang="en-US" b="0" dirty="0">
+                          <a:solidFill>
+                            <a:schemeClr val="dk1"/>
+                          </a:solidFill>
+                        </a:rPr>
+                        <a:t>기본 클래스 구현</a:t>
+                      </a:r>
+                    </a:p>
+                  </a:txBody>
+                  <a:tcPr anchor="ctr">
+                    <a:lnL w="12700" cap="flat" cmpd="sng" algn="ctr">
+                      <a:solidFill>
+                        <a:schemeClr val="tx1"/>
+                      </a:solidFill>
+                      <a:prstDash val="solid"/>
+                      <a:round/>
+                      <a:headEnd w="med" len="med"/>
+                      <a:tailEnd w="med" len="med"/>
+                    </a:lnL>
+                    <a:lnR w="12700" cap="flat" cmpd="sng" algn="ctr">
+                      <a:solidFill>
+                        <a:schemeClr val="tx1"/>
+                      </a:solidFill>
+                      <a:prstDash val="solid"/>
+                      <a:round/>
+                      <a:headEnd w="med" len="med"/>
+                      <a:tailEnd w="med" len="med"/>
+                    </a:lnR>
+                    <a:lnT w="12700" cap="flat" cmpd="sng" algn="ctr">
+                      <a:solidFill>
+                        <a:schemeClr val="tx1"/>
+                      </a:solidFill>
+                      <a:prstDash val="solid"/>
+                      <a:round/>
+                      <a:headEnd w="med" len="med"/>
+                      <a:tailEnd w="med" len="med"/>
+                    </a:lnT>
+                    <a:lnB w="12700" cap="flat" cmpd="sng" algn="ctr">
+                      <a:solidFill>
+                        <a:schemeClr val="tx1"/>
+                      </a:solidFill>
+                      <a:prstDash val="solid"/>
+                      <a:round/>
+                      <a:headEnd w="med" len="med"/>
+                      <a:tailEnd w="med" len="med"/>
+                    </a:lnB>
+                    <a:solidFill>
+                      <a:schemeClr val="lt2"/>
+                    </a:solidFill>
+                  </a:tcPr>
+                </a:tc>
+                <a:tc hMerge="1">
+                  <a:txBody>
+                    <a:bodyPr/>
+                    <a:lstStyle/>
+                    <a:p>
+                      <a:pPr>
+                        <a:defRPr/>
+                      </a:pPr>
+                      <a:endParaRPr lang="ko-KR" altLang="en-US"/>
+                    </a:p>
+                  </a:txBody>
+                  <a:tcPr>
+                    <a:lnL w="12700" cap="flat" cmpd="sng" algn="ctr">
+                      <a:solidFill>
+                        <a:schemeClr val="tx1"/>
+                      </a:solidFill>
+                      <a:prstDash val="solid"/>
+                      <a:round/>
+                      <a:headEnd type="none" w="med" len="med"/>
+                      <a:tailEnd type="none" w="med" len="med"/>
+                    </a:lnL>
+                    <a:lnR w="12700" cap="flat" cmpd="sng" algn="ctr">
+                      <a:solidFill>
+                        <a:schemeClr val="tx1"/>
+                      </a:solidFill>
+                      <a:prstDash val="solid"/>
+                      <a:round/>
+                      <a:headEnd w="med" len="med"/>
+                      <a:tailEnd w="med" len="med"/>
+                    </a:lnR>
+                    <a:lnT w="12700" cap="flat" cmpd="sng" algn="ctr">
+                      <a:solidFill>
+                        <a:schemeClr val="tx1"/>
+                      </a:solidFill>
+                      <a:prstDash val="solid"/>
+                      <a:round/>
+                      <a:headEnd w="med" len="med"/>
+                      <a:tailEnd w="med" len="med"/>
+                    </a:lnT>
+                    <a:lnB w="12700" cap="flat" cmpd="sng" algn="ctr">
+                      <a:solidFill>
+                        <a:schemeClr val="tx1"/>
+                      </a:solidFill>
+                      <a:prstDash val="solid"/>
+                      <a:round/>
+                      <a:headEnd type="none" w="med" len="med"/>
+                      <a:tailEnd type="none" w="med" len="med"/>
+                    </a:lnB>
+                    <a:noFill/>
+                  </a:tcPr>
+                </a:tc>
+                <a:tc hMerge="1">
+                  <a:txBody>
+                    <a:bodyPr/>
+                    <a:lstStyle/>
+                    <a:p>
+                      <a:pPr>
+                        <a:defRPr/>
+                      </a:pPr>
+                      <a:endParaRPr lang="ko-KR" altLang="en-US"/>
+                    </a:p>
+                  </a:txBody>
+                  <a:tcPr anchor="ctr">
+                    <a:lnL w="12700" cap="flat" cmpd="sng" algn="ctr">
+                      <a:solidFill>
+                        <a:schemeClr val="tx1"/>
+                      </a:solidFill>
+                      <a:prstDash val="solid"/>
+                      <a:round/>
+                      <a:headEnd w="med" len="med"/>
+                      <a:tailEnd w="med" len="med"/>
+                    </a:lnL>
+                    <a:lnR w="12700" cap="flat" cmpd="sng" algn="ctr">
+                      <a:solidFill>
+                        <a:schemeClr val="tx1"/>
+                      </a:solidFill>
+                      <a:prstDash val="solid"/>
+                      <a:round/>
+                      <a:headEnd w="med" len="med"/>
+                      <a:tailEnd w="med" len="med"/>
+                    </a:lnR>
+                    <a:lnT w="12700" cap="flat" cmpd="sng" algn="ctr">
+                      <a:solidFill>
+                        <a:schemeClr val="tx1"/>
+                      </a:solidFill>
+                      <a:prstDash val="solid"/>
+                      <a:round/>
+                      <a:headEnd w="med" len="med"/>
+                      <a:tailEnd w="med" len="med"/>
+                    </a:lnT>
+                    <a:lnB w="12700" cap="flat" cmpd="sng" algn="ctr">
+                      <a:solidFill>
+                        <a:schemeClr val="tx1"/>
+                      </a:solidFill>
+                      <a:prstDash val="solid"/>
+                      <a:round/>
+                      <a:headEnd w="med" len="med"/>
+                      <a:tailEnd w="med" len="med"/>
+                    </a:lnB>
+                    <a:noFill/>
+                  </a:tcPr>
+                </a:tc>
+                <a:tc>
+                  <a:txBody>
+                    <a:bodyPr/>
+                    <a:lstStyle/>
+                    <a:p>
+                      <a:pPr algn="ctr">
+                        <a:defRPr/>
+                      </a:pPr>
+                      <a:endParaRPr lang="ko-KR" altLang="en-US" b="0" dirty="0">
+                        <a:solidFill>
+                          <a:schemeClr val="dk1"/>
+                        </a:solidFill>
+                      </a:endParaRPr>
+                    </a:p>
+                  </a:txBody>
+                  <a:tcPr anchor="ctr">
+                    <a:lnL w="12700" cap="flat" cmpd="sng" algn="ctr">
+                      <a:solidFill>
+                        <a:schemeClr val="tx1"/>
+                      </a:solidFill>
+                      <a:prstDash val="solid"/>
+                      <a:round/>
+                      <a:headEnd type="none" w="med" len="med"/>
+                      <a:tailEnd type="none" w="med" len="med"/>
+                    </a:lnL>
+                    <a:lnR w="9525" cap="flat" cmpd="sng" algn="ctr">
+                      <a:noFill/>
+                      <a:prstDash val="solid"/>
+                      <a:round/>
+                      <a:headEnd w="med" len="med"/>
+                      <a:tailEnd w="med" len="med"/>
+                    </a:lnR>
+                    <a:lnT w="9525" cap="flat" cmpd="sng" algn="ctr">
+                      <a:noFill/>
+                      <a:prstDash val="solid"/>
+                      <a:round/>
+                      <a:headEnd w="med" len="med"/>
+                      <a:tailEnd w="med" len="med"/>
+                    </a:lnT>
+                    <a:lnB w="12700" cap="flat" cmpd="sng" algn="ctr">
+                      <a:solidFill>
+                        <a:schemeClr val="tx1"/>
+                      </a:solidFill>
+                      <a:prstDash val="solid"/>
+                      <a:round/>
+                      <a:headEnd type="none" w="med" len="med"/>
+                      <a:tailEnd type="none" w="med" len="med"/>
+                    </a:lnB>
+                    <a:noFill/>
+                  </a:tcPr>
+                </a:tc>
+                <a:tc gridSpan="2">
+                  <a:txBody>
+                    <a:bodyPr/>
+                    <a:lstStyle/>
+                    <a:p>
+                      <a:pPr algn="ctr">
+                        <a:defRPr/>
+                      </a:pPr>
+                      <a:endParaRPr lang="ko-KR" altLang="en-US" b="0" dirty="0">
+                        <a:solidFill>
+                          <a:schemeClr val="dk1"/>
+                        </a:solidFill>
+                      </a:endParaRPr>
+                    </a:p>
+                  </a:txBody>
+                  <a:tcPr anchor="ctr">
+                    <a:lnL w="9525" cap="flat" cmpd="sng" algn="ctr">
+                      <a:noFill/>
+                      <a:prstDash val="solid"/>
+                      <a:round/>
+                      <a:headEnd w="med" len="med"/>
+                      <a:tailEnd w="med" len="med"/>
+                    </a:lnL>
+                    <a:lnR w="9525" cap="flat" cmpd="sng" algn="ctr">
+                      <a:noFill/>
+                      <a:prstDash val="solid"/>
+                      <a:round/>
+                      <a:headEnd w="med" len="med"/>
+                      <a:tailEnd w="med" len="med"/>
+                    </a:lnR>
+                    <a:lnT w="9525" cap="flat" cmpd="sng" algn="ctr">
+                      <a:noFill/>
+                      <a:prstDash val="solid"/>
+                      <a:round/>
+                      <a:headEnd w="med" len="med"/>
+                      <a:tailEnd w="med" len="med"/>
+                    </a:lnT>
+                    <a:lnB w="12700" cap="flat" cmpd="sng" algn="ctr">
+                      <a:solidFill>
+                        <a:schemeClr val="tx1"/>
+                      </a:solidFill>
+                      <a:prstDash val="solid"/>
+                      <a:round/>
+                      <a:headEnd type="none" w="med" len="med"/>
+                      <a:tailEnd type="none" w="med" len="med"/>
+                    </a:lnB>
+                    <a:noFill/>
+                  </a:tcPr>
+                </a:tc>
+                <a:tc hMerge="1">
+                  <a:txBody>
+                    <a:bodyPr/>
+                    <a:lstStyle/>
+                    <a:p>
+                      <a:pPr latinLnBrk="1"/>
+                      <a:endParaRPr lang="ko-KR" altLang="en-US"/>
+                    </a:p>
+                  </a:txBody>
+                  <a:tcPr/>
+                </a:tc>
+                <a:tc gridSpan="2">
+                  <a:txBody>
+                    <a:bodyPr/>
+                    <a:lstStyle/>
+                    <a:p>
+                      <a:pPr algn="ctr">
+                        <a:defRPr/>
+                      </a:pPr>
+                      <a:endParaRPr lang="ko-KR" altLang="en-US" b="0">
+                        <a:solidFill>
+                          <a:schemeClr val="dk1"/>
+                        </a:solidFill>
+                      </a:endParaRPr>
+                    </a:p>
+                  </a:txBody>
+                  <a:tcPr anchor="ctr">
+                    <a:lnL w="9525" cap="flat" cmpd="sng" algn="ctr">
+                      <a:noFill/>
+                      <a:prstDash val="solid"/>
+                      <a:round/>
+                      <a:headEnd w="med" len="med"/>
+                      <a:tailEnd w="med" len="med"/>
+                    </a:lnL>
+                    <a:lnR w="9525" cap="flat" cmpd="sng" algn="ctr">
+                      <a:noFill/>
+                      <a:prstDash val="solid"/>
+                      <a:round/>
+                      <a:headEnd w="med" len="med"/>
+                      <a:tailEnd w="med" len="med"/>
+                    </a:lnR>
+                    <a:lnT w="9525" cap="flat" cmpd="sng" algn="ctr">
+                      <a:noFill/>
+                      <a:prstDash val="solid"/>
+                      <a:round/>
+                      <a:headEnd w="med" len="med"/>
+                      <a:tailEnd w="med" len="med"/>
+                    </a:lnT>
+                    <a:lnB w="12700" cap="flat" cmpd="sng" algn="ctr">
+                      <a:solidFill>
+                        <a:schemeClr val="tx1"/>
+                      </a:solidFill>
+                      <a:prstDash val="solid"/>
+                      <a:round/>
+                      <a:headEnd w="med" len="med"/>
+                      <a:tailEnd w="med" len="med"/>
+                    </a:lnB>
+                    <a:noFill/>
+                  </a:tcPr>
+                </a:tc>
+                <a:tc hMerge="1">
+                  <a:txBody>
+                    <a:bodyPr/>
+                    <a:lstStyle/>
+                    <a:p>
+                      <a:pPr latinLnBrk="1"/>
+                      <a:endParaRPr lang="ko-KR" altLang="en-US"/>
+                    </a:p>
+                  </a:txBody>
+                  <a:tcPr/>
+                </a:tc>
+                <a:tc>
+                  <a:txBody>
+                    <a:bodyPr/>
+                    <a:lstStyle/>
+                    <a:p>
+                      <a:pPr algn="ctr">
+                        <a:defRPr/>
+                      </a:pPr>
+                      <a:endParaRPr lang="ko-KR" altLang="en-US" b="0">
+                        <a:solidFill>
+                          <a:schemeClr val="dk1"/>
+                        </a:solidFill>
+                      </a:endParaRPr>
+                    </a:p>
+                  </a:txBody>
+                  <a:tcPr anchor="ctr">
+                    <a:lnL w="9525" cap="flat" cmpd="sng" algn="ctr">
+                      <a:noFill/>
+                      <a:prstDash val="solid"/>
+                      <a:round/>
+                      <a:headEnd w="med" len="med"/>
+                      <a:tailEnd w="med" len="med"/>
+                    </a:lnL>
+                    <a:lnR w="9525" cap="flat" cmpd="sng" algn="ctr">
+                      <a:noFill/>
+                      <a:prstDash val="solid"/>
+                      <a:round/>
+                      <a:headEnd w="med" len="med"/>
+                      <a:tailEnd w="med" len="med"/>
+                    </a:lnR>
+                    <a:lnT w="9525" cap="flat" cmpd="sng" algn="ctr">
+                      <a:noFill/>
+                      <a:prstDash val="solid"/>
+                      <a:round/>
+                      <a:headEnd w="med" len="med"/>
+                      <a:tailEnd w="med" len="med"/>
+                    </a:lnT>
+                    <a:lnB w="9525" cap="flat" cmpd="sng" algn="ctr">
+                      <a:noFill/>
+                      <a:prstDash val="solid"/>
+                      <a:round/>
+                      <a:headEnd w="med" len="med"/>
+                      <a:tailEnd w="med" len="med"/>
+                    </a:lnB>
+                    <a:noFill/>
+                  </a:tcPr>
+                </a:tc>
+                <a:tc>
+                  <a:txBody>
+                    <a:bodyPr/>
+                    <a:lstStyle/>
+                    <a:p>
+                      <a:pPr algn="ctr">
+                        <a:defRPr/>
+                      </a:pPr>
+                      <a:endParaRPr lang="ko-KR" altLang="en-US" b="0">
+                        <a:solidFill>
+                          <a:schemeClr val="dk1"/>
+                        </a:solidFill>
+                      </a:endParaRPr>
+                    </a:p>
+                  </a:txBody>
+                  <a:tcPr anchor="ctr">
+                    <a:lnL w="9525" cap="flat" cmpd="sng" algn="ctr">
+                      <a:noFill/>
+                      <a:prstDash val="solid"/>
+                      <a:round/>
+                      <a:headEnd w="med" len="med"/>
+                      <a:tailEnd w="med" len="med"/>
+                    </a:lnL>
+                    <a:lnR w="9525" cap="flat" cmpd="sng" algn="ctr">
+                      <a:noFill/>
+                      <a:prstDash val="solid"/>
+                      <a:round/>
+                      <a:headEnd w="med" len="med"/>
+                      <a:tailEnd w="med" len="med"/>
+                    </a:lnR>
+                    <a:lnT w="9525" cap="flat" cmpd="sng" algn="ctr">
+                      <a:noFill/>
+                      <a:prstDash val="solid"/>
+                      <a:round/>
+                      <a:headEnd w="med" len="med"/>
+                      <a:tailEnd w="med" len="med"/>
+                    </a:lnT>
+                    <a:lnB w="9525" cap="flat" cmpd="sng" algn="ctr">
+                      <a:noFill/>
+                      <a:prstDash val="solid"/>
+                      <a:round/>
+                      <a:headEnd w="med" len="med"/>
+                      <a:tailEnd w="med" len="med"/>
+                    </a:lnB>
+                    <a:noFill/>
+                  </a:tcPr>
+                </a:tc>
+                <a:tc>
+                  <a:txBody>
+                    <a:bodyPr/>
+                    <a:lstStyle/>
+                    <a:p>
+                      <a:pPr algn="ctr">
+                        <a:defRPr/>
+                      </a:pPr>
+                      <a:endParaRPr lang="ko-KR" altLang="en-US" b="0">
+                        <a:solidFill>
+                          <a:schemeClr val="dk1"/>
+                        </a:solidFill>
+                      </a:endParaRPr>
+                    </a:p>
+                  </a:txBody>
+                  <a:tcPr anchor="ctr">
+                    <a:lnL w="9525" cap="flat" cmpd="sng" algn="ctr">
+                      <a:noFill/>
+                      <a:prstDash val="solid"/>
+                      <a:round/>
+                      <a:headEnd w="med" len="med"/>
+                      <a:tailEnd w="med" len="med"/>
+                    </a:lnL>
+                    <a:lnR w="9525" cap="flat" cmpd="sng" algn="ctr">
+                      <a:noFill/>
+                      <a:prstDash val="solid"/>
+                      <a:round/>
+                      <a:headEnd w="med" len="med"/>
+                      <a:tailEnd w="med" len="med"/>
+                    </a:lnR>
+                    <a:lnT w="9525" cap="flat" cmpd="sng" algn="ctr">
+                      <a:noFill/>
+                      <a:prstDash val="solid"/>
+                      <a:round/>
+                      <a:headEnd w="med" len="med"/>
+                      <a:tailEnd w="med" len="med"/>
+                    </a:lnT>
+                    <a:lnB w="9525" cap="flat" cmpd="sng" algn="ctr">
+                      <a:noFill/>
+                      <a:prstDash val="solid"/>
+                      <a:round/>
+                      <a:headEnd w="med" len="med"/>
+                      <a:tailEnd w="med" len="med"/>
+                    </a:lnB>
+                    <a:noFill/>
+                  </a:tcPr>
+                </a:tc>
+                <a:extLst>
+                  <a:ext uri="{0D108BD9-81ED-4DB2-BD59-A6C34878D82A}">
+                    <a16:rowId xmlns:a16="http://schemas.microsoft.com/office/drawing/2014/main" val="10000"/>
+                  </a:ext>
+                </a:extLst>
+              </a:tr>
+              <a:tr h="463954">
+                <a:tc>
+                  <a:txBody>
+                    <a:bodyPr/>
+                    <a:lstStyle/>
+                    <a:p>
+                      <a:pPr algn="ctr">
+                        <a:defRPr/>
+                      </a:pPr>
+                      <a:endParaRPr lang="ko-KR" altLang="en-US" dirty="0">
+                        <a:solidFill>
+                          <a:schemeClr val="dk1"/>
+                        </a:solidFill>
+                      </a:endParaRPr>
+                    </a:p>
+                  </a:txBody>
+                  <a:tcPr anchor="ctr">
+                    <a:lnL w="9525" cap="flat" cmpd="sng" algn="ctr">
+                      <a:noFill/>
+                      <a:prstDash val="solid"/>
+                      <a:round/>
+                      <a:headEnd w="med" len="med"/>
+                      <a:tailEnd w="med" len="med"/>
+                    </a:lnL>
+                    <a:lnR w="12700" cap="flat" cmpd="sng" algn="ctr">
+                      <a:solidFill>
+                        <a:schemeClr val="tx1"/>
+                      </a:solidFill>
+                      <a:prstDash val="solid"/>
+                      <a:round/>
+                      <a:headEnd w="med" len="med"/>
+                      <a:tailEnd w="med" len="med"/>
+                    </a:lnR>
+                    <a:lnT w="12700" cap="flat" cmpd="sng" algn="ctr">
+                      <a:solidFill>
+                        <a:schemeClr val="tx1"/>
+                      </a:solidFill>
+                      <a:prstDash val="solid"/>
+                      <a:round/>
+                      <a:headEnd w="med" len="med"/>
+                      <a:tailEnd w="med" len="med"/>
+                    </a:lnT>
+                    <a:lnB w="9525" cap="flat" cmpd="sng" algn="ctr">
+                      <a:noFill/>
+                      <a:prstDash val="solid"/>
+                      <a:round/>
+                      <a:headEnd w="med" len="med"/>
+                      <a:tailEnd w="med" len="med"/>
+                    </a:lnB>
+                    <a:noFill/>
+                  </a:tcPr>
+                </a:tc>
+                <a:tc gridSpan="7">
+                  <a:txBody>
+                    <a:bodyPr/>
+                    <a:lstStyle/>
+                    <a:p>
+                      <a:pPr algn="ctr">
+                        <a:defRPr/>
+                      </a:pPr>
+                      <a:r>
+                        <a:rPr lang="ko-KR" altLang="en-US" dirty="0">
+                          <a:solidFill>
+                            <a:schemeClr val="dk1"/>
+                          </a:solidFill>
+                        </a:rPr>
+                        <a:t>클래스 간 연동 구현</a:t>
+                      </a:r>
+                    </a:p>
+                  </a:txBody>
+                  <a:tcPr anchor="ctr">
+                    <a:lnL w="12700" cap="flat" cmpd="sng" algn="ctr">
+                      <a:solidFill>
+                        <a:schemeClr val="tx1"/>
+                      </a:solidFill>
+                      <a:prstDash val="solid"/>
+                      <a:round/>
+                      <a:headEnd type="none" w="med" len="med"/>
+                      <a:tailEnd type="none" w="med" len="med"/>
+                    </a:lnL>
+                    <a:lnR w="12700" cap="flat" cmpd="sng" algn="ctr">
+                      <a:solidFill>
+                        <a:schemeClr val="tx1"/>
+                      </a:solidFill>
+                      <a:prstDash val="solid"/>
+                      <a:round/>
+                      <a:headEnd w="med" len="med"/>
+                      <a:tailEnd w="med" len="med"/>
+                    </a:lnR>
+                    <a:lnT w="12700" cap="flat" cmpd="sng" algn="ctr">
+                      <a:solidFill>
+                        <a:schemeClr val="tx1"/>
+                      </a:solidFill>
+                      <a:prstDash val="solid"/>
+                      <a:round/>
+                      <a:headEnd type="none" w="med" len="med"/>
+                      <a:tailEnd type="none" w="med" len="med"/>
+                    </a:lnT>
+                    <a:lnB w="12700" cap="flat" cmpd="sng" algn="ctr">
+                      <a:solidFill>
+                        <a:schemeClr val="tx1"/>
+                      </a:solidFill>
+                      <a:prstDash val="solid"/>
+                      <a:round/>
+                      <a:headEnd type="none" w="med" len="med"/>
+                      <a:tailEnd type="none" w="med" len="med"/>
+                    </a:lnB>
+                    <a:solidFill>
+                      <a:schemeClr val="lt2"/>
+                    </a:solidFill>
+                  </a:tcPr>
+                </a:tc>
+                <a:tc hMerge="1">
+                  <a:txBody>
+                    <a:bodyPr/>
+                    <a:lstStyle/>
+                    <a:p>
+                      <a:pPr>
+                        <a:defRPr/>
+                      </a:pPr>
+                      <a:endParaRPr lang="ko-KR" altLang="en-US"/>
+                    </a:p>
+                  </a:txBody>
+                  <a:tcPr anchor="ctr">
+                    <a:lnL w="12700" cap="flat" cmpd="sng" algn="ctr">
+                      <a:solidFill>
+                        <a:schemeClr val="tx1"/>
+                      </a:solidFill>
+                      <a:prstDash val="solid"/>
+                      <a:round/>
+                      <a:headEnd w="med" len="med"/>
+                      <a:tailEnd w="med" len="med"/>
+                    </a:lnL>
+                    <a:lnR w="12700" cap="flat" cmpd="sng" algn="ctr">
+                      <a:solidFill>
+                        <a:schemeClr val="tx1"/>
+                      </a:solidFill>
+                      <a:prstDash val="solid"/>
+                      <a:round/>
+                      <a:headEnd w="med" len="med"/>
+                      <a:tailEnd w="med" len="med"/>
+                    </a:lnR>
+                    <a:lnT w="12700" cap="flat" cmpd="sng" algn="ctr">
+                      <a:solidFill>
+                        <a:schemeClr val="tx1"/>
+                      </a:solidFill>
+                      <a:prstDash val="solid"/>
+                      <a:round/>
+                      <a:headEnd w="med" len="med"/>
+                      <a:tailEnd w="med" len="med"/>
+                    </a:lnT>
+                    <a:lnB w="12700" cap="flat" cmpd="sng" algn="ctr">
+                      <a:solidFill>
+                        <a:schemeClr val="tx1"/>
+                      </a:solidFill>
+                      <a:prstDash val="solid"/>
+                      <a:round/>
+                      <a:headEnd w="med" len="med"/>
+                      <a:tailEnd w="med" len="med"/>
+                    </a:lnB>
+                    <a:noFill/>
+                  </a:tcPr>
+                </a:tc>
+                <a:tc hMerge="1">
+                  <a:txBody>
+                    <a:bodyPr/>
+                    <a:lstStyle/>
+                    <a:p>
+                      <a:pPr>
+                        <a:defRPr/>
+                      </a:pPr>
+                      <a:endParaRPr lang="ko-KR" altLang="en-US"/>
+                    </a:p>
+                  </a:txBody>
+                  <a:tcPr anchor="ctr">
+                    <a:lnL w="12700" cap="flat" cmpd="sng" algn="ctr">
+                      <a:solidFill>
+                        <a:schemeClr val="tx1"/>
+                      </a:solidFill>
+                      <a:prstDash val="solid"/>
+                      <a:round/>
+                      <a:headEnd type="none" w="med" len="med"/>
+                      <a:tailEnd type="none" w="med" len="med"/>
+                    </a:lnL>
+                    <a:lnR w="12700" cap="flat" cmpd="sng" algn="ctr">
+                      <a:solidFill>
+                        <a:schemeClr val="tx1"/>
+                      </a:solidFill>
+                      <a:prstDash val="solid"/>
+                      <a:round/>
+                      <a:headEnd w="med" len="med"/>
+                      <a:tailEnd w="med" len="med"/>
+                    </a:lnR>
+                    <a:lnT w="12700" cap="flat" cmpd="sng" algn="ctr">
+                      <a:solidFill>
+                        <a:schemeClr val="tx1"/>
+                      </a:solidFill>
+                      <a:prstDash val="solid"/>
+                      <a:round/>
+                      <a:headEnd type="none" w="med" len="med"/>
+                      <a:tailEnd type="none" w="med" len="med"/>
+                    </a:lnT>
+                    <a:lnB w="12700" cap="flat" cmpd="sng" algn="ctr">
+                      <a:solidFill>
+                        <a:schemeClr val="tx1"/>
+                      </a:solidFill>
+                      <a:prstDash val="solid"/>
+                      <a:round/>
+                      <a:headEnd type="none" w="med" len="med"/>
+                      <a:tailEnd type="none" w="med" len="med"/>
+                    </a:lnB>
+                    <a:noFill/>
+                  </a:tcPr>
+                </a:tc>
+                <a:tc hMerge="1">
+                  <a:txBody>
+                    <a:bodyPr/>
+                    <a:lstStyle/>
+                    <a:p>
+                      <a:pPr>
+                        <a:defRPr/>
+                      </a:pPr>
+                      <a:endParaRPr lang="ko-KR" altLang="en-US"/>
+                    </a:p>
+                  </a:txBody>
+                  <a:tcPr anchor="ctr">
+                    <a:lnL w="12700" cap="flat" cmpd="sng" algn="ctr">
+                      <a:solidFill>
+                        <a:schemeClr val="tx1"/>
+                      </a:solidFill>
+                      <a:prstDash val="solid"/>
+                      <a:round/>
+                      <a:headEnd type="none" w="med" len="med"/>
+                      <a:tailEnd type="none" w="med" len="med"/>
+                    </a:lnL>
+                    <a:lnR w="12700" cap="flat" cmpd="sng" algn="ctr">
+                      <a:solidFill>
+                        <a:schemeClr val="tx1"/>
+                      </a:solidFill>
+                      <a:prstDash val="solid"/>
+                      <a:round/>
+                      <a:headEnd w="med" len="med"/>
+                      <a:tailEnd w="med" len="med"/>
+                    </a:lnR>
+                    <a:lnT w="12700" cap="flat" cmpd="sng" algn="ctr">
+                      <a:solidFill>
+                        <a:schemeClr val="tx1"/>
+                      </a:solidFill>
+                      <a:prstDash val="solid"/>
+                      <a:round/>
+                      <a:headEnd type="none" w="med" len="med"/>
+                      <a:tailEnd type="none" w="med" len="med"/>
+                    </a:lnT>
+                    <a:lnB w="12700" cap="flat" cmpd="sng" algn="ctr">
+                      <a:solidFill>
+                        <a:schemeClr val="tx1"/>
+                      </a:solidFill>
+                      <a:prstDash val="solid"/>
+                      <a:round/>
+                      <a:headEnd type="none" w="med" len="med"/>
+                      <a:tailEnd type="none" w="med" len="med"/>
+                    </a:lnB>
+                    <a:noFill/>
+                  </a:tcPr>
+                </a:tc>
+                <a:tc hMerge="1">
+                  <a:txBody>
+                    <a:bodyPr/>
+                    <a:lstStyle/>
+                    <a:p>
+                      <a:pPr latinLnBrk="1"/>
+                      <a:endParaRPr lang="ko-KR" altLang="en-US"/>
+                    </a:p>
+                  </a:txBody>
+                  <a:tcPr/>
+                </a:tc>
+                <a:tc hMerge="1">
+                  <a:txBody>
+                    <a:bodyPr/>
+                    <a:lstStyle/>
+                    <a:p>
+                      <a:pPr>
+                        <a:defRPr/>
+                      </a:pPr>
+                      <a:endParaRPr lang="ko-KR" altLang="en-US"/>
+                    </a:p>
+                  </a:txBody>
+                  <a:tcPr anchor="ctr">
+                    <a:lnL w="12700" cap="flat" cmpd="sng" algn="ctr">
+                      <a:solidFill>
+                        <a:schemeClr val="tx1"/>
+                      </a:solidFill>
+                      <a:prstDash val="solid"/>
+                      <a:round/>
+                      <a:headEnd w="med" len="med"/>
+                      <a:tailEnd w="med" len="med"/>
+                    </a:lnL>
+                    <a:lnR w="12700" cap="flat" cmpd="sng" algn="ctr">
+                      <a:solidFill>
+                        <a:schemeClr val="tx1"/>
+                      </a:solidFill>
+                      <a:prstDash val="solid"/>
+                      <a:round/>
+                      <a:headEnd w="med" len="med"/>
+                      <a:tailEnd w="med" len="med"/>
+                    </a:lnR>
+                    <a:lnT w="12700" cap="flat" cmpd="sng" algn="ctr">
+                      <a:solidFill>
+                        <a:schemeClr val="tx1"/>
+                      </a:solidFill>
+                      <a:prstDash val="solid"/>
+                      <a:round/>
+                      <a:headEnd w="med" len="med"/>
+                      <a:tailEnd w="med" len="med"/>
+                    </a:lnT>
+                    <a:lnB w="12700" cap="flat" cmpd="sng" algn="ctr">
+                      <a:solidFill>
+                        <a:schemeClr val="tx1"/>
+                      </a:solidFill>
+                      <a:prstDash val="solid"/>
+                      <a:round/>
+                      <a:headEnd w="med" len="med"/>
+                      <a:tailEnd w="med" len="med"/>
+                    </a:lnB>
+                    <a:noFill/>
+                  </a:tcPr>
+                </a:tc>
+                <a:tc hMerge="1">
+                  <a:txBody>
+                    <a:bodyPr/>
+                    <a:lstStyle/>
+                    <a:p>
+                      <a:pPr latinLnBrk="1"/>
+                      <a:endParaRPr lang="ko-KR" altLang="en-US"/>
+                    </a:p>
+                  </a:txBody>
+                  <a:tcPr/>
+                </a:tc>
+                <a:tc>
+                  <a:txBody>
+                    <a:bodyPr/>
+                    <a:lstStyle/>
+                    <a:p>
+                      <a:pPr algn="ctr">
+                        <a:defRPr/>
+                      </a:pPr>
+                      <a:endParaRPr lang="ko-KR" altLang="en-US">
+                        <a:solidFill>
+                          <a:schemeClr val="dk1"/>
+                        </a:solidFill>
+                      </a:endParaRPr>
+                    </a:p>
+                  </a:txBody>
+                  <a:tcPr anchor="ctr">
+                    <a:lnL w="12700" cap="flat" cmpd="sng" algn="ctr">
+                      <a:solidFill>
+                        <a:schemeClr val="tx1"/>
+                      </a:solidFill>
+                      <a:prstDash val="solid"/>
+                      <a:round/>
+                      <a:headEnd w="med" len="med"/>
+                      <a:tailEnd w="med" len="med"/>
+                    </a:lnL>
+                    <a:lnR w="9525" cap="flat" cmpd="sng" algn="ctr">
+                      <a:noFill/>
+                      <a:prstDash val="solid"/>
+                      <a:round/>
+                      <a:headEnd w="med" len="med"/>
+                      <a:tailEnd w="med" len="med"/>
+                    </a:lnR>
+                    <a:lnT w="9525" cap="flat" cmpd="sng" algn="ctr">
+                      <a:noFill/>
+                      <a:prstDash val="solid"/>
+                      <a:round/>
+                      <a:headEnd w="med" len="med"/>
+                      <a:tailEnd w="med" len="med"/>
+                    </a:lnT>
+                    <a:lnB w="12700" cap="flat" cmpd="sng" algn="ctr">
+                      <a:solidFill>
+                        <a:schemeClr val="tx1"/>
+                      </a:solidFill>
+                      <a:prstDash val="solid"/>
+                      <a:round/>
+                      <a:headEnd type="none" w="med" len="med"/>
+                      <a:tailEnd type="none" w="med" len="med"/>
+                    </a:lnB>
+                    <a:noFill/>
+                  </a:tcPr>
+                </a:tc>
+                <a:tc>
+                  <a:txBody>
+                    <a:bodyPr/>
+                    <a:lstStyle/>
+                    <a:p>
+                      <a:pPr algn="ctr">
+                        <a:defRPr/>
+                      </a:pPr>
+                      <a:endParaRPr lang="ko-KR" altLang="en-US">
+                        <a:solidFill>
+                          <a:schemeClr val="dk1"/>
+                        </a:solidFill>
+                      </a:endParaRPr>
+                    </a:p>
+                  </a:txBody>
+                  <a:tcPr anchor="ctr">
+                    <a:lnL w="9525" cap="flat" cmpd="sng" algn="ctr">
+                      <a:noFill/>
+                      <a:prstDash val="solid"/>
+                      <a:round/>
+                      <a:headEnd w="med" len="med"/>
+                      <a:tailEnd w="med" len="med"/>
+                    </a:lnL>
+                    <a:lnR w="9525" cap="flat" cmpd="sng" algn="ctr">
+                      <a:noFill/>
+                      <a:prstDash val="solid"/>
+                      <a:round/>
+                      <a:headEnd w="med" len="med"/>
+                      <a:tailEnd w="med" len="med"/>
+                    </a:lnR>
+                    <a:lnT w="9525" cap="flat" cmpd="sng" algn="ctr">
+                      <a:noFill/>
+                      <a:prstDash val="solid"/>
+                      <a:round/>
+                      <a:headEnd w="med" len="med"/>
+                      <a:tailEnd w="med" len="med"/>
+                    </a:lnT>
+                    <a:lnB w="9525" cap="flat" cmpd="sng" algn="ctr">
+                      <a:noFill/>
+                      <a:prstDash val="solid"/>
+                      <a:round/>
+                      <a:headEnd w="med" len="med"/>
+                      <a:tailEnd w="med" len="med"/>
+                    </a:lnB>
+                    <a:noFill/>
+                  </a:tcPr>
+                </a:tc>
+                <a:tc>
+                  <a:txBody>
+                    <a:bodyPr/>
+                    <a:lstStyle/>
+                    <a:p>
+                      <a:pPr algn="ctr">
+                        <a:defRPr/>
+                      </a:pPr>
+                      <a:endParaRPr lang="ko-KR" altLang="en-US">
+                        <a:solidFill>
+                          <a:schemeClr val="dk1"/>
+                        </a:solidFill>
+                      </a:endParaRPr>
+                    </a:p>
+                  </a:txBody>
+                  <a:tcPr anchor="ctr">
+                    <a:lnL w="9525" cap="flat" cmpd="sng" algn="ctr">
+                      <a:noFill/>
+                      <a:prstDash val="solid"/>
+                      <a:round/>
+                      <a:headEnd w="med" len="med"/>
+                      <a:tailEnd w="med" len="med"/>
+                    </a:lnL>
+                    <a:lnR w="9525" cap="flat" cmpd="sng" algn="ctr">
+                      <a:noFill/>
+                      <a:prstDash val="solid"/>
+                      <a:round/>
+                      <a:headEnd w="med" len="med"/>
+                      <a:tailEnd w="med" len="med"/>
+                    </a:lnR>
+                    <a:lnT w="9525" cap="flat" cmpd="sng" algn="ctr">
+                      <a:noFill/>
+                      <a:prstDash val="solid"/>
+                      <a:round/>
+                      <a:headEnd w="med" len="med"/>
+                      <a:tailEnd w="med" len="med"/>
+                    </a:lnT>
+                    <a:lnB w="9525" cap="flat" cmpd="sng" algn="ctr">
+                      <a:noFill/>
+                      <a:prstDash val="solid"/>
+                      <a:round/>
+                      <a:headEnd w="med" len="med"/>
+                      <a:tailEnd w="med" len="med"/>
+                    </a:lnB>
+                    <a:noFill/>
+                  </a:tcPr>
+                </a:tc>
+                <a:extLst>
+                  <a:ext uri="{0D108BD9-81ED-4DB2-BD59-A6C34878D82A}">
+                    <a16:rowId xmlns:a16="http://schemas.microsoft.com/office/drawing/2014/main" val="10001"/>
+                  </a:ext>
+                </a:extLst>
+              </a:tr>
+              <a:tr h="463954">
+                <a:tc>
+                  <a:txBody>
+                    <a:bodyPr/>
+                    <a:lstStyle/>
+                    <a:p>
+                      <a:pPr algn="ctr">
+                        <a:defRPr/>
+                      </a:pPr>
+                      <a:endParaRPr lang="ko-KR" altLang="en-US" dirty="0">
+                        <a:solidFill>
+                          <a:schemeClr val="dk1"/>
+                        </a:solidFill>
+                      </a:endParaRPr>
+                    </a:p>
+                  </a:txBody>
+                  <a:tcPr anchor="ctr">
+                    <a:lnL w="9525" cap="flat" cmpd="sng" algn="ctr">
+                      <a:noFill/>
+                      <a:prstDash val="solid"/>
+                      <a:round/>
+                      <a:headEnd w="med" len="med"/>
+                      <a:tailEnd w="med" len="med"/>
+                    </a:lnL>
+                    <a:lnR w="9525" cap="flat" cmpd="sng" algn="ctr">
+                      <a:noFill/>
+                      <a:prstDash val="solid"/>
+                      <a:round/>
+                      <a:headEnd w="med" len="med"/>
+                      <a:tailEnd w="med" len="med"/>
+                    </a:lnR>
+                    <a:lnT w="9525" cap="flat" cmpd="sng" algn="ctr">
+                      <a:noFill/>
+                      <a:prstDash val="solid"/>
+                      <a:round/>
+                      <a:headEnd w="med" len="med"/>
+                      <a:tailEnd w="med" len="med"/>
+                    </a:lnT>
+                    <a:lnB w="12700" cap="flat" cmpd="sng" algn="ctr">
+                      <a:solidFill>
+                        <a:schemeClr val="tx1"/>
+                      </a:solidFill>
+                      <a:prstDash val="solid"/>
+                      <a:round/>
+                      <a:headEnd type="none" w="med" len="med"/>
+                      <a:tailEnd type="none" w="med" len="med"/>
+                    </a:lnB>
+                    <a:noFill/>
+                  </a:tcPr>
+                </a:tc>
+                <a:tc>
+                  <a:txBody>
+                    <a:bodyPr/>
+                    <a:lstStyle/>
+                    <a:p>
+                      <a:pPr algn="ctr">
+                        <a:defRPr/>
+                      </a:pPr>
+                      <a:endParaRPr lang="ko-KR" altLang="en-US" dirty="0">
+                        <a:solidFill>
+                          <a:schemeClr val="dk1"/>
+                        </a:solidFill>
+                      </a:endParaRPr>
+                    </a:p>
+                  </a:txBody>
+                  <a:tcPr anchor="ctr">
+                    <a:lnL w="9525" cap="flat" cmpd="sng" algn="ctr">
+                      <a:noFill/>
+                      <a:prstDash val="solid"/>
+                      <a:round/>
+                      <a:headEnd w="med" len="med"/>
+                      <a:tailEnd w="med" len="med"/>
+                    </a:lnL>
+                    <a:lnR w="9525" cap="flat" cmpd="sng" algn="ctr">
+                      <a:noFill/>
+                      <a:prstDash val="solid"/>
+                      <a:round/>
+                      <a:headEnd w="med" len="med"/>
+                      <a:tailEnd w="med" len="med"/>
+                    </a:lnR>
+                    <a:lnT w="12700" cap="flat" cmpd="sng" algn="ctr">
+                      <a:solidFill>
+                        <a:schemeClr val="tx1"/>
+                      </a:solidFill>
+                      <a:prstDash val="solid"/>
+                      <a:round/>
+                      <a:headEnd type="none" w="med" len="med"/>
+                      <a:tailEnd type="none" w="med" len="med"/>
+                    </a:lnT>
+                    <a:lnB w="12700" cap="flat" cmpd="sng" algn="ctr">
+                      <a:solidFill>
+                        <a:schemeClr val="tx1"/>
+                      </a:solidFill>
+                      <a:prstDash val="solid"/>
+                      <a:round/>
+                      <a:headEnd type="none" w="med" len="med"/>
+                      <a:tailEnd type="none" w="med" len="med"/>
+                    </a:lnB>
+                    <a:noFill/>
+                  </a:tcPr>
+                </a:tc>
+                <a:tc>
+                  <a:txBody>
+                    <a:bodyPr/>
+                    <a:lstStyle/>
+                    <a:p>
+                      <a:pPr algn="ctr">
+                        <a:defRPr/>
+                      </a:pPr>
+                      <a:endParaRPr lang="ko-KR" altLang="en-US" dirty="0">
+                        <a:solidFill>
+                          <a:schemeClr val="dk1"/>
+                        </a:solidFill>
+                      </a:endParaRPr>
+                    </a:p>
+                  </a:txBody>
+                  <a:tcPr anchor="ctr">
+                    <a:lnL w="9525" cap="flat" cmpd="sng" algn="ctr">
+                      <a:noFill/>
+                      <a:prstDash val="solid"/>
+                      <a:round/>
+                      <a:headEnd w="med" len="med"/>
+                      <a:tailEnd w="med" len="med"/>
+                    </a:lnL>
+                    <a:lnR w="12700" cap="flat" cmpd="sng" algn="ctr">
+                      <a:solidFill>
+                        <a:schemeClr val="tx1"/>
+                      </a:solidFill>
+                      <a:prstDash val="solid"/>
+                      <a:round/>
+                      <a:headEnd type="none" w="med" len="med"/>
+                      <a:tailEnd type="none" w="med" len="med"/>
+                    </a:lnR>
+                    <a:lnT w="12700" cap="flat" cmpd="sng" algn="ctr">
+                      <a:solidFill>
+                        <a:schemeClr val="tx1"/>
+                      </a:solidFill>
+                      <a:prstDash val="solid"/>
+                      <a:round/>
+                      <a:headEnd w="med" len="med"/>
+                      <a:tailEnd w="med" len="med"/>
+                    </a:lnT>
+                    <a:lnB w="12700" cap="flat" cmpd="sng" algn="ctr">
+                      <a:solidFill>
+                        <a:schemeClr val="tx1"/>
+                      </a:solidFill>
+                      <a:prstDash val="solid"/>
+                      <a:round/>
+                      <a:headEnd type="none" w="med" len="med"/>
+                      <a:tailEnd type="none" w="med" len="med"/>
+                    </a:lnB>
+                    <a:noFill/>
+                  </a:tcPr>
+                </a:tc>
+                <a:tc gridSpan="6">
+                  <a:txBody>
+                    <a:bodyPr/>
+                    <a:lstStyle/>
+                    <a:p>
+                      <a:pPr algn="ctr">
+                        <a:defRPr/>
+                      </a:pPr>
+                      <a:r>
+                        <a:rPr lang="ko-KR" altLang="en-US" dirty="0">
+                          <a:solidFill>
+                            <a:schemeClr val="dk1"/>
+                          </a:solidFill>
+                        </a:rPr>
+                        <a:t>자식 클래스 및 메소드 구현</a:t>
+                      </a:r>
+                    </a:p>
+                  </a:txBody>
+                  <a:tcPr anchor="ctr">
+                    <a:lnL w="12700" cap="flat" cmpd="sng" algn="ctr">
+                      <a:solidFill>
+                        <a:schemeClr val="tx1"/>
+                      </a:solidFill>
+                      <a:prstDash val="solid"/>
+                      <a:round/>
+                      <a:headEnd type="none" w="med" len="med"/>
+                      <a:tailEnd type="none" w="med" len="med"/>
+                    </a:lnL>
+                    <a:lnR w="12700" cap="flat" cmpd="sng" algn="ctr">
+                      <a:solidFill>
+                        <a:schemeClr val="tx1"/>
+                      </a:solidFill>
+                      <a:prstDash val="solid"/>
+                      <a:round/>
+                      <a:headEnd type="none" w="med" len="med"/>
+                      <a:tailEnd type="none" w="med" len="med"/>
+                    </a:lnR>
+                    <a:lnT w="12700" cap="flat" cmpd="sng" algn="ctr">
+                      <a:solidFill>
+                        <a:schemeClr val="tx1"/>
+                      </a:solidFill>
+                      <a:prstDash val="solid"/>
+                      <a:round/>
+                      <a:headEnd type="none" w="med" len="med"/>
+                      <a:tailEnd type="none" w="med" len="med"/>
+                    </a:lnT>
+                    <a:lnB w="12700" cap="flat" cmpd="sng" algn="ctr">
+                      <a:solidFill>
+                        <a:schemeClr val="tx1"/>
+                      </a:solidFill>
+                      <a:prstDash val="solid"/>
+                      <a:round/>
+                      <a:headEnd type="none" w="med" len="med"/>
+                      <a:tailEnd type="none" w="med" len="med"/>
+                    </a:lnB>
+                    <a:solidFill>
+                      <a:schemeClr val="lt2"/>
+                    </a:solidFill>
+                  </a:tcPr>
+                </a:tc>
+                <a:tc hMerge="1">
+                  <a:txBody>
+                    <a:bodyPr/>
+                    <a:lstStyle/>
+                    <a:p>
+                      <a:pPr>
+                        <a:defRPr/>
+                      </a:pPr>
+                      <a:endParaRPr lang="ko-KR" altLang="en-US"/>
+                    </a:p>
+                  </a:txBody>
+                  <a:tcPr anchor="ctr">
+                    <a:lnL w="12700" cap="flat" cmpd="sng" algn="ctr">
+                      <a:solidFill>
+                        <a:schemeClr val="tx1"/>
+                      </a:solidFill>
+                      <a:prstDash val="solid"/>
+                      <a:round/>
+                      <a:headEnd type="none" w="med" len="med"/>
+                      <a:tailEnd type="none" w="med" len="med"/>
+                    </a:lnL>
+                    <a:lnR w="12700" cap="flat" cmpd="sng" algn="ctr">
+                      <a:solidFill>
+                        <a:schemeClr val="tx1"/>
+                      </a:solidFill>
+                      <a:prstDash val="solid"/>
+                      <a:round/>
+                      <a:headEnd w="med" len="med"/>
+                      <a:tailEnd w="med" len="med"/>
+                    </a:lnR>
+                    <a:lnT w="12700" cap="flat" cmpd="sng" algn="ctr">
+                      <a:solidFill>
+                        <a:schemeClr val="tx1"/>
+                      </a:solidFill>
+                      <a:prstDash val="solid"/>
+                      <a:round/>
+                      <a:headEnd type="none" w="med" len="med"/>
+                      <a:tailEnd type="none" w="med" len="med"/>
+                    </a:lnT>
+                    <a:lnB w="12700" cap="flat" cmpd="sng" algn="ctr">
+                      <a:solidFill>
+                        <a:schemeClr val="tx1"/>
+                      </a:solidFill>
+                      <a:prstDash val="solid"/>
+                      <a:round/>
+                      <a:headEnd type="none" w="med" len="med"/>
+                      <a:tailEnd type="none" w="med" len="med"/>
+                    </a:lnB>
+                    <a:noFill/>
+                  </a:tcPr>
+                </a:tc>
+                <a:tc hMerge="1">
+                  <a:txBody>
+                    <a:bodyPr/>
+                    <a:lstStyle/>
+                    <a:p>
+                      <a:pPr latinLnBrk="1"/>
+                      <a:endParaRPr lang="ko-KR" altLang="en-US"/>
+                    </a:p>
+                  </a:txBody>
+                  <a:tcPr/>
+                </a:tc>
+                <a:tc hMerge="1">
+                  <a:txBody>
+                    <a:bodyPr/>
+                    <a:lstStyle/>
+                    <a:p>
+                      <a:pPr>
+                        <a:defRPr/>
+                      </a:pPr>
+                      <a:endParaRPr lang="ko-KR" altLang="en-US"/>
+                    </a:p>
+                  </a:txBody>
+                  <a:tcPr anchor="ctr">
+                    <a:lnL w="12700" cap="flat" cmpd="sng" algn="ctr">
+                      <a:solidFill>
+                        <a:schemeClr val="tx1"/>
+                      </a:solidFill>
+                      <a:prstDash val="solid"/>
+                      <a:round/>
+                      <a:headEnd w="med" len="med"/>
+                      <a:tailEnd w="med" len="med"/>
+                    </a:lnL>
+                    <a:lnR w="12700" cap="flat" cmpd="sng" algn="ctr">
+                      <a:solidFill>
+                        <a:schemeClr val="tx1"/>
+                      </a:solidFill>
+                      <a:prstDash val="solid"/>
+                      <a:round/>
+                      <a:headEnd w="med" len="med"/>
+                      <a:tailEnd w="med" len="med"/>
+                    </a:lnR>
+                    <a:lnT w="12700" cap="flat" cmpd="sng" algn="ctr">
+                      <a:solidFill>
+                        <a:schemeClr val="tx1"/>
+                      </a:solidFill>
+                      <a:prstDash val="solid"/>
+                      <a:round/>
+                      <a:headEnd w="med" len="med"/>
+                      <a:tailEnd w="med" len="med"/>
+                    </a:lnT>
+                    <a:lnB w="12700" cap="flat" cmpd="sng" algn="ctr">
+                      <a:solidFill>
+                        <a:schemeClr val="tx1"/>
+                      </a:solidFill>
+                      <a:prstDash val="solid"/>
+                      <a:round/>
+                      <a:headEnd w="med" len="med"/>
+                      <a:tailEnd w="med" len="med"/>
+                    </a:lnB>
+                    <a:noFill/>
+                  </a:tcPr>
+                </a:tc>
+                <a:tc hMerge="1">
+                  <a:txBody>
+                    <a:bodyPr/>
+                    <a:lstStyle/>
+                    <a:p>
+                      <a:pPr latinLnBrk="1"/>
+                      <a:endParaRPr lang="ko-KR" altLang="en-US"/>
+                    </a:p>
+                  </a:txBody>
+                  <a:tcPr/>
+                </a:tc>
+                <a:tc hMerge="1">
+                  <a:txBody>
+                    <a:bodyPr/>
+                    <a:lstStyle/>
+                    <a:p>
+                      <a:pPr>
+                        <a:defRPr/>
+                      </a:pPr>
+                      <a:endParaRPr lang="ko-KR" altLang="en-US"/>
+                    </a:p>
+                  </a:txBody>
+                  <a:tcPr anchor="ctr">
+                    <a:lnL w="12700" cap="flat" cmpd="sng" algn="ctr">
+                      <a:solidFill>
+                        <a:schemeClr val="tx1"/>
+                      </a:solidFill>
+                      <a:prstDash val="solid"/>
+                      <a:round/>
+                      <a:headEnd w="med" len="med"/>
+                      <a:tailEnd w="med" len="med"/>
+                    </a:lnL>
+                    <a:lnR w="12700" cap="flat" cmpd="sng" algn="ctr">
+                      <a:solidFill>
+                        <a:schemeClr val="tx1"/>
+                      </a:solidFill>
+                      <a:prstDash val="solid"/>
+                      <a:round/>
+                      <a:headEnd w="med" len="med"/>
+                      <a:tailEnd w="med" len="med"/>
+                    </a:lnR>
+                    <a:lnT w="12700" cap="flat" cmpd="sng" algn="ctr">
+                      <a:solidFill>
+                        <a:schemeClr val="tx1"/>
+                      </a:solidFill>
+                      <a:prstDash val="solid"/>
+                      <a:round/>
+                      <a:headEnd w="med" len="med"/>
+                      <a:tailEnd w="med" len="med"/>
+                    </a:lnT>
+                    <a:lnB w="12700" cap="flat" cmpd="sng" algn="ctr">
+                      <a:solidFill>
+                        <a:schemeClr val="tx1"/>
+                      </a:solidFill>
+                      <a:prstDash val="solid"/>
+                      <a:round/>
+                      <a:headEnd w="med" len="med"/>
+                      <a:tailEnd w="med" len="med"/>
+                    </a:lnB>
+                    <a:noFill/>
+                  </a:tcPr>
+                </a:tc>
+                <a:tc>
+                  <a:txBody>
+                    <a:bodyPr/>
+                    <a:lstStyle/>
+                    <a:p>
+                      <a:pPr algn="ctr">
+                        <a:defRPr/>
+                      </a:pPr>
+                      <a:endParaRPr lang="ko-KR" altLang="en-US">
+                        <a:solidFill>
+                          <a:schemeClr val="dk1"/>
+                        </a:solidFill>
+                      </a:endParaRPr>
+                    </a:p>
+                  </a:txBody>
+                  <a:tcPr anchor="ctr">
+                    <a:lnL w="12700" cap="flat" cmpd="sng" algn="ctr">
+                      <a:solidFill>
+                        <a:schemeClr val="tx1"/>
+                      </a:solidFill>
+                      <a:prstDash val="solid"/>
+                      <a:round/>
+                      <a:headEnd type="none" w="med" len="med"/>
+                      <a:tailEnd type="none" w="med" len="med"/>
+                    </a:lnL>
+                    <a:lnR w="9525" cap="flat" cmpd="sng" algn="ctr">
+                      <a:noFill/>
+                      <a:prstDash val="solid"/>
+                      <a:round/>
+                      <a:headEnd w="med" len="med"/>
+                      <a:tailEnd w="med" len="med"/>
+                    </a:lnR>
+                    <a:lnT w="9525" cap="flat" cmpd="sng" algn="ctr">
+                      <a:noFill/>
+                      <a:prstDash val="solid"/>
+                      <a:round/>
+                      <a:headEnd w="med" len="med"/>
+                      <a:tailEnd w="med" len="med"/>
+                    </a:lnT>
+                    <a:lnB w="9525" cap="flat" cmpd="sng" algn="ctr">
+                      <a:noFill/>
+                      <a:prstDash val="solid"/>
+                      <a:round/>
+                      <a:headEnd w="med" len="med"/>
+                      <a:tailEnd w="med" len="med"/>
+                    </a:lnB>
+                    <a:noFill/>
+                  </a:tcPr>
+                </a:tc>
+                <a:tc>
+                  <a:txBody>
+                    <a:bodyPr/>
+                    <a:lstStyle/>
+                    <a:p>
+                      <a:pPr algn="ctr">
+                        <a:defRPr/>
+                      </a:pPr>
+                      <a:endParaRPr lang="ko-KR" altLang="en-US">
+                        <a:solidFill>
+                          <a:schemeClr val="dk1"/>
+                        </a:solidFill>
+                      </a:endParaRPr>
+                    </a:p>
+                  </a:txBody>
+                  <a:tcPr anchor="ctr">
+                    <a:lnL w="9525" cap="flat" cmpd="sng" algn="ctr">
+                      <a:noFill/>
+                      <a:prstDash val="solid"/>
+                      <a:round/>
+                      <a:headEnd w="med" len="med"/>
+                      <a:tailEnd w="med" len="med"/>
+                    </a:lnL>
+                    <a:lnR w="9525" cap="flat" cmpd="sng" algn="ctr">
+                      <a:noFill/>
+                      <a:prstDash val="solid"/>
+                      <a:round/>
+                      <a:headEnd w="med" len="med"/>
+                      <a:tailEnd w="med" len="med"/>
+                    </a:lnR>
+                    <a:lnT w="9525" cap="flat" cmpd="sng" algn="ctr">
+                      <a:noFill/>
+                      <a:prstDash val="solid"/>
+                      <a:round/>
+                      <a:headEnd w="med" len="med"/>
+                      <a:tailEnd w="med" len="med"/>
+                    </a:lnT>
+                    <a:lnB w="9525" cap="flat" cmpd="sng" algn="ctr">
+                      <a:noFill/>
+                      <a:prstDash val="solid"/>
+                      <a:round/>
+                      <a:headEnd w="med" len="med"/>
+                      <a:tailEnd w="med" len="med"/>
+                    </a:lnB>
+                    <a:noFill/>
+                  </a:tcPr>
+                </a:tc>
+                <a:extLst>
+                  <a:ext uri="{0D108BD9-81ED-4DB2-BD59-A6C34878D82A}">
+                    <a16:rowId xmlns:a16="http://schemas.microsoft.com/office/drawing/2014/main" val="10002"/>
+                  </a:ext>
+                </a:extLst>
+              </a:tr>
+              <a:tr h="463954">
+                <a:tc gridSpan="3">
+                  <a:txBody>
+                    <a:bodyPr/>
+                    <a:lstStyle/>
+                    <a:p>
+                      <a:pPr algn="ctr">
+                        <a:defRPr/>
+                      </a:pPr>
+                      <a:r>
+                        <a:rPr lang="ko-KR" altLang="en-US" dirty="0">
+                          <a:solidFill>
+                            <a:schemeClr val="dk1"/>
+                          </a:solidFill>
+                        </a:rPr>
+                        <a:t>게임 데이터베이스 적용</a:t>
+                      </a:r>
+                    </a:p>
+                  </a:txBody>
+                  <a:tcPr anchor="ctr">
+                    <a:lnL w="12700" cap="flat" cmpd="sng" algn="ctr">
+                      <a:solidFill>
+                        <a:schemeClr val="tx1"/>
+                      </a:solidFill>
+                      <a:prstDash val="solid"/>
+                      <a:round/>
+                      <a:headEnd type="none" w="med" len="med"/>
+                      <a:tailEnd type="none" w="med" len="med"/>
+                    </a:lnL>
+                    <a:lnR w="12700" cap="flat" cmpd="sng" algn="ctr">
+                      <a:solidFill>
+                        <a:schemeClr val="tx1"/>
+                      </a:solidFill>
+                      <a:prstDash val="solid"/>
+                      <a:round/>
+                      <a:headEnd type="none" w="med" len="med"/>
+                      <a:tailEnd type="none" w="med" len="med"/>
+                    </a:lnR>
+                    <a:lnT w="12700" cap="flat" cmpd="sng" algn="ctr">
+                      <a:solidFill>
+                        <a:schemeClr val="tx1"/>
+                      </a:solidFill>
+                      <a:prstDash val="solid"/>
+                      <a:round/>
+                      <a:headEnd type="none" w="med" len="med"/>
+                      <a:tailEnd type="none" w="med" len="med"/>
+                    </a:lnT>
+                    <a:lnB w="12700" cap="flat" cmpd="sng" algn="ctr">
+                      <a:solidFill>
+                        <a:schemeClr val="tx1"/>
+                      </a:solidFill>
+                      <a:prstDash val="solid"/>
+                      <a:round/>
+                      <a:headEnd type="none" w="med" len="med"/>
+                      <a:tailEnd type="none" w="med" len="med"/>
+                    </a:lnB>
+                    <a:solidFill>
+                      <a:schemeClr val="bg1">
+                        <a:lumMod val="85000"/>
+                      </a:schemeClr>
+                    </a:solidFill>
+                  </a:tcPr>
+                </a:tc>
+                <a:tc hMerge="1">
+                  <a:txBody>
+                    <a:bodyPr/>
+                    <a:lstStyle/>
+                    <a:p>
+                      <a:pPr algn="ctr">
+                        <a:defRPr/>
+                      </a:pPr>
+                      <a:endParaRPr lang="ko-KR" altLang="en-US" dirty="0">
+                        <a:solidFill>
+                          <a:schemeClr val="dk1"/>
+                        </a:solidFill>
+                      </a:endParaRPr>
+                    </a:p>
+                  </a:txBody>
+                  <a:tcPr anchor="ctr">
+                    <a:lnL w="12700" cap="flat" cmpd="sng" algn="ctr">
+                      <a:solidFill>
+                        <a:schemeClr val="tx1"/>
+                      </a:solidFill>
+                      <a:prstDash val="solid"/>
+                      <a:round/>
+                      <a:headEnd type="none" w="med" len="med"/>
+                      <a:tailEnd type="none" w="med" len="med"/>
+                    </a:lnL>
+                    <a:lnR w="9525" cap="flat" cmpd="sng" algn="ctr">
+                      <a:noFill/>
+                      <a:prstDash val="solid"/>
+                      <a:round/>
+                      <a:headEnd w="med" len="med"/>
+                      <a:tailEnd w="med" len="med"/>
+                    </a:lnR>
+                    <a:lnT w="12700" cap="flat" cmpd="sng" algn="ctr">
+                      <a:solidFill>
+                        <a:schemeClr val="tx1"/>
+                      </a:solidFill>
+                      <a:prstDash val="solid"/>
+                      <a:round/>
+                      <a:headEnd type="none" w="med" len="med"/>
+                      <a:tailEnd type="none" w="med" len="med"/>
+                    </a:lnT>
+                    <a:lnB w="9525" cap="flat" cmpd="sng" algn="ctr">
+                      <a:noFill/>
+                      <a:prstDash val="solid"/>
+                      <a:round/>
+                      <a:headEnd w="med" len="med"/>
+                      <a:tailEnd w="med" len="med"/>
+                    </a:lnB>
+                    <a:solidFill>
+                      <a:schemeClr val="bg1">
+                        <a:lumMod val="85000"/>
+                      </a:schemeClr>
+                    </a:solidFill>
+                  </a:tcPr>
+                </a:tc>
+                <a:tc hMerge="1">
+                  <a:txBody>
+                    <a:bodyPr/>
+                    <a:lstStyle/>
+                    <a:p>
+                      <a:pPr algn="ctr">
+                        <a:defRPr/>
+                      </a:pPr>
+                      <a:endParaRPr lang="ko-KR" altLang="en-US" dirty="0">
+                        <a:solidFill>
+                          <a:schemeClr val="dk1"/>
+                        </a:solidFill>
+                      </a:endParaRPr>
+                    </a:p>
+                  </a:txBody>
+                  <a:tcPr anchor="ctr">
+                    <a:lnL w="9525" cap="flat" cmpd="sng" algn="ctr">
+                      <a:noFill/>
+                      <a:prstDash val="solid"/>
+                      <a:round/>
+                      <a:headEnd w="med" len="med"/>
+                      <a:tailEnd w="med" len="med"/>
+                    </a:lnL>
+                    <a:lnR w="12700" cap="flat" cmpd="sng" algn="ctr">
+                      <a:solidFill>
+                        <a:schemeClr val="tx1"/>
+                      </a:solidFill>
+                      <a:prstDash val="solid"/>
+                      <a:round/>
+                      <a:headEnd w="med" len="med"/>
+                      <a:tailEnd w="med" len="med"/>
+                    </a:lnR>
+                    <a:lnT w="9525" cap="flat" cmpd="sng" algn="ctr">
+                      <a:noFill/>
+                      <a:prstDash val="solid"/>
+                      <a:round/>
+                      <a:headEnd w="med" len="med"/>
+                      <a:tailEnd w="med" len="med"/>
+                    </a:lnT>
+                    <a:lnB w="9525" cap="flat" cmpd="sng" algn="ctr">
+                      <a:noFill/>
+                      <a:prstDash val="solid"/>
+                      <a:round/>
+                      <a:headEnd w="med" len="med"/>
+                      <a:tailEnd w="med" len="med"/>
+                    </a:lnB>
+                    <a:solidFill>
+                      <a:schemeClr val="bg1">
+                        <a:lumMod val="85000"/>
+                      </a:schemeClr>
+                    </a:solidFill>
+                  </a:tcPr>
+                </a:tc>
+                <a:tc gridSpan="2">
+                  <a:txBody>
+                    <a:bodyPr/>
+                    <a:lstStyle/>
+                    <a:p>
+                      <a:pPr algn="ctr">
+                        <a:defRPr/>
+                      </a:pPr>
+                      <a:endParaRPr lang="ko-KR" altLang="en-US" dirty="0">
+                        <a:solidFill>
+                          <a:schemeClr val="dk1"/>
+                        </a:solidFill>
+                      </a:endParaRPr>
+                    </a:p>
+                  </a:txBody>
+                  <a:tcPr anchor="ctr">
+                    <a:lnL w="12700" cap="flat" cmpd="sng" algn="ctr">
+                      <a:solidFill>
+                        <a:schemeClr val="tx1"/>
+                      </a:solidFill>
+                      <a:prstDash val="solid"/>
+                      <a:round/>
+                      <a:headEnd type="none" w="med" len="med"/>
+                      <a:tailEnd type="none" w="med" len="med"/>
+                    </a:lnL>
+                    <a:lnR w="12700" cap="flat" cmpd="sng" algn="ctr">
+                      <a:noFill/>
+                      <a:prstDash val="solid"/>
+                      <a:round/>
+                      <a:headEnd type="none" w="med" len="med"/>
+                      <a:tailEnd type="none" w="med" len="med"/>
+                    </a:lnR>
+                    <a:lnT w="12700" cap="flat" cmpd="sng" algn="ctr">
+                      <a:solidFill>
+                        <a:schemeClr val="tx1"/>
+                      </a:solidFill>
+                      <a:prstDash val="solid"/>
+                      <a:round/>
+                      <a:headEnd type="none" w="med" len="med"/>
+                      <a:tailEnd type="none" w="med" len="med"/>
+                    </a:lnT>
+                    <a:lnB w="12700" cap="flat" cmpd="sng" algn="ctr">
+                      <a:noFill/>
+                      <a:prstDash val="solid"/>
+                      <a:round/>
+                      <a:headEnd type="none" w="med" len="med"/>
+                      <a:tailEnd type="none" w="med" len="med"/>
+                    </a:lnB>
+                    <a:lnTlToBr w="12700" cmpd="sng">
+                      <a:noFill/>
+                      <a:prstDash val="solid"/>
+                    </a:lnTlToBr>
+                    <a:lnBlToTr w="12700" cmpd="sng">
+                      <a:noFill/>
+                      <a:prstDash val="solid"/>
+                    </a:lnBlToTr>
+                    <a:solidFill>
+                      <a:schemeClr val="bg1"/>
+                    </a:solidFill>
+                  </a:tcPr>
+                </a:tc>
+                <a:tc hMerge="1">
+                  <a:txBody>
+                    <a:bodyPr/>
+                    <a:lstStyle/>
+                    <a:p>
+                      <a:pPr>
+                        <a:defRPr/>
+                      </a:pPr>
+                      <a:endParaRPr lang="ko-KR" altLang="en-US"/>
+                    </a:p>
+                  </a:txBody>
+                  <a:tcPr anchor="ctr">
+                    <a:lnL w="12700" cap="flat" cmpd="sng" algn="ctr">
+                      <a:noFill/>
+                      <a:prstDash val="solid"/>
+                      <a:round/>
+                      <a:headEnd w="med" len="med"/>
+                      <a:tailEnd w="med" len="med"/>
+                    </a:lnL>
+                    <a:lnR w="12700" cap="flat" cmpd="sng" algn="ctr">
+                      <a:solidFill>
+                        <a:schemeClr val="tx1"/>
+                      </a:solidFill>
+                      <a:prstDash val="solid"/>
+                      <a:round/>
+                      <a:headEnd w="med" len="med"/>
+                      <a:tailEnd w="med" len="med"/>
+                    </a:lnR>
+                    <a:lnT w="12700" cap="flat" cmpd="sng" algn="ctr">
+                      <a:solidFill>
+                        <a:schemeClr val="tx1"/>
+                      </a:solidFill>
+                      <a:prstDash val="solid"/>
+                      <a:round/>
+                      <a:headEnd type="none" w="med" len="med"/>
+                      <a:tailEnd type="none" w="med" len="med"/>
+                    </a:lnT>
+                    <a:lnB w="12700" cap="flat" cmpd="sng" algn="ctr">
+                      <a:solidFill>
+                        <a:schemeClr val="tx1"/>
+                      </a:solidFill>
+                      <a:prstDash val="solid"/>
+                      <a:round/>
+                      <a:headEnd type="none" w="med" len="med"/>
+                      <a:tailEnd type="none" w="med" len="med"/>
+                    </a:lnB>
+                    <a:noFill/>
+                  </a:tcPr>
+                </a:tc>
+                <a:tc gridSpan="2">
+                  <a:txBody>
+                    <a:bodyPr/>
+                    <a:lstStyle/>
+                    <a:p>
+                      <a:pPr algn="ctr">
+                        <a:defRPr/>
+                      </a:pPr>
+                      <a:endParaRPr lang="ko-KR" altLang="en-US" dirty="0">
+                        <a:solidFill>
+                          <a:schemeClr val="dk1"/>
+                        </a:solidFill>
+                      </a:endParaRPr>
+                    </a:p>
+                  </a:txBody>
+                  <a:tcPr anchor="ctr">
+                    <a:lnL w="12700" cap="flat" cmpd="sng" algn="ctr">
+                      <a:noFill/>
+                      <a:prstDash val="solid"/>
+                      <a:round/>
+                      <a:headEnd type="none" w="med" len="med"/>
+                      <a:tailEnd type="none" w="med" len="med"/>
+                    </a:lnL>
+                    <a:lnR w="12700" cap="flat" cmpd="sng" algn="ctr">
+                      <a:noFill/>
+                      <a:prstDash val="solid"/>
+                      <a:round/>
+                      <a:headEnd type="none" w="med" len="med"/>
+                      <a:tailEnd type="none" w="med" len="med"/>
+                    </a:lnR>
+                    <a:lnT w="12700" cap="flat" cmpd="sng" algn="ctr">
+                      <a:solidFill>
+                        <a:schemeClr val="tx1"/>
+                      </a:solidFill>
+                      <a:prstDash val="solid"/>
+                      <a:round/>
+                      <a:headEnd type="none" w="med" len="med"/>
+                      <a:tailEnd type="none" w="med" len="med"/>
+                    </a:lnT>
+                    <a:lnB w="12700" cap="flat" cmpd="sng" algn="ctr">
+                      <a:noFill/>
+                      <a:prstDash val="solid"/>
+                      <a:round/>
+                      <a:headEnd type="none" w="med" len="med"/>
+                      <a:tailEnd type="none" w="med" len="med"/>
+                    </a:lnB>
+                    <a:solidFill>
+                      <a:schemeClr val="bg1"/>
+                    </a:solidFill>
+                  </a:tcPr>
+                </a:tc>
+                <a:tc hMerge="1">
+                  <a:txBody>
+                    <a:bodyPr/>
+                    <a:lstStyle/>
+                    <a:p>
+                      <a:pPr>
+                        <a:defRPr/>
+                      </a:pPr>
+                      <a:endParaRPr lang="ko-KR" altLang="en-US"/>
+                    </a:p>
+                  </a:txBody>
+                  <a:tcPr anchor="ctr">
+                    <a:lnL w="12700" cap="flat" cmpd="sng" algn="ctr">
+                      <a:solidFill>
+                        <a:schemeClr val="tx1"/>
+                      </a:solidFill>
+                      <a:prstDash val="solid"/>
+                      <a:round/>
+                      <a:headEnd w="med" len="med"/>
+                      <a:tailEnd w="med" len="med"/>
+                    </a:lnL>
+                    <a:lnR w="12700" cap="flat" cmpd="sng" algn="ctr">
+                      <a:solidFill>
+                        <a:schemeClr val="tx1"/>
+                      </a:solidFill>
+                      <a:prstDash val="solid"/>
+                      <a:round/>
+                      <a:headEnd w="med" len="med"/>
+                      <a:tailEnd w="med" len="med"/>
+                    </a:lnR>
+                    <a:lnT w="12700" cap="flat" cmpd="sng" algn="ctr">
+                      <a:solidFill>
+                        <a:schemeClr val="tx1"/>
+                      </a:solidFill>
+                      <a:prstDash val="solid"/>
+                      <a:round/>
+                      <a:headEnd w="med" len="med"/>
+                      <a:tailEnd w="med" len="med"/>
+                    </a:lnT>
+                    <a:lnB w="12700" cap="flat" cmpd="sng" algn="ctr">
+                      <a:solidFill>
+                        <a:schemeClr val="tx1"/>
+                      </a:solidFill>
+                      <a:prstDash val="solid"/>
+                      <a:round/>
+                      <a:headEnd w="med" len="med"/>
+                      <a:tailEnd w="med" len="med"/>
+                    </a:lnB>
+                    <a:noFill/>
+                  </a:tcPr>
+                </a:tc>
+                <a:tc>
+                  <a:txBody>
+                    <a:bodyPr/>
+                    <a:lstStyle/>
+                    <a:p>
+                      <a:pPr algn="ctr">
+                        <a:defRPr/>
+                      </a:pPr>
+                      <a:endParaRPr lang="ko-KR" altLang="en-US" dirty="0">
+                        <a:solidFill>
+                          <a:schemeClr val="dk1"/>
+                        </a:solidFill>
+                      </a:endParaRPr>
+                    </a:p>
+                  </a:txBody>
+                  <a:tcPr anchor="ctr">
+                    <a:lnL w="12700" cap="flat" cmpd="sng" algn="ctr">
+                      <a:noFill/>
+                      <a:prstDash val="solid"/>
+                      <a:round/>
+                      <a:headEnd type="none" w="med" len="med"/>
+                      <a:tailEnd type="none" w="med" len="med"/>
+                    </a:lnL>
+                    <a:lnR w="12700" cap="flat" cmpd="sng" algn="ctr">
+                      <a:noFill/>
+                      <a:prstDash val="solid"/>
+                      <a:round/>
+                      <a:headEnd type="none" w="med" len="med"/>
+                      <a:tailEnd type="none" w="med" len="med"/>
+                    </a:lnR>
+                    <a:lnT w="12700" cap="flat" cmpd="sng" algn="ctr">
+                      <a:solidFill>
+                        <a:schemeClr val="tx1"/>
+                      </a:solidFill>
+                      <a:prstDash val="solid"/>
+                      <a:round/>
+                      <a:headEnd type="none" w="med" len="med"/>
+                      <a:tailEnd type="none" w="med" len="med"/>
+                    </a:lnT>
+                    <a:lnB w="12700" cap="flat" cmpd="sng" algn="ctr">
+                      <a:solidFill>
+                        <a:schemeClr val="tx1"/>
+                      </a:solidFill>
+                      <a:prstDash val="solid"/>
+                      <a:round/>
+                      <a:headEnd type="none" w="med" len="med"/>
+                      <a:tailEnd type="none" w="med" len="med"/>
+                    </a:lnB>
+                    <a:solidFill>
+                      <a:schemeClr val="bg1"/>
+                    </a:solidFill>
+                  </a:tcPr>
+                </a:tc>
+                <a:tc>
+                  <a:txBody>
+                    <a:bodyPr/>
+                    <a:lstStyle/>
+                    <a:p>
+                      <a:pPr algn="ctr">
+                        <a:defRPr/>
+                      </a:pPr>
+                      <a:endParaRPr lang="ko-KR" altLang="en-US" dirty="0">
+                        <a:solidFill>
+                          <a:schemeClr val="dk1"/>
+                        </a:solidFill>
+                      </a:endParaRPr>
+                    </a:p>
+                  </a:txBody>
+                  <a:tcPr anchor="ctr">
+                    <a:lnL w="12700" cap="flat" cmpd="sng" algn="ctr">
+                      <a:noFill/>
+                      <a:prstDash val="solid"/>
+                      <a:round/>
+                      <a:headEnd type="none" w="med" len="med"/>
+                      <a:tailEnd type="none" w="med" len="med"/>
+                    </a:lnL>
+                    <a:lnR w="9525" cap="flat" cmpd="sng" algn="ctr">
+                      <a:noFill/>
+                      <a:prstDash val="solid"/>
+                      <a:round/>
+                      <a:headEnd w="med" len="med"/>
+                      <a:tailEnd w="med" len="med"/>
+                    </a:lnR>
+                    <a:lnT w="12700" cap="flat" cmpd="sng" algn="ctr">
+                      <a:solidFill>
+                        <a:schemeClr val="tx1"/>
+                      </a:solidFill>
+                      <a:prstDash val="solid"/>
+                      <a:round/>
+                      <a:headEnd type="none" w="med" len="med"/>
+                      <a:tailEnd type="none" w="med" len="med"/>
+                    </a:lnT>
+                    <a:lnB w="12700" cap="flat" cmpd="sng" algn="ctr">
+                      <a:solidFill>
+                        <a:schemeClr val="tx1"/>
+                      </a:solidFill>
+                      <a:prstDash val="solid"/>
+                      <a:round/>
+                      <a:headEnd type="none" w="med" len="med"/>
+                      <a:tailEnd type="none" w="med" len="med"/>
+                    </a:lnB>
+                    <a:noFill/>
+                  </a:tcPr>
+                </a:tc>
+                <a:tc>
+                  <a:txBody>
+                    <a:bodyPr/>
+                    <a:lstStyle/>
+                    <a:p>
+                      <a:pPr algn="ctr">
+                        <a:defRPr/>
+                      </a:pPr>
+                      <a:endParaRPr lang="ko-KR" altLang="en-US" dirty="0">
+                        <a:solidFill>
+                          <a:schemeClr val="dk1"/>
+                        </a:solidFill>
+                      </a:endParaRPr>
+                    </a:p>
+                  </a:txBody>
+                  <a:tcPr anchor="ctr">
+                    <a:lnL w="9525" cap="flat" cmpd="sng" algn="ctr">
+                      <a:noFill/>
+                      <a:prstDash val="solid"/>
+                      <a:round/>
+                      <a:headEnd w="med" len="med"/>
+                      <a:tailEnd w="med" len="med"/>
+                    </a:lnL>
+                    <a:lnR w="9525" cap="flat" cmpd="sng" algn="ctr">
+                      <a:noFill/>
+                      <a:prstDash val="solid"/>
+                      <a:round/>
+                      <a:headEnd w="med" len="med"/>
+                      <a:tailEnd w="med" len="med"/>
+                    </a:lnR>
+                    <a:lnT w="9525" cap="flat" cmpd="sng" algn="ctr">
+                      <a:noFill/>
+                      <a:prstDash val="solid"/>
+                      <a:round/>
+                      <a:headEnd w="med" len="med"/>
+                      <a:tailEnd w="med" len="med"/>
+                    </a:lnT>
+                    <a:lnB w="12700" cap="flat" cmpd="sng" algn="ctr">
+                      <a:solidFill>
+                        <a:schemeClr val="tx1"/>
+                      </a:solidFill>
+                      <a:prstDash val="solid"/>
+                      <a:round/>
+                      <a:headEnd type="none" w="med" len="med"/>
+                      <a:tailEnd type="none" w="med" len="med"/>
+                    </a:lnB>
+                    <a:noFill/>
+                  </a:tcPr>
+                </a:tc>
+                <a:tc>
+                  <a:txBody>
+                    <a:bodyPr/>
+                    <a:lstStyle/>
+                    <a:p>
+                      <a:pPr algn="ctr">
+                        <a:defRPr/>
+                      </a:pPr>
+                      <a:endParaRPr lang="ko-KR" altLang="en-US" dirty="0">
+                        <a:solidFill>
+                          <a:schemeClr val="dk1"/>
+                        </a:solidFill>
+                      </a:endParaRPr>
+                    </a:p>
+                  </a:txBody>
+                  <a:tcPr anchor="ctr">
+                    <a:lnL w="9525" cap="flat" cmpd="sng" algn="ctr">
+                      <a:noFill/>
+                      <a:prstDash val="solid"/>
+                      <a:round/>
+                      <a:headEnd w="med" len="med"/>
+                      <a:tailEnd w="med" len="med"/>
+                    </a:lnL>
+                    <a:lnR w="9525" cap="flat" cmpd="sng" algn="ctr">
+                      <a:noFill/>
+                      <a:prstDash val="solid"/>
+                      <a:round/>
+                      <a:headEnd w="med" len="med"/>
+                      <a:tailEnd w="med" len="med"/>
+                    </a:lnR>
+                    <a:lnT w="9525" cap="flat" cmpd="sng" algn="ctr">
+                      <a:noFill/>
+                      <a:prstDash val="solid"/>
+                      <a:round/>
+                      <a:headEnd w="med" len="med"/>
+                      <a:tailEnd w="med" len="med"/>
+                    </a:lnT>
+                    <a:lnB w="9525" cap="flat" cmpd="sng" algn="ctr">
+                      <a:noFill/>
+                      <a:prstDash val="solid"/>
+                      <a:round/>
+                      <a:headEnd w="med" len="med"/>
+                      <a:tailEnd w="med" len="med"/>
+                    </a:lnB>
+                    <a:noFill/>
+                  </a:tcPr>
+                </a:tc>
+                <a:extLst>
+                  <a:ext uri="{0D108BD9-81ED-4DB2-BD59-A6C34878D82A}">
+                    <a16:rowId xmlns:a16="http://schemas.microsoft.com/office/drawing/2014/main" val="10003"/>
+                  </a:ext>
+                </a:extLst>
+              </a:tr>
+              <a:tr h="463954">
+                <a:tc>
+                  <a:txBody>
+                    <a:bodyPr/>
+                    <a:lstStyle/>
+                    <a:p>
+                      <a:pPr algn="ctr">
+                        <a:defRPr/>
+                      </a:pPr>
+                      <a:endParaRPr lang="ko-KR" altLang="en-US">
+                        <a:solidFill>
+                          <a:schemeClr val="dk1"/>
+                        </a:solidFill>
+                      </a:endParaRPr>
+                    </a:p>
+                  </a:txBody>
+                  <a:tcPr anchor="ctr">
+                    <a:lnL w="9525" cap="flat" cmpd="sng" algn="ctr">
+                      <a:noFill/>
+                      <a:prstDash val="solid"/>
+                      <a:round/>
+                      <a:headEnd w="med" len="med"/>
+                      <a:tailEnd w="med" len="med"/>
+                    </a:lnL>
+                    <a:lnR w="9525" cap="flat" cmpd="sng" algn="ctr">
+                      <a:noFill/>
+                      <a:prstDash val="solid"/>
+                      <a:round/>
+                      <a:headEnd w="med" len="med"/>
+                      <a:tailEnd w="med" len="med"/>
+                    </a:lnR>
+                    <a:lnT w="12700" cap="flat" cmpd="sng" algn="ctr">
+                      <a:solidFill>
+                        <a:schemeClr val="tx1"/>
+                      </a:solidFill>
+                      <a:prstDash val="solid"/>
+                      <a:round/>
+                      <a:headEnd type="none" w="med" len="med"/>
+                      <a:tailEnd type="none" w="med" len="med"/>
+                    </a:lnT>
+                    <a:lnB w="9525" cap="flat" cmpd="sng" algn="ctr">
+                      <a:noFill/>
+                      <a:prstDash val="solid"/>
+                      <a:round/>
+                      <a:headEnd w="med" len="med"/>
+                      <a:tailEnd w="med" len="med"/>
+                    </a:lnB>
+                    <a:noFill/>
+                  </a:tcPr>
+                </a:tc>
+                <a:tc>
+                  <a:txBody>
+                    <a:bodyPr/>
+                    <a:lstStyle/>
+                    <a:p>
+                      <a:pPr algn="ctr">
+                        <a:defRPr/>
+                      </a:pPr>
+                      <a:endParaRPr lang="ko-KR" altLang="en-US" dirty="0">
+                        <a:solidFill>
+                          <a:schemeClr val="dk1"/>
+                        </a:solidFill>
+                      </a:endParaRPr>
+                    </a:p>
+                  </a:txBody>
+                  <a:tcPr anchor="ctr">
+                    <a:lnL w="9525" cap="flat" cmpd="sng" algn="ctr">
+                      <a:noFill/>
+                      <a:prstDash val="solid"/>
+                      <a:round/>
+                      <a:headEnd w="med" len="med"/>
+                      <a:tailEnd w="med" len="med"/>
+                    </a:lnL>
+                    <a:lnR w="9525" cap="flat" cmpd="sng" algn="ctr">
+                      <a:noFill/>
+                      <a:prstDash val="solid"/>
+                      <a:round/>
+                      <a:headEnd w="med" len="med"/>
+                      <a:tailEnd w="med" len="med"/>
+                    </a:lnR>
+                    <a:lnT w="12700" cap="flat" cmpd="sng" algn="ctr">
+                      <a:solidFill>
+                        <a:schemeClr val="tx1"/>
+                      </a:solidFill>
+                      <a:prstDash val="solid"/>
+                      <a:round/>
+                      <a:headEnd type="none" w="med" len="med"/>
+                      <a:tailEnd type="none" w="med" len="med"/>
+                    </a:lnT>
+                    <a:lnB w="9525" cap="flat" cmpd="sng" algn="ctr">
+                      <a:noFill/>
+                      <a:prstDash val="solid"/>
+                      <a:round/>
+                      <a:headEnd w="med" len="med"/>
+                      <a:tailEnd w="med" len="med"/>
+                    </a:lnB>
+                    <a:noFill/>
+                  </a:tcPr>
+                </a:tc>
+                <a:tc>
+                  <a:txBody>
+                    <a:bodyPr/>
+                    <a:lstStyle/>
+                    <a:p>
+                      <a:pPr algn="ctr">
+                        <a:defRPr/>
+                      </a:pPr>
+                      <a:endParaRPr lang="ko-KR" altLang="en-US" dirty="0">
+                        <a:solidFill>
+                          <a:schemeClr val="dk1"/>
+                        </a:solidFill>
+                      </a:endParaRPr>
+                    </a:p>
+                  </a:txBody>
+                  <a:tcPr anchor="ctr">
+                    <a:lnL w="9525" cap="flat" cmpd="sng" algn="ctr">
+                      <a:noFill/>
+                      <a:prstDash val="solid"/>
+                      <a:round/>
+                      <a:headEnd w="med" len="med"/>
+                      <a:tailEnd w="med" len="med"/>
+                    </a:lnL>
+                    <a:lnR w="9525" cap="flat" cmpd="sng" algn="ctr">
+                      <a:noFill/>
+                      <a:prstDash val="solid"/>
+                      <a:round/>
+                      <a:headEnd w="med" len="med"/>
+                      <a:tailEnd w="med" len="med"/>
+                    </a:lnR>
+                    <a:lnT w="12700" cap="flat" cmpd="sng" algn="ctr">
+                      <a:solidFill>
+                        <a:schemeClr val="tx1"/>
+                      </a:solidFill>
+                      <a:prstDash val="solid"/>
+                      <a:round/>
+                      <a:headEnd type="none" w="med" len="med"/>
+                      <a:tailEnd type="none" w="med" len="med"/>
+                    </a:lnT>
+                    <a:lnB w="9525" cap="flat" cmpd="sng" algn="ctr">
+                      <a:noFill/>
+                      <a:prstDash val="solid"/>
+                      <a:round/>
+                      <a:headEnd w="med" len="med"/>
+                      <a:tailEnd w="med" len="med"/>
+                    </a:lnB>
+                    <a:noFill/>
+                  </a:tcPr>
+                </a:tc>
+                <a:tc>
+                  <a:txBody>
+                    <a:bodyPr/>
+                    <a:lstStyle/>
+                    <a:p>
+                      <a:pPr algn="ctr">
+                        <a:defRPr/>
+                      </a:pPr>
+                      <a:endParaRPr lang="ko-KR" altLang="en-US" dirty="0">
+                        <a:solidFill>
+                          <a:schemeClr val="dk1"/>
+                        </a:solidFill>
+                      </a:endParaRPr>
+                    </a:p>
+                  </a:txBody>
+                  <a:tcPr anchor="ctr">
+                    <a:lnL w="9525" cap="flat" cmpd="sng" algn="ctr">
+                      <a:noFill/>
+                      <a:prstDash val="solid"/>
+                      <a:round/>
+                      <a:headEnd w="med" len="med"/>
+                      <a:tailEnd w="med" len="med"/>
+                    </a:lnL>
+                    <a:lnR w="9525" cap="flat" cmpd="sng" algn="ctr">
+                      <a:noFill/>
+                      <a:prstDash val="solid"/>
+                      <a:round/>
+                      <a:headEnd w="med" len="med"/>
+                      <a:tailEnd w="med" len="med"/>
+                    </a:lnR>
+                    <a:lnT w="12700" cap="flat" cmpd="sng" algn="ctr">
+                      <a:noFill/>
+                      <a:prstDash val="solid"/>
+                      <a:round/>
+                      <a:headEnd type="none" w="med" len="med"/>
+                      <a:tailEnd type="none" w="med" len="med"/>
+                    </a:lnT>
+                    <a:lnB w="9525" cap="flat" cmpd="sng" algn="ctr">
+                      <a:noFill/>
+                      <a:prstDash val="solid"/>
+                      <a:round/>
+                      <a:headEnd w="med" len="med"/>
+                      <a:tailEnd w="med" len="med"/>
+                    </a:lnB>
+                    <a:noFill/>
+                  </a:tcPr>
+                </a:tc>
+                <a:tc gridSpan="2">
+                  <a:txBody>
+                    <a:bodyPr/>
+                    <a:lstStyle/>
+                    <a:p>
+                      <a:pPr algn="ctr">
+                        <a:defRPr/>
+                      </a:pPr>
+                      <a:endParaRPr lang="ko-KR" altLang="en-US" dirty="0">
+                        <a:solidFill>
+                          <a:schemeClr val="dk1"/>
+                        </a:solidFill>
+                      </a:endParaRPr>
+                    </a:p>
+                  </a:txBody>
+                  <a:tcPr anchor="ctr">
+                    <a:lnL w="9525" cap="flat" cmpd="sng" algn="ctr">
+                      <a:noFill/>
+                      <a:prstDash val="solid"/>
+                      <a:round/>
+                      <a:headEnd w="med" len="med"/>
+                      <a:tailEnd w="med" len="med"/>
+                    </a:lnL>
+                    <a:lnR w="12700" cap="flat" cmpd="sng" algn="ctr">
+                      <a:solidFill>
+                        <a:schemeClr val="tx1"/>
+                      </a:solidFill>
+                      <a:prstDash val="solid"/>
+                      <a:round/>
+                      <a:headEnd type="none" w="med" len="med"/>
+                      <a:tailEnd type="none" w="med" len="med"/>
+                    </a:lnR>
+                    <a:lnT w="12700" cap="flat" cmpd="sng" algn="ctr">
+                      <a:noFill/>
+                      <a:prstDash val="solid"/>
+                      <a:round/>
+                      <a:headEnd type="none" w="med" len="med"/>
+                      <a:tailEnd type="none" w="med" len="med"/>
+                    </a:lnT>
+                    <a:lnB w="9525" cap="flat" cmpd="sng" algn="ctr">
+                      <a:noFill/>
+                      <a:prstDash val="solid"/>
+                      <a:round/>
+                      <a:headEnd w="med" len="med"/>
+                      <a:tailEnd w="med" len="med"/>
+                    </a:lnB>
+                    <a:noFill/>
+                  </a:tcPr>
+                </a:tc>
+                <a:tc hMerge="1">
+                  <a:txBody>
+                    <a:bodyPr/>
+                    <a:lstStyle/>
+                    <a:p>
+                      <a:pPr latinLnBrk="1"/>
+                      <a:endParaRPr lang="ko-KR" altLang="en-US"/>
+                    </a:p>
+                  </a:txBody>
+                  <a:tcPr/>
+                </a:tc>
+                <a:tc gridSpan="4">
+                  <a:txBody>
+                    <a:bodyPr/>
+                    <a:lstStyle/>
+                    <a:p>
+                      <a:pPr algn="ctr">
+                        <a:defRPr/>
+                      </a:pPr>
+                      <a:r>
+                        <a:rPr lang="ko-KR" altLang="en-US" dirty="0">
+                          <a:solidFill>
+                            <a:schemeClr val="dk1"/>
+                          </a:solidFill>
+                        </a:rPr>
+                        <a:t>기타 리소스 적용</a:t>
+                      </a:r>
+                    </a:p>
+                  </a:txBody>
+                  <a:tcPr anchor="ctr">
+                    <a:lnL w="12700" cap="flat" cmpd="sng" algn="ctr">
+                      <a:solidFill>
+                        <a:schemeClr val="tx1"/>
+                      </a:solidFill>
+                      <a:prstDash val="solid"/>
+                      <a:round/>
+                      <a:headEnd type="none" w="med" len="med"/>
+                      <a:tailEnd type="none" w="med" len="med"/>
+                    </a:lnL>
+                    <a:lnR w="12700" cap="flat" cmpd="sng" algn="ctr">
+                      <a:solidFill>
+                        <a:schemeClr val="tx1"/>
+                      </a:solidFill>
+                      <a:prstDash val="solid"/>
+                      <a:round/>
+                      <a:headEnd type="none" w="med" len="med"/>
+                      <a:tailEnd type="none" w="med" len="med"/>
+                    </a:lnR>
+                    <a:lnT w="12700" cap="flat" cmpd="sng" algn="ctr">
+                      <a:solidFill>
+                        <a:schemeClr val="tx1"/>
+                      </a:solidFill>
+                      <a:prstDash val="solid"/>
+                      <a:round/>
+                      <a:headEnd type="none" w="med" len="med"/>
+                      <a:tailEnd type="none" w="med" len="med"/>
+                    </a:lnT>
+                    <a:lnB w="12700" cap="flat" cmpd="sng" algn="ctr">
+                      <a:solidFill>
+                        <a:schemeClr val="tx1"/>
+                      </a:solidFill>
+                      <a:prstDash val="solid"/>
+                      <a:round/>
+                      <a:headEnd type="none" w="med" len="med"/>
+                      <a:tailEnd type="none" w="med" len="med"/>
+                    </a:lnB>
+                    <a:solidFill>
+                      <a:schemeClr val="lt2"/>
+                    </a:solidFill>
+                  </a:tcPr>
+                </a:tc>
+                <a:tc hMerge="1">
+                  <a:txBody>
+                    <a:bodyPr/>
+                    <a:lstStyle/>
+                    <a:p>
+                      <a:pPr latinLnBrk="1"/>
+                      <a:endParaRPr lang="ko-KR" altLang="en-US"/>
+                    </a:p>
+                  </a:txBody>
+                  <a:tcPr/>
+                </a:tc>
+                <a:tc hMerge="1">
+                  <a:txBody>
+                    <a:bodyPr/>
+                    <a:lstStyle/>
+                    <a:p>
+                      <a:pPr>
+                        <a:defRPr/>
+                      </a:pPr>
+                      <a:endParaRPr lang="ko-KR" altLang="en-US"/>
+                    </a:p>
+                  </a:txBody>
+                  <a:tcPr anchor="ctr">
+                    <a:lnL w="12700" cap="flat" cmpd="sng" algn="ctr">
+                      <a:solidFill>
+                        <a:schemeClr val="tx1"/>
+                      </a:solidFill>
+                      <a:prstDash val="solid"/>
+                      <a:round/>
+                      <a:headEnd w="med" len="med"/>
+                      <a:tailEnd w="med" len="med"/>
+                    </a:lnL>
+                    <a:lnR w="12700" cap="flat" cmpd="sng" algn="ctr">
+                      <a:solidFill>
+                        <a:schemeClr val="tx1"/>
+                      </a:solidFill>
+                      <a:prstDash val="solid"/>
+                      <a:round/>
+                      <a:headEnd w="med" len="med"/>
+                      <a:tailEnd w="med" len="med"/>
+                    </a:lnR>
+                    <a:lnT w="12700" cap="flat" cmpd="sng" algn="ctr">
+                      <a:solidFill>
+                        <a:schemeClr val="tx1"/>
+                      </a:solidFill>
+                      <a:prstDash val="solid"/>
+                      <a:round/>
+                      <a:headEnd w="med" len="med"/>
+                      <a:tailEnd w="med" len="med"/>
+                    </a:lnT>
+                    <a:lnB w="12700" cap="flat" cmpd="sng" algn="ctr">
+                      <a:solidFill>
+                        <a:schemeClr val="tx1"/>
+                      </a:solidFill>
+                      <a:prstDash val="solid"/>
+                      <a:round/>
+                      <a:headEnd w="med" len="med"/>
+                      <a:tailEnd w="med" len="med"/>
+                    </a:lnB>
+                    <a:noFill/>
+                  </a:tcPr>
+                </a:tc>
+                <a:tc hMerge="1">
+                  <a:txBody>
+                    <a:bodyPr/>
+                    <a:lstStyle/>
+                    <a:p>
+                      <a:pPr>
+                        <a:defRPr/>
+                      </a:pPr>
+                      <a:endParaRPr lang="ko-KR" altLang="en-US"/>
+                    </a:p>
+                  </a:txBody>
+                  <a:tcPr anchor="ctr">
+                    <a:lnL w="12700" cap="flat" cmpd="sng" algn="ctr">
+                      <a:solidFill>
+                        <a:schemeClr val="tx1"/>
+                      </a:solidFill>
+                      <a:prstDash val="solid"/>
+                      <a:round/>
+                      <a:headEnd w="med" len="med"/>
+                      <a:tailEnd w="med" len="med"/>
+                    </a:lnL>
+                    <a:lnR w="12700" cap="flat" cmpd="sng" algn="ctr">
+                      <a:solidFill>
+                        <a:schemeClr val="tx1"/>
+                      </a:solidFill>
+                      <a:prstDash val="solid"/>
+                      <a:round/>
+                      <a:headEnd w="med" len="med"/>
+                      <a:tailEnd w="med" len="med"/>
+                    </a:lnR>
+                    <a:lnT w="12700" cap="flat" cmpd="sng" algn="ctr">
+                      <a:solidFill>
+                        <a:schemeClr val="tx1"/>
+                      </a:solidFill>
+                      <a:prstDash val="solid"/>
+                      <a:round/>
+                      <a:headEnd w="med" len="med"/>
+                      <a:tailEnd w="med" len="med"/>
+                    </a:lnT>
+                    <a:lnB w="12700" cap="flat" cmpd="sng" algn="ctr">
+                      <a:solidFill>
+                        <a:schemeClr val="tx1"/>
+                      </a:solidFill>
+                      <a:prstDash val="solid"/>
+                      <a:round/>
+                      <a:headEnd w="med" len="med"/>
+                      <a:tailEnd w="med" len="med"/>
+                    </a:lnB>
+                    <a:noFill/>
+                  </a:tcPr>
+                </a:tc>
+                <a:tc>
+                  <a:txBody>
+                    <a:bodyPr/>
+                    <a:lstStyle/>
+                    <a:p>
+                      <a:pPr algn="ctr">
+                        <a:defRPr/>
+                      </a:pPr>
+                      <a:endParaRPr lang="ko-KR" altLang="en-US">
+                        <a:solidFill>
+                          <a:schemeClr val="dk1"/>
+                        </a:solidFill>
+                      </a:endParaRPr>
+                    </a:p>
+                  </a:txBody>
+                  <a:tcPr anchor="ctr">
+                    <a:lnL w="12700" cap="flat" cmpd="sng" algn="ctr">
+                      <a:solidFill>
+                        <a:schemeClr val="tx1"/>
+                      </a:solidFill>
+                      <a:prstDash val="solid"/>
+                      <a:round/>
+                      <a:headEnd type="none" w="med" len="med"/>
+                      <a:tailEnd type="none" w="med" len="med"/>
+                    </a:lnL>
+                    <a:lnR w="9525" cap="flat" cmpd="sng" algn="ctr">
+                      <a:noFill/>
+                      <a:prstDash val="solid"/>
+                      <a:round/>
+                      <a:headEnd w="med" len="med"/>
+                      <a:tailEnd w="med" len="med"/>
+                    </a:lnR>
+                    <a:lnT w="9525" cap="flat" cmpd="sng" algn="ctr">
+                      <a:noFill/>
+                      <a:prstDash val="solid"/>
+                      <a:round/>
+                      <a:headEnd w="med" len="med"/>
+                      <a:tailEnd w="med" len="med"/>
+                    </a:lnT>
+                    <a:lnB w="12700" cap="flat" cmpd="sng" algn="ctr">
+                      <a:solidFill>
+                        <a:schemeClr val="tx1"/>
+                      </a:solidFill>
+                      <a:prstDash val="solid"/>
+                      <a:round/>
+                      <a:headEnd w="med" len="med"/>
+                      <a:tailEnd w="med" len="med"/>
+                    </a:lnB>
+                    <a:noFill/>
+                  </a:tcPr>
+                </a:tc>
+                <a:extLst>
+                  <a:ext uri="{0D108BD9-81ED-4DB2-BD59-A6C34878D82A}">
+                    <a16:rowId xmlns:a16="http://schemas.microsoft.com/office/drawing/2014/main" val="10004"/>
+                  </a:ext>
+                </a:extLst>
+              </a:tr>
+              <a:tr h="685242">
+                <a:tc>
+                  <a:txBody>
+                    <a:bodyPr/>
+                    <a:lstStyle/>
+                    <a:p>
+                      <a:pPr algn="ctr">
+                        <a:defRPr/>
+                      </a:pPr>
+                      <a:endParaRPr lang="ko-KR" altLang="en-US" dirty="0">
+                        <a:solidFill>
+                          <a:schemeClr val="dk1"/>
+                        </a:solidFill>
+                      </a:endParaRPr>
+                    </a:p>
+                  </a:txBody>
+                  <a:tcPr anchor="ctr">
+                    <a:lnL w="9525" cap="flat" cmpd="sng" algn="ctr">
+                      <a:noFill/>
+                      <a:prstDash val="solid"/>
+                      <a:round/>
+                      <a:headEnd w="med" len="med"/>
+                      <a:tailEnd w="med" len="med"/>
+                    </a:lnL>
+                    <a:lnR w="9525" cap="flat" cmpd="sng" algn="ctr">
+                      <a:noFill/>
+                      <a:prstDash val="solid"/>
+                      <a:round/>
+                      <a:headEnd w="med" len="med"/>
+                      <a:tailEnd w="med" len="med"/>
+                    </a:lnR>
+                    <a:lnT w="9525" cap="flat" cmpd="sng" algn="ctr">
+                      <a:noFill/>
+                      <a:prstDash val="solid"/>
+                      <a:round/>
+                      <a:headEnd w="med" len="med"/>
+                      <a:tailEnd w="med" len="med"/>
+                    </a:lnT>
+                    <a:lnB w="12700" cap="flat" cmpd="sng" algn="ctr">
+                      <a:solidFill>
+                        <a:schemeClr val="tx1"/>
+                      </a:solidFill>
+                      <a:prstDash val="solid"/>
+                      <a:round/>
+                      <a:headEnd w="med" len="med"/>
+                      <a:tailEnd w="med" len="med"/>
+                    </a:lnB>
+                    <a:noFill/>
+                  </a:tcPr>
+                </a:tc>
+                <a:tc>
+                  <a:txBody>
+                    <a:bodyPr/>
+                    <a:lstStyle/>
+                    <a:p>
+                      <a:pPr algn="ctr">
+                        <a:defRPr/>
+                      </a:pPr>
+                      <a:endParaRPr lang="ko-KR" altLang="en-US" dirty="0">
+                        <a:solidFill>
+                          <a:schemeClr val="dk1"/>
+                        </a:solidFill>
+                      </a:endParaRPr>
+                    </a:p>
+                  </a:txBody>
+                  <a:tcPr anchor="ctr">
+                    <a:lnL w="9525" cap="flat" cmpd="sng" algn="ctr">
+                      <a:noFill/>
+                      <a:prstDash val="solid"/>
+                      <a:round/>
+                      <a:headEnd w="med" len="med"/>
+                      <a:tailEnd w="med" len="med"/>
+                    </a:lnL>
+                    <a:lnR w="9525" cap="flat" cmpd="sng" algn="ctr">
+                      <a:noFill/>
+                      <a:prstDash val="solid"/>
+                      <a:round/>
+                      <a:headEnd w="med" len="med"/>
+                      <a:tailEnd w="med" len="med"/>
+                    </a:lnR>
+                    <a:lnT w="9525" cap="flat" cmpd="sng" algn="ctr">
+                      <a:noFill/>
+                      <a:prstDash val="solid"/>
+                      <a:round/>
+                      <a:headEnd w="med" len="med"/>
+                      <a:tailEnd w="med" len="med"/>
+                    </a:lnT>
+                    <a:lnB w="12700" cap="flat" cmpd="sng" algn="ctr">
+                      <a:solidFill>
+                        <a:schemeClr val="tx1"/>
+                      </a:solidFill>
+                      <a:prstDash val="solid"/>
+                      <a:round/>
+                      <a:headEnd type="none" w="med" len="med"/>
+                      <a:tailEnd type="none" w="med" len="med"/>
+                    </a:lnB>
+                    <a:noFill/>
+                  </a:tcPr>
+                </a:tc>
+                <a:tc>
+                  <a:txBody>
+                    <a:bodyPr/>
+                    <a:lstStyle/>
+                    <a:p>
+                      <a:pPr algn="ctr">
+                        <a:defRPr/>
+                      </a:pPr>
+                      <a:endParaRPr lang="ko-KR" altLang="en-US" dirty="0">
+                        <a:solidFill>
+                          <a:schemeClr val="dk1"/>
+                        </a:solidFill>
+                      </a:endParaRPr>
+                    </a:p>
+                  </a:txBody>
+                  <a:tcPr anchor="ctr">
+                    <a:lnL w="9525" cap="flat" cmpd="sng" algn="ctr">
+                      <a:noFill/>
+                      <a:prstDash val="solid"/>
+                      <a:round/>
+                      <a:headEnd w="med" len="med"/>
+                      <a:tailEnd w="med" len="med"/>
+                    </a:lnL>
+                    <a:lnR w="9525" cap="flat" cmpd="sng" algn="ctr">
+                      <a:noFill/>
+                      <a:prstDash val="solid"/>
+                      <a:round/>
+                      <a:headEnd w="med" len="med"/>
+                      <a:tailEnd w="med" len="med"/>
+                    </a:lnR>
+                    <a:lnT w="9525" cap="flat" cmpd="sng" algn="ctr">
+                      <a:noFill/>
+                      <a:prstDash val="solid"/>
+                      <a:round/>
+                      <a:headEnd w="med" len="med"/>
+                      <a:tailEnd w="med" len="med"/>
+                    </a:lnT>
+                    <a:lnB w="12700" cap="flat" cmpd="sng" algn="ctr">
+                      <a:solidFill>
+                        <a:schemeClr val="tx1"/>
+                      </a:solidFill>
+                      <a:prstDash val="solid"/>
+                      <a:round/>
+                      <a:headEnd w="med" len="med"/>
+                      <a:tailEnd w="med" len="med"/>
+                    </a:lnB>
+                    <a:noFill/>
+                  </a:tcPr>
+                </a:tc>
+                <a:tc>
+                  <a:txBody>
+                    <a:bodyPr/>
+                    <a:lstStyle/>
+                    <a:p>
+                      <a:pPr algn="ctr">
+                        <a:defRPr/>
+                      </a:pPr>
+                      <a:endParaRPr lang="ko-KR" altLang="en-US" dirty="0">
+                        <a:solidFill>
+                          <a:schemeClr val="dk1"/>
+                        </a:solidFill>
+                      </a:endParaRPr>
+                    </a:p>
+                  </a:txBody>
+                  <a:tcPr anchor="ctr">
+                    <a:lnL w="9525" cap="flat" cmpd="sng" algn="ctr">
+                      <a:noFill/>
+                      <a:prstDash val="solid"/>
+                      <a:round/>
+                      <a:headEnd w="med" len="med"/>
+                      <a:tailEnd w="med" len="med"/>
+                    </a:lnL>
+                    <a:lnR w="9525" cap="flat" cmpd="sng" algn="ctr">
+                      <a:noFill/>
+                      <a:prstDash val="solid"/>
+                      <a:round/>
+                      <a:headEnd w="med" len="med"/>
+                      <a:tailEnd w="med" len="med"/>
+                    </a:lnR>
+                    <a:lnT w="9525" cap="flat" cmpd="sng" algn="ctr">
+                      <a:noFill/>
+                      <a:prstDash val="solid"/>
+                      <a:round/>
+                      <a:headEnd w="med" len="med"/>
+                      <a:tailEnd w="med" len="med"/>
+                    </a:lnT>
+                    <a:lnB w="12700" cap="flat" cmpd="sng" algn="ctr">
+                      <a:solidFill>
+                        <a:schemeClr val="tx1"/>
+                      </a:solidFill>
+                      <a:prstDash val="solid"/>
+                      <a:round/>
+                      <a:headEnd type="none" w="med" len="med"/>
+                      <a:tailEnd type="none" w="med" len="med"/>
+                    </a:lnB>
+                    <a:noFill/>
+                  </a:tcPr>
+                </a:tc>
+                <a:tc gridSpan="2">
+                  <a:txBody>
+                    <a:bodyPr/>
+                    <a:lstStyle/>
+                    <a:p>
+                      <a:pPr algn="ctr">
+                        <a:defRPr/>
+                      </a:pPr>
+                      <a:endParaRPr lang="ko-KR" altLang="en-US">
+                        <a:solidFill>
+                          <a:schemeClr val="dk1"/>
+                        </a:solidFill>
+                      </a:endParaRPr>
+                    </a:p>
+                  </a:txBody>
+                  <a:tcPr anchor="ctr">
+                    <a:lnL w="9525" cap="flat" cmpd="sng" algn="ctr">
+                      <a:noFill/>
+                      <a:prstDash val="solid"/>
+                      <a:round/>
+                      <a:headEnd w="med" len="med"/>
+                      <a:tailEnd w="med" len="med"/>
+                    </a:lnL>
+                    <a:lnR w="9525" cap="flat" cmpd="sng" algn="ctr">
+                      <a:noFill/>
+                      <a:prstDash val="solid"/>
+                      <a:round/>
+                      <a:headEnd w="med" len="med"/>
+                      <a:tailEnd w="med" len="med"/>
+                    </a:lnR>
+                    <a:lnT w="9525" cap="flat" cmpd="sng" algn="ctr">
+                      <a:noFill/>
+                      <a:prstDash val="solid"/>
+                      <a:round/>
+                      <a:headEnd w="med" len="med"/>
+                      <a:tailEnd w="med" len="med"/>
+                    </a:lnT>
+                    <a:lnB w="12700" cap="flat" cmpd="sng" algn="ctr">
+                      <a:solidFill>
+                        <a:schemeClr val="tx1"/>
+                      </a:solidFill>
+                      <a:prstDash val="solid"/>
+                      <a:round/>
+                      <a:headEnd type="none" w="med" len="med"/>
+                      <a:tailEnd type="none" w="med" len="med"/>
+                    </a:lnB>
+                    <a:noFill/>
+                  </a:tcPr>
+                </a:tc>
+                <a:tc hMerge="1">
+                  <a:txBody>
+                    <a:bodyPr/>
+                    <a:lstStyle/>
+                    <a:p>
+                      <a:pPr latinLnBrk="1"/>
+                      <a:endParaRPr lang="ko-KR" altLang="en-US"/>
+                    </a:p>
+                  </a:txBody>
+                  <a:tcPr/>
+                </a:tc>
+                <a:tc gridSpan="2">
+                  <a:txBody>
+                    <a:bodyPr/>
+                    <a:lstStyle/>
+                    <a:p>
+                      <a:pPr algn="ctr">
+                        <a:defRPr/>
+                      </a:pPr>
+                      <a:endParaRPr lang="ko-KR" altLang="en-US" dirty="0">
+                        <a:solidFill>
+                          <a:schemeClr val="dk1"/>
+                        </a:solidFill>
+                      </a:endParaRPr>
+                    </a:p>
+                  </a:txBody>
+                  <a:tcPr anchor="ctr">
+                    <a:lnL w="9525" cap="flat" cmpd="sng" algn="ctr">
+                      <a:noFill/>
+                      <a:prstDash val="solid"/>
+                      <a:round/>
+                      <a:headEnd w="med" len="med"/>
+                      <a:tailEnd w="med" len="med"/>
+                    </a:lnL>
+                    <a:lnR w="9525" cap="flat" cmpd="sng" algn="ctr">
+                      <a:noFill/>
+                      <a:prstDash val="solid"/>
+                      <a:round/>
+                      <a:headEnd w="med" len="med"/>
+                      <a:tailEnd w="med" len="med"/>
+                    </a:lnR>
+                    <a:lnT w="12700" cap="flat" cmpd="sng" algn="ctr">
+                      <a:solidFill>
+                        <a:schemeClr val="tx1"/>
+                      </a:solidFill>
+                      <a:prstDash val="solid"/>
+                      <a:round/>
+                      <a:headEnd type="none" w="med" len="med"/>
+                      <a:tailEnd type="none" w="med" len="med"/>
+                    </a:lnT>
+                    <a:lnB w="12700" cap="flat" cmpd="sng" algn="ctr">
+                      <a:solidFill>
+                        <a:schemeClr val="tx1"/>
+                      </a:solidFill>
+                      <a:prstDash val="solid"/>
+                      <a:round/>
+                      <a:headEnd w="med" len="med"/>
+                      <a:tailEnd w="med" len="med"/>
+                    </a:lnB>
+                    <a:noFill/>
+                  </a:tcPr>
+                </a:tc>
+                <a:tc hMerge="1">
+                  <a:txBody>
+                    <a:bodyPr/>
+                    <a:lstStyle/>
+                    <a:p>
+                      <a:pPr latinLnBrk="1"/>
+                      <a:endParaRPr lang="ko-KR" altLang="en-US"/>
+                    </a:p>
+                  </a:txBody>
+                  <a:tcPr/>
+                </a:tc>
+                <a:tc>
+                  <a:txBody>
+                    <a:bodyPr/>
+                    <a:lstStyle/>
+                    <a:p>
+                      <a:pPr algn="ctr">
+                        <a:defRPr/>
+                      </a:pPr>
+                      <a:endParaRPr lang="ko-KR" altLang="en-US">
+                        <a:solidFill>
+                          <a:schemeClr val="dk1"/>
+                        </a:solidFill>
+                      </a:endParaRPr>
+                    </a:p>
+                  </a:txBody>
+                  <a:tcPr anchor="ctr">
+                    <a:lnL w="9525" cap="flat" cmpd="sng" algn="ctr">
+                      <a:noFill/>
+                      <a:prstDash val="solid"/>
+                      <a:round/>
+                      <a:headEnd w="med" len="med"/>
+                      <a:tailEnd w="med" len="med"/>
+                    </a:lnL>
+                    <a:lnR w="12700" cap="flat" cmpd="sng" algn="ctr">
+                      <a:solidFill>
+                        <a:schemeClr val="tx1"/>
+                      </a:solidFill>
+                      <a:prstDash val="solid"/>
+                      <a:round/>
+                      <a:headEnd w="med" len="med"/>
+                      <a:tailEnd w="med" len="med"/>
+                    </a:lnR>
+                    <a:lnT w="12700" cap="flat" cmpd="sng" algn="ctr">
+                      <a:solidFill>
+                        <a:schemeClr val="tx1"/>
+                      </a:solidFill>
+                      <a:prstDash val="solid"/>
+                      <a:round/>
+                      <a:headEnd type="none" w="med" len="med"/>
+                      <a:tailEnd type="none" w="med" len="med"/>
+                    </a:lnT>
+                    <a:lnB w="12700" cap="flat" cmpd="sng" algn="ctr">
+                      <a:solidFill>
+                        <a:schemeClr val="tx1"/>
+                      </a:solidFill>
+                      <a:prstDash val="solid"/>
+                      <a:round/>
+                      <a:headEnd w="med" len="med"/>
+                      <a:tailEnd w="med" len="med"/>
+                    </a:lnB>
+                    <a:noFill/>
+                  </a:tcPr>
+                </a:tc>
+                <a:tc gridSpan="2">
+                  <a:txBody>
+                    <a:bodyPr/>
+                    <a:lstStyle/>
+                    <a:p>
+                      <a:pPr algn="ctr">
+                        <a:defRPr/>
+                      </a:pPr>
+                      <a:r>
+                        <a:rPr lang="ko-KR" altLang="en-US" dirty="0">
+                          <a:solidFill>
+                            <a:schemeClr val="dk1"/>
+                          </a:solidFill>
+                        </a:rPr>
+                        <a:t>최종 조정 및 발표</a:t>
+                      </a:r>
+                    </a:p>
+                  </a:txBody>
+                  <a:tcPr anchor="ctr">
+                    <a:lnL w="12700" cap="flat" cmpd="sng" algn="ctr">
+                      <a:solidFill>
+                        <a:schemeClr val="tx1"/>
+                      </a:solidFill>
+                      <a:prstDash val="solid"/>
+                      <a:round/>
+                      <a:headEnd w="med" len="med"/>
+                      <a:tailEnd w="med" len="med"/>
+                    </a:lnL>
+                    <a:lnR w="12700" cap="flat" cmpd="sng" algn="ctr">
+                      <a:solidFill>
+                        <a:schemeClr val="tx1"/>
+                      </a:solidFill>
+                      <a:prstDash val="solid"/>
+                      <a:round/>
+                      <a:headEnd w="med" len="med"/>
+                      <a:tailEnd w="med" len="med"/>
+                    </a:lnR>
+                    <a:lnT w="12700" cap="flat" cmpd="sng" algn="ctr">
+                      <a:solidFill>
+                        <a:schemeClr val="tx1"/>
+                      </a:solidFill>
+                      <a:prstDash val="solid"/>
+                      <a:round/>
+                      <a:headEnd type="none" w="med" len="med"/>
+                      <a:tailEnd type="none" w="med" len="med"/>
+                    </a:lnT>
+                    <a:lnB w="12700" cap="flat" cmpd="sng" algn="ctr">
+                      <a:solidFill>
+                        <a:schemeClr val="tx1"/>
+                      </a:solidFill>
+                      <a:prstDash val="solid"/>
+                      <a:round/>
+                      <a:headEnd w="med" len="med"/>
+                      <a:tailEnd w="med" len="med"/>
+                    </a:lnB>
+                    <a:solidFill>
+                      <a:schemeClr val="lt2"/>
+                    </a:solidFill>
+                  </a:tcPr>
+                </a:tc>
+                <a:tc hMerge="1">
+                  <a:txBody>
+                    <a:bodyPr/>
+                    <a:lstStyle/>
+                    <a:p>
+                      <a:pPr>
+                        <a:defRPr/>
+                      </a:pPr>
+                      <a:endParaRPr lang="ko-KR" altLang="en-US"/>
+                    </a:p>
+                  </a:txBody>
+                  <a:tcPr anchor="ctr">
+                    <a:lnL w="12700" cap="flat" cmpd="sng" algn="ctr">
+                      <a:solidFill>
+                        <a:schemeClr val="tx1"/>
+                      </a:solidFill>
+                      <a:prstDash val="solid"/>
+                      <a:round/>
+                      <a:headEnd w="med" len="med"/>
+                      <a:tailEnd w="med" len="med"/>
+                    </a:lnL>
+                    <a:lnR w="12700" cap="flat" cmpd="sng" algn="ctr">
+                      <a:solidFill>
+                        <a:schemeClr val="tx1"/>
+                      </a:solidFill>
+                      <a:prstDash val="solid"/>
+                      <a:round/>
+                      <a:headEnd w="med" len="med"/>
+                      <a:tailEnd w="med" len="med"/>
+                    </a:lnR>
+                    <a:lnT w="12700" cap="flat" cmpd="sng" algn="ctr">
+                      <a:solidFill>
+                        <a:schemeClr val="tx1"/>
+                      </a:solidFill>
+                      <a:prstDash val="solid"/>
+                      <a:round/>
+                      <a:headEnd w="med" len="med"/>
+                      <a:tailEnd w="med" len="med"/>
+                    </a:lnT>
+                    <a:lnB w="12700" cap="flat" cmpd="sng" algn="ctr">
+                      <a:solidFill>
+                        <a:schemeClr val="tx1"/>
+                      </a:solidFill>
+                      <a:prstDash val="solid"/>
+                      <a:round/>
+                      <a:headEnd w="med" len="med"/>
+                      <a:tailEnd w="med" len="med"/>
+                    </a:lnB>
+                    <a:noFill/>
+                  </a:tcPr>
+                </a:tc>
+                <a:extLst>
+                  <a:ext uri="{0D108BD9-81ED-4DB2-BD59-A6C34878D82A}">
+                    <a16:rowId xmlns:a16="http://schemas.microsoft.com/office/drawing/2014/main" val="10005"/>
+                  </a:ext>
+                </a:extLst>
+              </a:tr>
+              <a:tr h="927908">
+                <a:tc>
+                  <a:txBody>
+                    <a:bodyPr/>
+                    <a:lstStyle/>
+                    <a:p>
+                      <a:pPr algn="ctr">
+                        <a:defRPr/>
+                      </a:pPr>
+                      <a:r>
+                        <a:rPr lang="en-US" altLang="ko-KR"/>
+                        <a:t>1/2</a:t>
+                      </a:r>
+                    </a:p>
+                  </a:txBody>
+                  <a:tcPr anchor="ctr">
+                    <a:lnL w="12700" cap="flat" cmpd="sng" algn="ctr">
+                      <a:solidFill>
+                        <a:schemeClr val="tx1"/>
+                      </a:solidFill>
+                      <a:prstDash val="solid"/>
+                      <a:round/>
+                      <a:headEnd w="med" len="med"/>
+                      <a:tailEnd w="med" len="med"/>
+                    </a:lnL>
+                    <a:lnR w="12700" cap="flat" cmpd="sng" algn="ctr">
+                      <a:solidFill>
+                        <a:schemeClr val="tx1"/>
+                      </a:solidFill>
+                      <a:prstDash val="solid"/>
+                      <a:round/>
+                      <a:headEnd w="med" len="med"/>
+                      <a:tailEnd w="med" len="med"/>
+                    </a:lnR>
+                    <a:lnT w="12700" cap="flat" cmpd="sng" algn="ctr">
+                      <a:solidFill>
+                        <a:schemeClr val="tx1"/>
+                      </a:solidFill>
+                      <a:prstDash val="solid"/>
+                      <a:round/>
+                      <a:headEnd w="med" len="med"/>
+                      <a:tailEnd w="med" len="med"/>
+                    </a:lnT>
+                    <a:lnB w="12700" cap="flat" cmpd="sng" algn="ctr">
+                      <a:solidFill>
+                        <a:schemeClr val="tx1"/>
+                      </a:solidFill>
+                      <a:prstDash val="solid"/>
+                      <a:round/>
+                      <a:headEnd w="med" len="med"/>
+                      <a:tailEnd w="med" len="med"/>
+                    </a:lnB>
+                    <a:noFill/>
+                  </a:tcPr>
+                </a:tc>
+                <a:tc>
+                  <a:txBody>
+                    <a:bodyPr/>
+                    <a:lstStyle/>
+                    <a:p>
+                      <a:pPr algn="ctr">
+                        <a:defRPr/>
+                      </a:pPr>
+                      <a:r>
+                        <a:rPr lang="en-US" altLang="ko-KR"/>
+                        <a:t>1/3</a:t>
+                      </a:r>
+                    </a:p>
+                  </a:txBody>
+                  <a:tcPr anchor="ctr">
+                    <a:lnL w="12700" cap="flat" cmpd="sng" algn="ctr">
+                      <a:solidFill>
+                        <a:schemeClr val="tx1"/>
+                      </a:solidFill>
+                      <a:prstDash val="solid"/>
+                      <a:round/>
+                      <a:headEnd type="none" w="med" len="med"/>
+                      <a:tailEnd type="none" w="med" len="med"/>
+                    </a:lnL>
+                    <a:lnR w="12700" cap="flat" cmpd="sng" algn="ctr">
+                      <a:solidFill>
+                        <a:schemeClr val="tx1"/>
+                      </a:solidFill>
+                      <a:prstDash val="solid"/>
+                      <a:round/>
+                      <a:headEnd w="med" len="med"/>
+                      <a:tailEnd w="med" len="med"/>
+                    </a:lnR>
+                    <a:lnT w="12700" cap="flat" cmpd="sng" algn="ctr">
+                      <a:solidFill>
+                        <a:schemeClr val="tx1"/>
+                      </a:solidFill>
+                      <a:prstDash val="solid"/>
+                      <a:round/>
+                      <a:headEnd type="none" w="med" len="med"/>
+                      <a:tailEnd type="none" w="med" len="med"/>
+                    </a:lnT>
+                    <a:lnB w="12700" cap="flat" cmpd="sng" algn="ctr">
+                      <a:solidFill>
+                        <a:schemeClr val="tx1"/>
+                      </a:solidFill>
+                      <a:prstDash val="solid"/>
+                      <a:round/>
+                      <a:headEnd w="med" len="med"/>
+                      <a:tailEnd w="med" len="med"/>
+                    </a:lnB>
+                    <a:noFill/>
+                  </a:tcPr>
+                </a:tc>
+                <a:tc>
+                  <a:txBody>
+                    <a:bodyPr/>
+                    <a:lstStyle/>
+                    <a:p>
+                      <a:pPr algn="ctr">
+                        <a:defRPr/>
+                      </a:pPr>
+                      <a:r>
+                        <a:rPr lang="en-US" altLang="ko-KR" dirty="0"/>
+                        <a:t>1/4</a:t>
+                      </a:r>
+                    </a:p>
+                  </a:txBody>
+                  <a:tcPr anchor="ctr">
+                    <a:lnL w="12700" cap="flat" cmpd="sng" algn="ctr">
+                      <a:solidFill>
+                        <a:schemeClr val="tx1"/>
+                      </a:solidFill>
+                      <a:prstDash val="solid"/>
+                      <a:round/>
+                      <a:headEnd w="med" len="med"/>
+                      <a:tailEnd w="med" len="med"/>
+                    </a:lnL>
+                    <a:lnR w="12700" cap="flat" cmpd="sng" algn="ctr">
+                      <a:solidFill>
+                        <a:schemeClr val="tx1"/>
+                      </a:solidFill>
+                      <a:prstDash val="solid"/>
+                      <a:round/>
+                      <a:headEnd w="med" len="med"/>
+                      <a:tailEnd w="med" len="med"/>
+                    </a:lnR>
+                    <a:lnT w="12700" cap="flat" cmpd="sng" algn="ctr">
+                      <a:solidFill>
+                        <a:schemeClr val="tx1"/>
+                      </a:solidFill>
+                      <a:prstDash val="solid"/>
+                      <a:round/>
+                      <a:headEnd w="med" len="med"/>
+                      <a:tailEnd w="med" len="med"/>
+                    </a:lnT>
+                    <a:lnB w="12700" cap="flat" cmpd="sng" algn="ctr">
+                      <a:solidFill>
+                        <a:schemeClr val="tx1"/>
+                      </a:solidFill>
+                      <a:prstDash val="solid"/>
+                      <a:round/>
+                      <a:headEnd w="med" len="med"/>
+                      <a:tailEnd w="med" len="med"/>
+                    </a:lnB>
+                    <a:noFill/>
+                  </a:tcPr>
+                </a:tc>
+                <a:tc>
+                  <a:txBody>
+                    <a:bodyPr/>
+                    <a:lstStyle/>
+                    <a:p>
+                      <a:pPr algn="ctr">
+                        <a:defRPr/>
+                      </a:pPr>
+                      <a:r>
+                        <a:rPr lang="en-US" altLang="ko-KR" dirty="0"/>
+                        <a:t>1/5</a:t>
+                      </a:r>
+                    </a:p>
+                  </a:txBody>
+                  <a:tcPr anchor="ctr">
+                    <a:lnL w="12700" cap="flat" cmpd="sng" algn="ctr">
+                      <a:solidFill>
+                        <a:schemeClr val="tx1"/>
+                      </a:solidFill>
+                      <a:prstDash val="solid"/>
+                      <a:round/>
+                      <a:headEnd type="none" w="med" len="med"/>
+                      <a:tailEnd type="none" w="med" len="med"/>
+                    </a:lnL>
+                    <a:lnR w="12700" cap="flat" cmpd="sng" algn="ctr">
+                      <a:solidFill>
+                        <a:schemeClr val="tx1"/>
+                      </a:solidFill>
+                      <a:prstDash val="solid"/>
+                      <a:round/>
+                      <a:headEnd w="med" len="med"/>
+                      <a:tailEnd w="med" len="med"/>
+                    </a:lnR>
+                    <a:lnT w="12700" cap="flat" cmpd="sng" algn="ctr">
+                      <a:solidFill>
+                        <a:schemeClr val="tx1"/>
+                      </a:solidFill>
+                      <a:prstDash val="solid"/>
+                      <a:round/>
+                      <a:headEnd type="none" w="med" len="med"/>
+                      <a:tailEnd type="none" w="med" len="med"/>
+                    </a:lnT>
+                    <a:lnB w="12700" cap="flat" cmpd="sng" algn="ctr">
+                      <a:solidFill>
+                        <a:schemeClr val="tx1"/>
+                      </a:solidFill>
+                      <a:prstDash val="solid"/>
+                      <a:round/>
+                      <a:headEnd w="med" len="med"/>
+                      <a:tailEnd w="med" len="med"/>
+                    </a:lnB>
+                    <a:noFill/>
+                  </a:tcPr>
+                </a:tc>
+                <a:tc gridSpan="2">
+                  <a:txBody>
+                    <a:bodyPr/>
+                    <a:lstStyle/>
+                    <a:p>
+                      <a:pPr algn="ctr">
+                        <a:defRPr/>
+                      </a:pPr>
+                      <a:r>
+                        <a:rPr lang="en-US" altLang="ko-KR" dirty="0"/>
+                        <a:t>1/6</a:t>
+                      </a:r>
+                    </a:p>
+                  </a:txBody>
+                  <a:tcPr anchor="ctr">
+                    <a:lnL w="12700" cap="flat" cmpd="sng" algn="ctr">
+                      <a:solidFill>
+                        <a:schemeClr val="tx1"/>
+                      </a:solidFill>
+                      <a:prstDash val="solid"/>
+                      <a:round/>
+                      <a:headEnd type="none" w="med" len="med"/>
+                      <a:tailEnd type="none" w="med" len="med"/>
+                    </a:lnL>
+                    <a:lnR w="12700" cap="flat" cmpd="sng" algn="ctr">
+                      <a:solidFill>
+                        <a:schemeClr val="tx1"/>
+                      </a:solidFill>
+                      <a:prstDash val="solid"/>
+                      <a:round/>
+                      <a:headEnd w="med" len="med"/>
+                      <a:tailEnd w="med" len="med"/>
+                    </a:lnR>
+                    <a:lnT w="12700" cap="flat" cmpd="sng" algn="ctr">
+                      <a:solidFill>
+                        <a:schemeClr val="tx1"/>
+                      </a:solidFill>
+                      <a:prstDash val="solid"/>
+                      <a:round/>
+                      <a:headEnd type="none" w="med" len="med"/>
+                      <a:tailEnd type="none" w="med" len="med"/>
+                    </a:lnT>
+                    <a:lnB w="12700" cap="flat" cmpd="sng" algn="ctr">
+                      <a:solidFill>
+                        <a:schemeClr val="tx1"/>
+                      </a:solidFill>
+                      <a:prstDash val="solid"/>
+                      <a:round/>
+                      <a:headEnd w="med" len="med"/>
+                      <a:tailEnd w="med" len="med"/>
+                    </a:lnB>
+                    <a:noFill/>
+                  </a:tcPr>
+                </a:tc>
+                <a:tc hMerge="1">
+                  <a:txBody>
+                    <a:bodyPr/>
+                    <a:lstStyle/>
+                    <a:p>
+                      <a:pPr latinLnBrk="1"/>
+                      <a:endParaRPr lang="ko-KR" altLang="en-US"/>
+                    </a:p>
+                  </a:txBody>
+                  <a:tcPr/>
+                </a:tc>
+                <a:tc gridSpan="2">
+                  <a:txBody>
+                    <a:bodyPr/>
+                    <a:lstStyle/>
+                    <a:p>
+                      <a:pPr algn="ctr">
+                        <a:defRPr/>
+                      </a:pPr>
+                      <a:r>
+                        <a:rPr lang="en-US" altLang="ko-KR"/>
+                        <a:t>1/7</a:t>
+                      </a:r>
+                    </a:p>
+                  </a:txBody>
+                  <a:tcPr anchor="ctr">
+                    <a:lnL w="12700" cap="flat" cmpd="sng" algn="ctr">
+                      <a:solidFill>
+                        <a:schemeClr val="tx1"/>
+                      </a:solidFill>
+                      <a:prstDash val="solid"/>
+                      <a:round/>
+                      <a:headEnd w="med" len="med"/>
+                      <a:tailEnd w="med" len="med"/>
+                    </a:lnL>
+                    <a:lnR w="12700" cap="flat" cmpd="sng" algn="ctr">
+                      <a:solidFill>
+                        <a:schemeClr val="tx1"/>
+                      </a:solidFill>
+                      <a:prstDash val="solid"/>
+                      <a:round/>
+                      <a:headEnd w="med" len="med"/>
+                      <a:tailEnd w="med" len="med"/>
+                    </a:lnR>
+                    <a:lnT w="12700" cap="flat" cmpd="sng" algn="ctr">
+                      <a:solidFill>
+                        <a:schemeClr val="tx1"/>
+                      </a:solidFill>
+                      <a:prstDash val="solid"/>
+                      <a:round/>
+                      <a:headEnd w="med" len="med"/>
+                      <a:tailEnd w="med" len="med"/>
+                    </a:lnT>
+                    <a:lnB w="12700" cap="flat" cmpd="sng" algn="ctr">
+                      <a:solidFill>
+                        <a:schemeClr val="tx1"/>
+                      </a:solidFill>
+                      <a:prstDash val="solid"/>
+                      <a:round/>
+                      <a:headEnd w="med" len="med"/>
+                      <a:tailEnd w="med" len="med"/>
+                    </a:lnB>
+                    <a:noFill/>
+                  </a:tcPr>
+                </a:tc>
+                <a:tc hMerge="1">
+                  <a:txBody>
+                    <a:bodyPr/>
+                    <a:lstStyle/>
+                    <a:p>
+                      <a:pPr latinLnBrk="1"/>
+                      <a:endParaRPr lang="ko-KR" altLang="en-US"/>
+                    </a:p>
+                  </a:txBody>
+                  <a:tcPr/>
+                </a:tc>
+                <a:tc>
+                  <a:txBody>
+                    <a:bodyPr/>
+                    <a:lstStyle/>
+                    <a:p>
+                      <a:pPr algn="ctr">
+                        <a:defRPr/>
+                      </a:pPr>
+                      <a:r>
+                        <a:rPr lang="en-US" altLang="ko-KR"/>
+                        <a:t>1/8</a:t>
+                      </a:r>
+                    </a:p>
+                  </a:txBody>
+                  <a:tcPr anchor="ctr">
+                    <a:lnL w="12700" cap="flat" cmpd="sng" algn="ctr">
+                      <a:solidFill>
+                        <a:schemeClr val="tx1"/>
+                      </a:solidFill>
+                      <a:prstDash val="solid"/>
+                      <a:round/>
+                      <a:headEnd w="med" len="med"/>
+                      <a:tailEnd w="med" len="med"/>
+                    </a:lnL>
+                    <a:lnR w="12700" cap="flat" cmpd="sng" algn="ctr">
+                      <a:solidFill>
+                        <a:schemeClr val="tx1"/>
+                      </a:solidFill>
+                      <a:prstDash val="solid"/>
+                      <a:round/>
+                      <a:headEnd w="med" len="med"/>
+                      <a:tailEnd w="med" len="med"/>
+                    </a:lnR>
+                    <a:lnT w="12700" cap="flat" cmpd="sng" algn="ctr">
+                      <a:solidFill>
+                        <a:schemeClr val="tx1"/>
+                      </a:solidFill>
+                      <a:prstDash val="solid"/>
+                      <a:round/>
+                      <a:headEnd w="med" len="med"/>
+                      <a:tailEnd w="med" len="med"/>
+                    </a:lnT>
+                    <a:lnB w="12700" cap="flat" cmpd="sng" algn="ctr">
+                      <a:solidFill>
+                        <a:schemeClr val="tx1"/>
+                      </a:solidFill>
+                      <a:prstDash val="solid"/>
+                      <a:round/>
+                      <a:headEnd w="med" len="med"/>
+                      <a:tailEnd w="med" len="med"/>
+                    </a:lnB>
+                    <a:noFill/>
+                  </a:tcPr>
+                </a:tc>
+                <a:tc>
+                  <a:txBody>
+                    <a:bodyPr/>
+                    <a:lstStyle/>
+                    <a:p>
+                      <a:pPr algn="ctr">
+                        <a:defRPr/>
+                      </a:pPr>
+                      <a:r>
+                        <a:rPr lang="en-US" altLang="ko-KR"/>
+                        <a:t>1/9</a:t>
+                      </a:r>
+                    </a:p>
+                  </a:txBody>
+                  <a:tcPr anchor="ctr">
+                    <a:lnL w="12700" cap="flat" cmpd="sng" algn="ctr">
+                      <a:solidFill>
+                        <a:schemeClr val="tx1"/>
+                      </a:solidFill>
+                      <a:prstDash val="solid"/>
+                      <a:round/>
+                      <a:headEnd w="med" len="med"/>
+                      <a:tailEnd w="med" len="med"/>
+                    </a:lnL>
+                    <a:lnR w="12700" cap="flat" cmpd="sng" algn="ctr">
+                      <a:solidFill>
+                        <a:schemeClr val="tx1"/>
+                      </a:solidFill>
+                      <a:prstDash val="solid"/>
+                      <a:round/>
+                      <a:headEnd w="med" len="med"/>
+                      <a:tailEnd w="med" len="med"/>
+                    </a:lnR>
+                    <a:lnT w="12700" cap="flat" cmpd="sng" algn="ctr">
+                      <a:solidFill>
+                        <a:schemeClr val="tx1"/>
+                      </a:solidFill>
+                      <a:prstDash val="solid"/>
+                      <a:round/>
+                      <a:headEnd w="med" len="med"/>
+                      <a:tailEnd w="med" len="med"/>
+                    </a:lnT>
+                    <a:lnB w="12700" cap="flat" cmpd="sng" algn="ctr">
+                      <a:solidFill>
+                        <a:schemeClr val="tx1"/>
+                      </a:solidFill>
+                      <a:prstDash val="solid"/>
+                      <a:round/>
+                      <a:headEnd w="med" len="med"/>
+                      <a:tailEnd w="med" len="med"/>
+                    </a:lnB>
+                    <a:noFill/>
+                  </a:tcPr>
+                </a:tc>
+                <a:tc>
+                  <a:txBody>
+                    <a:bodyPr/>
+                    <a:lstStyle/>
+                    <a:p>
+                      <a:pPr algn="ctr">
+                        <a:defRPr/>
+                      </a:pPr>
+                      <a:r>
+                        <a:rPr lang="en-US" altLang="ko-KR" dirty="0"/>
+                        <a:t>1/10</a:t>
+                      </a:r>
+                    </a:p>
+                  </a:txBody>
+                  <a:tcPr anchor="ctr">
+                    <a:lnL w="12700" cap="flat" cmpd="sng" algn="ctr">
+                      <a:solidFill>
+                        <a:schemeClr val="tx1"/>
+                      </a:solidFill>
+                      <a:prstDash val="solid"/>
+                      <a:round/>
+                      <a:headEnd w="med" len="med"/>
+                      <a:tailEnd w="med" len="med"/>
+                    </a:lnL>
+                    <a:lnR w="12700" cap="flat" cmpd="sng" algn="ctr">
+                      <a:solidFill>
+                        <a:schemeClr val="tx1"/>
+                      </a:solidFill>
+                      <a:prstDash val="solid"/>
+                      <a:round/>
+                      <a:headEnd w="med" len="med"/>
+                      <a:tailEnd w="med" len="med"/>
+                    </a:lnR>
+                    <a:lnT w="12700" cap="flat" cmpd="sng" algn="ctr">
+                      <a:solidFill>
+                        <a:schemeClr val="tx1"/>
+                      </a:solidFill>
+                      <a:prstDash val="solid"/>
+                      <a:round/>
+                      <a:headEnd w="med" len="med"/>
+                      <a:tailEnd w="med" len="med"/>
+                    </a:lnT>
+                    <a:lnB w="12700" cap="flat" cmpd="sng" algn="ctr">
+                      <a:solidFill>
+                        <a:schemeClr val="tx1"/>
+                      </a:solidFill>
+                      <a:prstDash val="solid"/>
+                      <a:round/>
+                      <a:headEnd w="med" len="med"/>
+                      <a:tailEnd w="med" len="med"/>
+                    </a:lnB>
+                    <a:noFill/>
+                  </a:tcPr>
+                </a:tc>
+                <a:extLst>
+                  <a:ext uri="{0D108BD9-81ED-4DB2-BD59-A6C34878D82A}">
+                    <a16:rowId xmlns:a16="http://schemas.microsoft.com/office/drawing/2014/main" val="10006"/>
+                  </a:ext>
+                </a:extLst>
+              </a:tr>
+            </a:tbl>
+          </a:graphicData>
+        </a:graphic>
+      </p:graphicFrame>
+    </p:spTree>
+  </p:cSld>
+  <p:clrMapOvr>
+    <a:masterClrMapping/>
+  </p:clrMapOvr>
+  <mc:AlternateContent xmlns:mc="http://schemas.openxmlformats.org/markup-compatibility/2006" xmlns:p14="http://schemas.microsoft.com/office/powerpoint/2010/main">
+    <mc:Choice Requires="p14">
+      <p:transition/>
+    </mc:Choice>
+    <mc:Fallback xmlns:dsp="http://schemas.microsoft.com/office/drawing/2008/diagram" xmlns:dgm="http://schemas.openxmlformats.org/drawingml/2006/diagram" xmlns:c="http://schemas.openxmlformats.org/drawingml/2006/chart" xmlns="">
+      <p:transition/>
+    </mc:Fallback>
+  </mc:AlternateContent>
+</p:sld>
+</file>
+
+<file path=ppt/slides/slide2.xml><?xml version="1.0" encoding="utf-8"?>
+<p:sld xmlns:a="http://schemas.openxmlformats.org/drawingml/2006/main" xmlns:r="http://schemas.openxmlformats.org/officeDocument/2006/relationships" xmlns:p="http://schemas.openxmlformats.org/presentationml/2006/main">
+  <p:cSld>
+    <p:spTree>
+      <p:nvGrpSpPr>
+        <p:cNvPr id="1" name=""/>
+        <p:cNvGrpSpPr/>
+        <p:nvPr/>
+      </p:nvGrpSpPr>
+      <p:grpSpPr>
+        <a:xfrm>
+          <a:off x="0" y="0"/>
+          <a:ext cx="0" cy="0"/>
+          <a:chOff x="0" y="0"/>
+          <a:chExt cx="0" cy="0"/>
+        </a:xfrm>
+      </p:grpSpPr>
+      <p:sp>
+        <p:nvSpPr>
+          <p:cNvPr id="2" name="제목 1"/>
+          <p:cNvSpPr>
+            <a:spLocks noGrp="1"/>
+          </p:cNvSpPr>
+          <p:nvPr>
+            <p:ph type="title"/>
+          </p:nvPr>
+        </p:nvSpPr>
+        <p:spPr/>
+        <p:txBody>
+          <a:bodyPr/>
+          <a:lstStyle/>
+          <a:p>
             <a:pPr lvl="0">
               <a:defRPr/>
             </a:pPr>
@@ -6928,7 +7289,6 @@
               <a:rPr lang="en-US" altLang="ko-KR"/>
               <a:t>Intro</a:t>
             </a:r>
-            <a:endParaRPr lang="en-US" altLang="ko-KR"/>
           </a:p>
         </p:txBody>
       </p:sp>
@@ -6984,7 +7344,6 @@
               <a:rPr lang="en-US" altLang="ko-KR" sz="1800"/>
               <a:t>)</a:t>
             </a:r>
-            <a:endParaRPr lang="en-US" altLang="ko-KR" sz="1800"/>
           </a:p>
           <a:p>
             <a:pPr lvl="0">
@@ -7018,7 +7377,6 @@
               <a:rPr lang="ko-KR" altLang="en-US" sz="1800"/>
               <a:t>덱 빌딩</a:t>
             </a:r>
-            <a:endParaRPr lang="ko-KR" altLang="en-US" sz="1800"/>
           </a:p>
           <a:p>
             <a:pPr lvl="0">
@@ -7032,7 +7390,6 @@
               <a:rPr lang="en-US" altLang="ko-KR" sz="1800"/>
               <a:t>: Visual Studio 2022</a:t>
             </a:r>
-            <a:endParaRPr lang="en-US" altLang="ko-KR" sz="1800"/>
           </a:p>
           <a:p>
             <a:pPr lvl="0">
@@ -7046,7 +7403,6 @@
               <a:rPr lang="en-US" altLang="ko-KR" sz="1800"/>
               <a:t>: Windows 11 64bit</a:t>
             </a:r>
-            <a:endParaRPr lang="en-US" altLang="ko-KR" sz="1800"/>
           </a:p>
           <a:p>
             <a:pPr lvl="0">
@@ -7060,7 +7416,6 @@
               <a:rPr lang="en-US" altLang="ko-KR" sz="1800"/>
               <a:t>: WINAPI</a:t>
             </a:r>
-            <a:endParaRPr lang="en-US" altLang="ko-KR" sz="1800"/>
           </a:p>
           <a:p>
             <a:pPr lvl="0">
@@ -7080,7 +7435,7 @@
       </p:sp>
       <p:pic>
         <p:nvPicPr>
-          <p:cNvPr id="11" name=""/>
+          <p:cNvPr id="11" name="그림 10"/>
           <p:cNvPicPr>
             <a:picLocks noChangeAspect="1"/>
           </p:cNvPicPr>
@@ -7107,11 +7462,11 @@
   <p:clrMapOvr>
     <a:masterClrMapping/>
   </p:clrMapOvr>
-  <mc:AlternateContent xmlns:mc="http://schemas.openxmlformats.org/markup-compatibility/2006">
-    <mc:Choice xmlns:p14="http://schemas.microsoft.com/office/powerpoint/2010/main" Requires="p14">
-      <p:transition xmlns:mc="http://schemas.openxmlformats.org/markup-compatibility/2006" xmlns:p14="http://schemas.microsoft.com/office/powerpoint/2010/main" mc:Ignorable="p14" p14:dur="500"/>
+  <mc:AlternateContent xmlns:mc="http://schemas.openxmlformats.org/markup-compatibility/2006" xmlns:p14="http://schemas.microsoft.com/office/powerpoint/2010/main">
+    <mc:Choice Requires="p14">
+      <p:transition/>
     </mc:Choice>
-    <mc:Fallback>
+    <mc:Fallback xmlns:dsp="http://schemas.microsoft.com/office/drawing/2008/diagram" xmlns:dgm="http://schemas.openxmlformats.org/drawingml/2006/diagram" xmlns:c="http://schemas.openxmlformats.org/drawingml/2006/chart" xmlns="">
       <p:transition/>
     </mc:Fallback>
   </mc:AlternateContent>
@@ -7119,7 +7474,7 @@
 </file>
 
 <file path=ppt/slides/slide3.xml><?xml version="1.0" encoding="utf-8"?>
-<p:sld xmlns:r="http://schemas.openxmlformats.org/officeDocument/2006/relationships" xmlns:c="http://schemas.openxmlformats.org/drawingml/2006/chart" xmlns:a="http://schemas.openxmlformats.org/drawingml/2006/main" xmlns:dgm="http://schemas.openxmlformats.org/drawingml/2006/diagram" xmlns:dsp="http://schemas.microsoft.com/office/drawing/2008/diagram" xmlns:p="http://schemas.openxmlformats.org/presentationml/2006/main">
+<p:sld xmlns:a="http://schemas.openxmlformats.org/drawingml/2006/main" xmlns:r="http://schemas.openxmlformats.org/officeDocument/2006/relationships" xmlns:p="http://schemas.openxmlformats.org/presentationml/2006/main">
   <p:cSld>
     <p:spTree>
       <p:nvGrpSpPr>
@@ -7142,7 +7497,7 @@
             <a:spLocks noGrp="1"/>
           </p:cNvSpPr>
           <p:nvPr>
-            <p:ph type="title" idx="0"/>
+            <p:ph type="title"/>
           </p:nvPr>
         </p:nvSpPr>
         <p:spPr/>
@@ -7157,7 +7512,6 @@
               <a:rPr lang="ko-KR" altLang="en-US"/>
               <a:t>게임 설명</a:t>
             </a:r>
-            <a:endParaRPr lang="ko-KR" altLang="en-US"/>
           </a:p>
         </p:txBody>
       </p:sp>
@@ -7179,7 +7533,7 @@
         </p:spPr>
         <p:txBody>
           <a:bodyPr>
-            <a:normAutofit lnSpcReduction="10000"/>
+            <a:normAutofit/>
           </a:bodyPr>
           <a:lstStyle/>
           <a:p>
@@ -7198,19 +7552,24 @@
               <a:rPr lang="ko-KR" altLang="en-US" sz="2000"/>
               <a:t> 사용해 점수를 내는 게임</a:t>
             </a:r>
-            <a:endParaRPr lang="ko-KR" altLang="en-US" sz="2000"/>
           </a:p>
         </p:txBody>
       </p:sp>
       <p:pic>
         <p:nvPicPr>
-          <p:cNvPr id="4" name=""/>
+          <p:cNvPr id="8" name="그림 7">
+            <a:extLst>
+              <a:ext uri="{FF2B5EF4-FFF2-40B4-BE49-F238E27FC236}">
+                <a16:creationId xmlns:a16="http://schemas.microsoft.com/office/drawing/2014/main" id="{F86E1A36-1036-45E5-9B39-5586E7277933}"/>
+              </a:ext>
+            </a:extLst>
+          </p:cNvPr>
           <p:cNvPicPr>
             <a:picLocks noChangeAspect="1"/>
           </p:cNvPicPr>
           <p:nvPr/>
         </p:nvPicPr>
-        <p:blipFill rotWithShape="1">
+        <p:blipFill>
           <a:blip r:embed="rId2"/>
           <a:stretch>
             <a:fillRect/>
@@ -7218,8 +7577,8 @@
         </p:blipFill>
         <p:spPr>
           <a:xfrm>
-            <a:off x="3062407" y="1371023"/>
-            <a:ext cx="6067184" cy="4115953"/>
+            <a:off x="2777808" y="1430838"/>
+            <a:ext cx="6636381" cy="3996323"/>
           </a:xfrm>
           <a:prstGeom prst="rect">
             <a:avLst/>
@@ -7231,11 +7590,11 @@
   <p:clrMapOvr>
     <a:masterClrMapping/>
   </p:clrMapOvr>
-  <mc:AlternateContent xmlns:mc="http://schemas.openxmlformats.org/markup-compatibility/2006">
-    <mc:Choice xmlns:p14="http://schemas.microsoft.com/office/powerpoint/2010/main" Requires="p14">
-      <p:transition xmlns:mc="http://schemas.openxmlformats.org/markup-compatibility/2006" xmlns:p14="http://schemas.microsoft.com/office/powerpoint/2010/main" mc:Ignorable="p14" p14:dur="500"/>
+  <mc:AlternateContent xmlns:mc="http://schemas.openxmlformats.org/markup-compatibility/2006" xmlns:p14="http://schemas.microsoft.com/office/powerpoint/2010/main">
+    <mc:Choice Requires="p14">
+      <p:transition/>
     </mc:Choice>
-    <mc:Fallback>
+    <mc:Fallback xmlns:dsp="http://schemas.microsoft.com/office/drawing/2008/diagram" xmlns:dgm="http://schemas.openxmlformats.org/drawingml/2006/diagram" xmlns:c="http://schemas.openxmlformats.org/drawingml/2006/chart" xmlns="">
       <p:transition/>
     </mc:Fallback>
   </mc:AlternateContent>
@@ -7243,7 +7602,7 @@
 </file>
 
 <file path=ppt/slides/slide4.xml><?xml version="1.0" encoding="utf-8"?>
-<p:sld xmlns:r="http://schemas.openxmlformats.org/officeDocument/2006/relationships" xmlns:c="http://schemas.openxmlformats.org/drawingml/2006/chart" xmlns:a="http://schemas.openxmlformats.org/drawingml/2006/main" xmlns:dgm="http://schemas.openxmlformats.org/drawingml/2006/diagram" xmlns:dsp="http://schemas.microsoft.com/office/drawing/2008/diagram" xmlns:p="http://schemas.openxmlformats.org/presentationml/2006/main">
+<p:sld xmlns:a="http://schemas.openxmlformats.org/drawingml/2006/main" xmlns:r="http://schemas.openxmlformats.org/officeDocument/2006/relationships" xmlns:p="http://schemas.openxmlformats.org/presentationml/2006/main">
   <p:cSld>
     <p:spTree>
       <p:nvGrpSpPr>
@@ -7266,7 +7625,7 @@
             <a:spLocks noGrp="1"/>
           </p:cNvSpPr>
           <p:nvPr>
-            <p:ph type="title" idx="0"/>
+            <p:ph type="title"/>
           </p:nvPr>
         </p:nvSpPr>
         <p:spPr/>
@@ -7281,13 +7640,12 @@
               <a:rPr lang="ko-KR" altLang="en-US"/>
               <a:t>게임 설명</a:t>
             </a:r>
-            <a:endParaRPr lang="ko-KR" altLang="en-US"/>
           </a:p>
         </p:txBody>
       </p:sp>
       <p:graphicFrame>
         <p:nvGraphicFramePr>
-          <p:cNvPr id="4" name=""/>
+          <p:cNvPr id="4" name="표 3"/>
           <p:cNvGraphicFramePr>
             <a:graphicFrameLocks noGrp="1"/>
           </p:cNvGraphicFramePr>
@@ -7295,7 +7653,7 @@
         </p:nvGraphicFramePr>
         <p:xfrm>
           <a:off x="925560" y="1520959"/>
-          <a:ext cx="10408227" cy="4768582"/>
+          <a:ext cx="10408226" cy="4768579"/>
         </p:xfrm>
         <a:graphic>
           <a:graphicData uri="http://schemas.openxmlformats.org/drawingml/2006/table">
@@ -7304,16 +7662,33 @@
                 <a:tableStyleId>{01A66EDD-3DAB-4C5B-A090-DC80EC1FD486}</a:tableStyleId>
               </a:tblPr>
               <a:tblGrid>
-                <a:gridCol w="1399405"/>
-                <a:gridCol w="1399405"/>
-                <a:gridCol w="7609416"/>
+                <a:gridCol w="1399405">
+                  <a:extLst>
+                    <a:ext uri="{9D8B030D-6E8A-4147-A177-3AD203B41FA5}">
+                      <a16:colId xmlns:a16="http://schemas.microsoft.com/office/drawing/2014/main" val="20000"/>
+                    </a:ext>
+                  </a:extLst>
+                </a:gridCol>
+                <a:gridCol w="1399405">
+                  <a:extLst>
+                    <a:ext uri="{9D8B030D-6E8A-4147-A177-3AD203B41FA5}">
+                      <a16:colId xmlns:a16="http://schemas.microsoft.com/office/drawing/2014/main" val="20001"/>
+                    </a:ext>
+                  </a:extLst>
+                </a:gridCol>
+                <a:gridCol w="7609416">
+                  <a:extLst>
+                    <a:ext uri="{9D8B030D-6E8A-4147-A177-3AD203B41FA5}">
+                      <a16:colId xmlns:a16="http://schemas.microsoft.com/office/drawing/2014/main" val="20002"/>
+                    </a:ext>
+                  </a:extLst>
+                </a:gridCol>
               </a:tblGrid>
               <a:tr h="1411979">
                 <a:tc gridSpan="2">
                   <a:txBody>
-                    <a:bodyPr vert="horz" wrap="square" lIns="91440" tIns="45720" rIns="91440" bIns="45720" anchor="ctr" anchorCtr="0">
-                      <a:spAutoFit/>
-                    </a:bodyPr>
+                    <a:bodyPr/>
+                    <a:lstStyle/>
                     <a:p>
                       <a:pPr algn="ctr">
                         <a:defRPr/>
@@ -7326,14 +7701,9 @@
                         </a:rPr>
                         <a:t>게임 시작</a:t>
                       </a:r>
-                      <a:endParaRPr lang="ko-KR" altLang="en-US">
-                        <a:solidFill>
-                          <a:schemeClr val="dk1"/>
-                        </a:solidFill>
-                      </a:endParaRPr>
                     </a:p>
                   </a:txBody>
-                  <a:tcPr marL="91440" marR="91440" anchor="ctr">
+                  <a:tcPr anchor="ctr">
                     <a:lnL w="12700" cap="flat" cmpd="sng" algn="ctr">
                       <a:solidFill>
                         <a:schemeClr val="tx1"/>
@@ -7371,15 +7741,14 @@
                       <a:tailEnd w="med" len="med"/>
                     </a:lnB>
                     <a:solidFill>
-                      <a:srgbClr val="f4e5b2"/>
+                      <a:srgbClr val="F4E5B2"/>
                     </a:solidFill>
                   </a:tcPr>
                 </a:tc>
                 <a:tc hMerge="1">
                   <a:txBody>
-                    <a:bodyPr wrap="square">
-                      <a:spAutoFit/>
-                    </a:bodyPr>
+                    <a:bodyPr/>
+                    <a:lstStyle/>
                     <a:p>
                       <a:pPr>
                         <a:defRPr/>
@@ -7387,13 +7756,12 @@
                       <a:endParaRPr lang="ko-KR" altLang="en-US"/>
                     </a:p>
                   </a:txBody>
-                  <a:tcPr marL="91440" marR="91440"/>
+                  <a:tcPr/>
                 </a:tc>
                 <a:tc>
                   <a:txBody>
-                    <a:bodyPr vert="horz" wrap="square" lIns="91440" tIns="45720" rIns="91440" bIns="45720" anchor="ctr" anchorCtr="0">
-                      <a:spAutoFit/>
-                    </a:bodyPr>
+                    <a:bodyPr/>
+                    <a:lstStyle/>
                     <a:p>
                       <a:pPr>
                         <a:defRPr/>
@@ -7454,11 +7822,6 @@
                         </a:rPr>
                         <a:t>종류를 공급처에 배치</a:t>
                       </a:r>
-                      <a:endParaRPr lang="ko-KR" altLang="en-US" b="0">
-                        <a:solidFill>
-                          <a:schemeClr val="dk1"/>
-                        </a:solidFill>
-                      </a:endParaRPr>
                     </a:p>
                     <a:p>
                       <a:pPr>
@@ -7538,11 +7901,6 @@
                         </a:rPr>
                         <a:t>든다</a:t>
                       </a:r>
-                      <a:endParaRPr lang="ko-KR" altLang="en-US" b="0">
-                        <a:solidFill>
-                          <a:schemeClr val="tx1"/>
-                        </a:solidFill>
-                      </a:endParaRPr>
                     </a:p>
                     <a:p>
                       <a:pPr>
@@ -7572,14 +7930,9 @@
                         </a:rPr>
                         <a:t>장의 카드를 집어들고 게임 시작</a:t>
                       </a:r>
-                      <a:endParaRPr lang="ko-KR" altLang="en-US" b="0">
-                        <a:solidFill>
-                          <a:schemeClr val="tx1"/>
-                        </a:solidFill>
-                      </a:endParaRPr>
                     </a:p>
                   </a:txBody>
-                  <a:tcPr marL="91440" marR="91440" anchor="ctr">
+                  <a:tcPr anchor="ctr">
                     <a:lnL w="12700" cap="flat" cmpd="sng" algn="ctr">
                       <a:solidFill>
                         <a:schemeClr val="tx1"/>
@@ -7619,13 +7972,17 @@
                     <a:noFill/>
                   </a:tcPr>
                 </a:tc>
+                <a:extLst>
+                  <a:ext uri="{0D108BD9-81ED-4DB2-BD59-A6C34878D82A}">
+                    <a16:rowId xmlns:a16="http://schemas.microsoft.com/office/drawing/2014/main" val="10000"/>
+                  </a:ext>
+                </a:extLst>
               </a:tr>
               <a:tr h="559433">
                 <a:tc rowSpan="3">
                   <a:txBody>
-                    <a:bodyPr vert="horz" wrap="square" lIns="91440" tIns="45720" rIns="91440" bIns="45720" anchor="ctr" anchorCtr="0">
-                      <a:spAutoFit/>
-                    </a:bodyPr>
+                    <a:bodyPr/>
+                    <a:lstStyle/>
                     <a:p>
                       <a:pPr algn="ctr">
                         <a:defRPr/>
@@ -7638,14 +7995,9 @@
                         </a:rPr>
                         <a:t>턴 진행</a:t>
                       </a:r>
-                      <a:endParaRPr lang="ko-KR" altLang="en-US" b="1">
-                        <a:solidFill>
-                          <a:schemeClr val="dk1"/>
-                        </a:solidFill>
-                      </a:endParaRPr>
                     </a:p>
                   </a:txBody>
-                  <a:tcPr marL="91440" marR="91440" anchor="ctr">
+                  <a:tcPr anchor="ctr">
                     <a:lnL w="12700" cap="flat" cmpd="sng" algn="ctr">
                       <a:solidFill>
                         <a:schemeClr val="tx1"/>
@@ -7683,15 +8035,14 @@
                       <a:tailEnd w="med" len="med"/>
                     </a:lnB>
                     <a:solidFill>
-                      <a:srgbClr val="f4e5b2"/>
+                      <a:srgbClr val="F4E5B2"/>
                     </a:solidFill>
                   </a:tcPr>
                 </a:tc>
                 <a:tc>
                   <a:txBody>
-                    <a:bodyPr vert="horz" wrap="square" lIns="91440" tIns="45720" rIns="91440" bIns="45720" anchor="ctr" anchorCtr="0">
-                      <a:spAutoFit/>
-                    </a:bodyPr>
+                    <a:bodyPr/>
+                    <a:lstStyle/>
                     <a:p>
                       <a:pPr algn="ctr">
                         <a:defRPr/>
@@ -7704,14 +8055,9 @@
                         </a:rPr>
                         <a:t>액션</a:t>
                       </a:r>
-                      <a:endParaRPr lang="ko-KR" altLang="en-US" b="1">
-                        <a:solidFill>
-                          <a:schemeClr val="dk1"/>
-                        </a:solidFill>
-                      </a:endParaRPr>
                     </a:p>
                   </a:txBody>
-                  <a:tcPr marL="91440" marR="91440" anchor="ctr">
+                  <a:tcPr anchor="ctr">
                     <a:lnL w="12700" cap="flat" cmpd="sng" algn="ctr">
                       <a:solidFill>
                         <a:schemeClr val="tx1"/>
@@ -7749,15 +8095,14 @@
                       <a:tailEnd w="med" len="med"/>
                     </a:lnB>
                     <a:solidFill>
-                      <a:srgbClr val="f4e5b2"/>
+                      <a:srgbClr val="F4E5B2"/>
                     </a:solidFill>
                   </a:tcPr>
                 </a:tc>
                 <a:tc>
                   <a:txBody>
-                    <a:bodyPr vert="horz" wrap="square" lIns="91440" tIns="45720" rIns="91440" bIns="45720" anchor="ctr" anchorCtr="0">
-                      <a:spAutoFit/>
-                    </a:bodyPr>
+                    <a:bodyPr/>
+                    <a:lstStyle/>
                     <a:p>
                       <a:pPr>
                         <a:defRPr/>
@@ -7782,10 +8127,9 @@
                         <a:rPr lang="ko-KR" altLang="en-US"/>
                         <a:t>회 가능</a:t>
                       </a:r>
-                      <a:endParaRPr lang="ko-KR" altLang="en-US"/>
                     </a:p>
                   </a:txBody>
-                  <a:tcPr marL="91440" marR="91440" anchor="ctr">
+                  <a:tcPr anchor="ctr">
                     <a:lnL w="12700" cap="flat" cmpd="sng" algn="ctr">
                       <a:solidFill>
                         <a:schemeClr val="tx1"/>
@@ -7825,13 +8169,17 @@
                     <a:noFill/>
                   </a:tcPr>
                 </a:tc>
+                <a:extLst>
+                  <a:ext uri="{0D108BD9-81ED-4DB2-BD59-A6C34878D82A}">
+                    <a16:rowId xmlns:a16="http://schemas.microsoft.com/office/drawing/2014/main" val="10001"/>
+                  </a:ext>
+                </a:extLst>
               </a:tr>
               <a:tr h="559433">
                 <a:tc vMerge="1">
                   <a:txBody>
-                    <a:bodyPr wrap="square">
-                      <a:spAutoFit/>
-                    </a:bodyPr>
+                    <a:bodyPr/>
+                    <a:lstStyle/>
                     <a:p>
                       <a:pPr>
                         <a:defRPr/>
@@ -7839,13 +8187,12 @@
                       <a:endParaRPr lang="ko-KR" altLang="en-US"/>
                     </a:p>
                   </a:txBody>
-                  <a:tcPr marL="91440" marR="91440"/>
+                  <a:tcPr/>
                 </a:tc>
                 <a:tc>
                   <a:txBody>
-                    <a:bodyPr vert="horz" wrap="square" lIns="91440" tIns="45720" rIns="91440" bIns="45720" anchor="ctr" anchorCtr="0">
-                      <a:spAutoFit/>
-                    </a:bodyPr>
+                    <a:bodyPr/>
+                    <a:lstStyle/>
                     <a:p>
                       <a:pPr algn="ctr">
                         <a:defRPr/>
@@ -7858,14 +8205,9 @@
                         </a:rPr>
                         <a:t>구매</a:t>
                       </a:r>
-                      <a:endParaRPr lang="ko-KR" altLang="en-US" b="1">
-                        <a:solidFill>
-                          <a:schemeClr val="dk1"/>
-                        </a:solidFill>
-                      </a:endParaRPr>
                     </a:p>
                   </a:txBody>
-                  <a:tcPr marL="91440" marR="91440" anchor="ctr">
+                  <a:tcPr anchor="ctr">
                     <a:lnL w="12700" cap="flat" cmpd="sng" algn="ctr">
                       <a:solidFill>
                         <a:schemeClr val="tx1"/>
@@ -7903,15 +8245,14 @@
                       <a:tailEnd w="med" len="med"/>
                     </a:lnB>
                     <a:solidFill>
-                      <a:srgbClr val="f4e5b2"/>
+                      <a:srgbClr val="F4E5B2"/>
                     </a:solidFill>
                   </a:tcPr>
                 </a:tc>
                 <a:tc>
                   <a:txBody>
-                    <a:bodyPr vert="horz" wrap="square" lIns="91440" tIns="45720" rIns="91440" bIns="45720" anchor="ctr" anchorCtr="0">
-                      <a:spAutoFit/>
-                    </a:bodyPr>
+                    <a:bodyPr/>
+                    <a:lstStyle/>
                     <a:p>
                       <a:pPr>
                         <a:defRPr/>
@@ -7920,10 +8261,9 @@
                         <a:rPr lang="ko-KR" altLang="en-US"/>
                         <a:t>재물 카드를 사용해 카드를 구매하는 단계</a:t>
                       </a:r>
-                      <a:endParaRPr lang="ko-KR" altLang="en-US"/>
                     </a:p>
                   </a:txBody>
-                  <a:tcPr marL="91440" marR="91440" anchor="ctr">
+                  <a:tcPr anchor="ctr">
                     <a:lnL w="12700" cap="flat" cmpd="sng" algn="ctr">
                       <a:solidFill>
                         <a:schemeClr val="tx1"/>
@@ -7963,13 +8303,17 @@
                     <a:noFill/>
                   </a:tcPr>
                 </a:tc>
+                <a:extLst>
+                  <a:ext uri="{0D108BD9-81ED-4DB2-BD59-A6C34878D82A}">
+                    <a16:rowId xmlns:a16="http://schemas.microsoft.com/office/drawing/2014/main" val="10002"/>
+                  </a:ext>
+                </a:extLst>
               </a:tr>
               <a:tr h="559433">
                 <a:tc vMerge="1">
                   <a:txBody>
-                    <a:bodyPr wrap="square">
-                      <a:spAutoFit/>
-                    </a:bodyPr>
+                    <a:bodyPr/>
+                    <a:lstStyle/>
                     <a:p>
                       <a:pPr>
                         <a:defRPr/>
@@ -7977,13 +8321,12 @@
                       <a:endParaRPr lang="ko-KR" altLang="en-US"/>
                     </a:p>
                   </a:txBody>
-                  <a:tcPr marL="91440" marR="91440"/>
+                  <a:tcPr/>
                 </a:tc>
                 <a:tc>
                   <a:txBody>
-                    <a:bodyPr vert="horz" wrap="square" lIns="91440" tIns="45720" rIns="91440" bIns="45720" anchor="ctr" anchorCtr="0">
-                      <a:spAutoFit/>
-                    </a:bodyPr>
+                    <a:bodyPr/>
+                    <a:lstStyle/>
                     <a:p>
                       <a:pPr algn="ctr">
                         <a:defRPr/>
@@ -7996,14 +8339,9 @@
                         </a:rPr>
                         <a:t>종료</a:t>
                       </a:r>
-                      <a:endParaRPr lang="ko-KR" altLang="en-US" b="1">
-                        <a:solidFill>
-                          <a:schemeClr val="dk1"/>
-                        </a:solidFill>
-                      </a:endParaRPr>
                     </a:p>
                   </a:txBody>
-                  <a:tcPr marL="91440" marR="91440" anchor="ctr">
+                  <a:tcPr anchor="ctr">
                     <a:lnL w="12700" cap="flat" cmpd="sng" algn="ctr">
                       <a:solidFill>
                         <a:schemeClr val="tx1"/>
@@ -8041,15 +8379,14 @@
                       <a:tailEnd w="med" len="med"/>
                     </a:lnB>
                     <a:solidFill>
-                      <a:srgbClr val="f4e5b2"/>
+                      <a:srgbClr val="F4E5B2"/>
                     </a:solidFill>
                   </a:tcPr>
                 </a:tc>
                 <a:tc>
                   <a:txBody>
-                    <a:bodyPr vert="horz" wrap="square" lIns="91440" tIns="45720" rIns="91440" bIns="45720" anchor="ctr" anchorCtr="0">
-                      <a:spAutoFit/>
-                    </a:bodyPr>
+                    <a:bodyPr/>
+                    <a:lstStyle/>
                     <a:p>
                       <a:pPr>
                         <a:defRPr/>
@@ -8066,10 +8403,9 @@
                         <a:rPr lang="ko-KR" altLang="en-US"/>
                         <a:t>장의 카드를 가져온다</a:t>
                       </a:r>
-                      <a:endParaRPr lang="ko-KR" altLang="en-US"/>
                     </a:p>
                   </a:txBody>
-                  <a:tcPr marL="91440" marR="91440" anchor="ctr">
+                  <a:tcPr anchor="ctr">
                     <a:lnL w="12700" cap="flat" cmpd="sng" algn="ctr">
                       <a:solidFill>
                         <a:schemeClr val="tx1"/>
@@ -8109,13 +8445,17 @@
                     <a:noFill/>
                   </a:tcPr>
                 </a:tc>
+                <a:extLst>
+                  <a:ext uri="{0D108BD9-81ED-4DB2-BD59-A6C34878D82A}">
+                    <a16:rowId xmlns:a16="http://schemas.microsoft.com/office/drawing/2014/main" val="10003"/>
+                  </a:ext>
+                </a:extLst>
               </a:tr>
               <a:tr h="1678301">
                 <a:tc gridSpan="2">
                   <a:txBody>
-                    <a:bodyPr vert="horz" wrap="square" lIns="91440" tIns="45720" rIns="91440" bIns="45720" anchor="ctr" anchorCtr="0">
-                      <a:spAutoFit/>
-                    </a:bodyPr>
+                    <a:bodyPr/>
+                    <a:lstStyle/>
                     <a:p>
                       <a:pPr algn="ctr">
                         <a:defRPr/>
@@ -8128,14 +8468,9 @@
                         </a:rPr>
                         <a:t>게임 종료</a:t>
                       </a:r>
-                      <a:endParaRPr lang="ko-KR" altLang="en-US" b="1">
-                        <a:solidFill>
-                          <a:schemeClr val="dk1"/>
-                        </a:solidFill>
-                      </a:endParaRPr>
                     </a:p>
                   </a:txBody>
-                  <a:tcPr marL="91440" marR="91440" anchor="ctr">
+                  <a:tcPr anchor="ctr">
                     <a:lnL w="12700" cap="flat" cmpd="sng" algn="ctr">
                       <a:solidFill>
                         <a:schemeClr val="tx1"/>
@@ -8173,15 +8508,14 @@
                       <a:tailEnd w="med" len="med"/>
                     </a:lnB>
                     <a:solidFill>
-                      <a:srgbClr val="f4e5b2"/>
+                      <a:srgbClr val="F4E5B2"/>
                     </a:solidFill>
                   </a:tcPr>
                 </a:tc>
                 <a:tc hMerge="1">
                   <a:txBody>
-                    <a:bodyPr wrap="square">
-                      <a:spAutoFit/>
-                    </a:bodyPr>
+                    <a:bodyPr/>
+                    <a:lstStyle/>
                     <a:p>
                       <a:pPr>
                         <a:defRPr/>
@@ -8189,13 +8523,12 @@
                       <a:endParaRPr lang="ko-KR" altLang="en-US"/>
                     </a:p>
                   </a:txBody>
-                  <a:tcPr marL="91440" marR="91440"/>
+                  <a:tcPr/>
                 </a:tc>
                 <a:tc>
                   <a:txBody>
-                    <a:bodyPr vert="horz" wrap="square" lIns="91440" tIns="45720" rIns="91440" bIns="45720" anchor="ctr" anchorCtr="0">
-                      <a:spAutoFit/>
-                    </a:bodyPr>
+                    <a:bodyPr/>
+                    <a:lstStyle/>
                     <a:p>
                       <a:pPr>
                         <a:defRPr/>
@@ -8216,7 +8549,6 @@
                         <a:rPr lang="ko-KR" altLang="en-US"/>
                         <a:t> 공급처가 떨어지거나 </a:t>
                       </a:r>
-                      <a:endParaRPr lang="ko-KR" altLang="en-US"/>
                     </a:p>
                     <a:p>
                       <a:pPr>
@@ -8234,7 +8566,6 @@
                         <a:rPr lang="ko-KR" altLang="en-US"/>
                         <a:t>종류의 공급처가 비게 되면 게임 종료</a:t>
                       </a:r>
-                      <a:endParaRPr lang="ko-KR" altLang="en-US"/>
                     </a:p>
                     <a:p>
                       <a:pPr>
@@ -8258,7 +8589,6 @@
                         <a:rPr lang="ko-KR" altLang="en-US"/>
                         <a:t> 패를 비롯한 자신의 카드들의 승점을 합산해 </a:t>
                       </a:r>
-                      <a:endParaRPr lang="ko-KR" altLang="en-US"/>
                     </a:p>
                     <a:p>
                       <a:pPr>
@@ -8268,10 +8598,9 @@
                         <a:rPr lang="ko-KR" altLang="en-US"/>
                         <a:t>점수를낸다 </a:t>
                       </a:r>
-                      <a:endParaRPr lang="ko-KR" altLang="en-US"/>
                     </a:p>
                   </a:txBody>
-                  <a:tcPr marL="91440" marR="91440" anchor="ctr">
+                  <a:tcPr anchor="ctr">
                     <a:lnL w="12700" cap="flat" cmpd="sng" algn="ctr">
                       <a:solidFill>
                         <a:schemeClr val="tx1"/>
@@ -8311,6 +8640,11 @@
                     <a:noFill/>
                   </a:tcPr>
                 </a:tc>
+                <a:extLst>
+                  <a:ext uri="{0D108BD9-81ED-4DB2-BD59-A6C34878D82A}">
+                    <a16:rowId xmlns:a16="http://schemas.microsoft.com/office/drawing/2014/main" val="10004"/>
+                  </a:ext>
+                </a:extLst>
               </a:tr>
             </a:tbl>
           </a:graphicData>
@@ -8321,11 +8655,11 @@
   <p:clrMapOvr>
     <a:masterClrMapping/>
   </p:clrMapOvr>
-  <mc:AlternateContent xmlns:mc="http://schemas.openxmlformats.org/markup-compatibility/2006">
-    <mc:Choice xmlns:p14="http://schemas.microsoft.com/office/powerpoint/2010/main" Requires="p14">
-      <p:transition xmlns:mc="http://schemas.openxmlformats.org/markup-compatibility/2006" xmlns:p14="http://schemas.microsoft.com/office/powerpoint/2010/main" mc:Ignorable="p14" p14:dur="500"/>
+  <mc:AlternateContent xmlns:mc="http://schemas.openxmlformats.org/markup-compatibility/2006" xmlns:p14="http://schemas.microsoft.com/office/powerpoint/2010/main">
+    <mc:Choice Requires="p14">
+      <p:transition/>
     </mc:Choice>
-    <mc:Fallback>
+    <mc:Fallback xmlns:dsp="http://schemas.microsoft.com/office/drawing/2008/diagram" xmlns:dgm="http://schemas.openxmlformats.org/drawingml/2006/diagram" xmlns:c="http://schemas.openxmlformats.org/drawingml/2006/chart" xmlns="">
       <p:transition/>
     </mc:Fallback>
   </mc:AlternateContent>
@@ -8333,7 +8667,7 @@
 </file>
 
 <file path=ppt/slides/slide5.xml><?xml version="1.0" encoding="utf-8"?>
-<p:sld xmlns:r="http://schemas.openxmlformats.org/officeDocument/2006/relationships" xmlns:c="http://schemas.openxmlformats.org/drawingml/2006/chart" xmlns:a="http://schemas.openxmlformats.org/drawingml/2006/main" xmlns:dgm="http://schemas.openxmlformats.org/drawingml/2006/diagram" xmlns:dsp="http://schemas.microsoft.com/office/drawing/2008/diagram" xmlns:p="http://schemas.openxmlformats.org/presentationml/2006/main">
+<p:sld xmlns:a="http://schemas.openxmlformats.org/drawingml/2006/main" xmlns:r="http://schemas.openxmlformats.org/officeDocument/2006/relationships" xmlns:p="http://schemas.openxmlformats.org/presentationml/2006/main">
   <p:cSld>
     <p:spTree>
       <p:nvGrpSpPr>
@@ -8356,7 +8690,7 @@
             <a:spLocks noGrp="1"/>
           </p:cNvSpPr>
           <p:nvPr>
-            <p:ph type="title" idx="0"/>
+            <p:ph type="title"/>
           </p:nvPr>
         </p:nvSpPr>
         <p:spPr>
@@ -8376,37 +8710,59 @@
               <a:rPr lang="ko-KR" altLang="en-US"/>
               <a:t>카드</a:t>
             </a:r>
-            <a:endParaRPr lang="ko-KR" altLang="en-US"/>
           </a:p>
         </p:txBody>
       </p:sp>
       <p:graphicFrame>
         <p:nvGraphicFramePr>
-          <p:cNvPr id="5" name=""/>
+          <p:cNvPr id="5" name="표 4"/>
           <p:cNvGraphicFramePr>
             <a:graphicFrameLocks noGrp="1"/>
           </p:cNvGraphicFramePr>
-          <p:nvPr/>
+          <p:nvPr>
+            <p:extLst>
+              <p:ext uri="{D42A27DB-BD31-4B8C-83A1-F6EECF244321}">
+                <p14:modId xmlns:p14="http://schemas.microsoft.com/office/powerpoint/2010/main" val="3584231383"/>
+              </p:ext>
+            </p:extLst>
+          </p:nvPr>
         </p:nvGraphicFramePr>
         <p:xfrm>
           <a:off x="1166091" y="1373908"/>
-          <a:ext cx="9417242" cy="4537671"/>
+          <a:ext cx="9417241" cy="4537671"/>
         </p:xfrm>
         <a:graphic>
           <a:graphicData uri="http://schemas.openxmlformats.org/drawingml/2006/table">
             <a:tbl>
               <a:tblPr firstRow="1" bandRow="1"/>
               <a:tblGrid>
-                <a:gridCol w="1611899"/>
-                <a:gridCol w="1897665"/>
-                <a:gridCol w="5907677"/>
+                <a:gridCol w="1611899">
+                  <a:extLst>
+                    <a:ext uri="{9D8B030D-6E8A-4147-A177-3AD203B41FA5}">
+                      <a16:colId xmlns:a16="http://schemas.microsoft.com/office/drawing/2014/main" val="20000"/>
+                    </a:ext>
+                  </a:extLst>
+                </a:gridCol>
+                <a:gridCol w="1897665">
+                  <a:extLst>
+                    <a:ext uri="{9D8B030D-6E8A-4147-A177-3AD203B41FA5}">
+                      <a16:colId xmlns:a16="http://schemas.microsoft.com/office/drawing/2014/main" val="20001"/>
+                    </a:ext>
+                  </a:extLst>
+                </a:gridCol>
+                <a:gridCol w="5907677">
+                  <a:extLst>
+                    <a:ext uri="{9D8B030D-6E8A-4147-A177-3AD203B41FA5}">
+                      <a16:colId xmlns:a16="http://schemas.microsoft.com/office/drawing/2014/main" val="20002"/>
+                    </a:ext>
+                  </a:extLst>
+                </a:gridCol>
               </a:tblGrid>
               <a:tr h="1512557">
                 <a:tc>
                   <a:txBody>
-                    <a:bodyPr vert="horz" wrap="square" lIns="91440" tIns="45720" rIns="91440" bIns="45720" anchor="ctr" anchorCtr="0">
-                      <a:spAutoFit/>
-                    </a:bodyPr>
+                    <a:bodyPr/>
+                    <a:lstStyle/>
                     <a:p>
                       <a:pPr algn="ctr">
                         <a:defRPr/>
@@ -8415,20 +8771,18 @@
                         <a:rPr lang="ko-KR" altLang="en-US"/>
                         <a:t>재물 카드</a:t>
                       </a:r>
-                      <a:endParaRPr lang="ko-KR" altLang="en-US"/>
                     </a:p>
                   </a:txBody>
-                  <a:tcPr marL="91440" marR="91440" anchor="ctr">
+                  <a:tcPr anchor="ctr">
                     <a:solidFill>
-                      <a:srgbClr val="ffe766"/>
+                      <a:srgbClr val="FFE766"/>
                     </a:solidFill>
                   </a:tcPr>
                 </a:tc>
                 <a:tc>
                   <a:txBody>
-                    <a:bodyPr vert="horz" wrap="square" lIns="91440" tIns="45720" rIns="91440" bIns="45720" anchor="t" anchorCtr="0">
-                      <a:spAutoFit/>
-                    </a:bodyPr>
+                    <a:bodyPr/>
+                    <a:lstStyle/>
                     <a:p>
                       <a:pPr>
                         <a:defRPr/>
@@ -8436,13 +8790,12 @@
                       <a:endParaRPr lang="ko-KR" altLang="en-US"/>
                     </a:p>
                   </a:txBody>
-                  <a:tcPr marL="91440" marR="91440"/>
+                  <a:tcPr/>
                 </a:tc>
                 <a:tc>
                   <a:txBody>
-                    <a:bodyPr vert="horz" wrap="square" lIns="91440" tIns="45720" rIns="91440" bIns="45720" anchor="ctr" anchorCtr="0">
-                      <a:spAutoFit/>
-                    </a:bodyPr>
+                    <a:bodyPr/>
+                    <a:lstStyle/>
                     <a:p>
                       <a:pPr>
                         <a:defRPr/>
@@ -8451,7 +8804,6 @@
                         <a:rPr lang="ko-KR" altLang="en-US"/>
                         <a:t>공급처에서 카드를 사기 위한 재물</a:t>
                       </a:r>
-                      <a:endParaRPr lang="ko-KR" altLang="en-US"/>
                     </a:p>
                     <a:p>
                       <a:pPr>
@@ -8461,18 +8813,21 @@
                         <a:rPr lang="ko-KR" altLang="en-US"/>
                         <a:t>구매 단계에 제한 없이 쓸 수 있다</a:t>
                       </a:r>
-                      <a:endParaRPr lang="ko-KR" altLang="en-US"/>
                     </a:p>
                   </a:txBody>
-                  <a:tcPr marL="91440" marR="91440" anchor="ctr"/>
+                  <a:tcPr anchor="ctr"/>
                 </a:tc>
+                <a:extLst>
+                  <a:ext uri="{0D108BD9-81ED-4DB2-BD59-A6C34878D82A}">
+                    <a16:rowId xmlns:a16="http://schemas.microsoft.com/office/drawing/2014/main" val="10000"/>
+                  </a:ext>
+                </a:extLst>
               </a:tr>
               <a:tr h="1512557">
                 <a:tc>
                   <a:txBody>
-                    <a:bodyPr vert="horz" wrap="square" lIns="91440" tIns="45720" rIns="91440" bIns="45720" anchor="ctr" anchorCtr="0">
-                      <a:spAutoFit/>
-                    </a:bodyPr>
+                    <a:bodyPr/>
+                    <a:lstStyle/>
                     <a:p>
                       <a:pPr algn="ctr">
                         <a:defRPr/>
@@ -8481,20 +8836,18 @@
                         <a:rPr lang="ko-KR" altLang="en-US"/>
                         <a:t>승점 카드</a:t>
                       </a:r>
-                      <a:endParaRPr lang="ko-KR" altLang="en-US"/>
                     </a:p>
                   </a:txBody>
-                  <a:tcPr marL="91440" marR="91440" anchor="ctr">
+                  <a:tcPr anchor="ctr">
                     <a:solidFill>
-                      <a:srgbClr val="baff1a"/>
+                      <a:srgbClr val="BAFF1A"/>
                     </a:solidFill>
                   </a:tcPr>
                 </a:tc>
                 <a:tc>
                   <a:txBody>
-                    <a:bodyPr vert="horz" wrap="square" lIns="91440" tIns="45720" rIns="91440" bIns="45720" anchor="t" anchorCtr="0">
-                      <a:spAutoFit/>
-                    </a:bodyPr>
+                    <a:bodyPr/>
+                    <a:lstStyle/>
                     <a:p>
                       <a:pPr>
                         <a:defRPr/>
@@ -8502,53 +8855,53 @@
                       <a:endParaRPr lang="ko-KR" altLang="en-US"/>
                     </a:p>
                   </a:txBody>
-                  <a:tcPr marL="91440" marR="91440"/>
+                  <a:tcPr/>
                 </a:tc>
                 <a:tc>
                   <a:txBody>
-                    <a:bodyPr vert="horz" wrap="square" lIns="91440" tIns="45720" rIns="91440" bIns="45720" anchor="ctr" anchorCtr="0">
-                      <a:spAutoFit/>
-                    </a:bodyPr>
+                    <a:bodyPr/>
+                    <a:lstStyle/>
                     <a:p>
                       <a:pPr>
                         <a:defRPr/>
                       </a:pPr>
                       <a:r>
-                        <a:rPr lang="ko-KR" altLang="en-US"/>
+                        <a:rPr lang="ko-KR" altLang="en-US" dirty="0"/>
                         <a:t>플레이어의 점수를 나타내는 카드</a:t>
                       </a:r>
-                      <a:endParaRPr lang="ko-KR" altLang="en-US"/>
                     </a:p>
                     <a:p>
                       <a:pPr>
                         <a:defRPr/>
                       </a:pPr>
                       <a:r>
-                        <a:rPr lang="ko-KR" altLang="en-US"/>
-                        <a:t>각 플레이어가 소유한 승점카드로 점수를 계산한다</a:t>
+                        <a:rPr lang="ko-KR" altLang="en-US" dirty="0"/>
+                        <a:t>각 플레이어가 소유한 승점카드로 점수를 계산</a:t>
                       </a:r>
-                      <a:endParaRPr lang="ko-KR" altLang="en-US"/>
                     </a:p>
                     <a:p>
                       <a:pPr>
                         <a:defRPr/>
                       </a:pPr>
                       <a:r>
-                        <a:rPr lang="ko-KR" altLang="en-US"/>
+                        <a:rPr lang="ko-KR" altLang="en-US" dirty="0"/>
                         <a:t>그 외에는 어떤 효과도 없다</a:t>
                       </a:r>
-                      <a:endParaRPr lang="ko-KR" altLang="en-US"/>
                     </a:p>
                   </a:txBody>
-                  <a:tcPr marL="91440" marR="91440" anchor="ctr"/>
+                  <a:tcPr anchor="ctr"/>
                 </a:tc>
+                <a:extLst>
+                  <a:ext uri="{0D108BD9-81ED-4DB2-BD59-A6C34878D82A}">
+                    <a16:rowId xmlns:a16="http://schemas.microsoft.com/office/drawing/2014/main" val="10001"/>
+                  </a:ext>
+                </a:extLst>
               </a:tr>
               <a:tr h="1512557">
                 <a:tc>
                   <a:txBody>
-                    <a:bodyPr vert="horz" wrap="square" lIns="91440" tIns="45720" rIns="91440" bIns="45720" anchor="ctr" anchorCtr="0">
-                      <a:spAutoFit/>
-                    </a:bodyPr>
+                    <a:bodyPr/>
+                    <a:lstStyle/>
                     <a:p>
                       <a:pPr algn="ctr">
                         <a:defRPr/>
@@ -8557,20 +8910,18 @@
                         <a:rPr lang="ko-KR" altLang="en-US"/>
                         <a:t>왕국 카드</a:t>
                       </a:r>
-                      <a:endParaRPr lang="ko-KR" altLang="en-US"/>
                     </a:p>
                   </a:txBody>
-                  <a:tcPr marL="91440" marR="91440" anchor="ctr">
+                  <a:tcPr anchor="ctr">
                     <a:solidFill>
-                      <a:srgbClr val="faf3db"/>
+                      <a:srgbClr val="FAF3DB"/>
                     </a:solidFill>
                   </a:tcPr>
                 </a:tc>
                 <a:tc>
                   <a:txBody>
-                    <a:bodyPr vert="horz" wrap="square" lIns="91440" tIns="45720" rIns="91440" bIns="45720" anchor="t" anchorCtr="0">
-                      <a:spAutoFit/>
-                    </a:bodyPr>
+                    <a:bodyPr/>
+                    <a:lstStyle/>
                     <a:p>
                       <a:pPr>
                         <a:defRPr/>
@@ -8578,92 +8929,93 @@
                       <a:endParaRPr lang="ko-KR" altLang="en-US"/>
                     </a:p>
                   </a:txBody>
-                  <a:tcPr marL="91440" marR="91440"/>
+                  <a:tcPr/>
                 </a:tc>
                 <a:tc>
                   <a:txBody>
-                    <a:bodyPr vert="horz" wrap="square" lIns="91440" tIns="45720" rIns="91440" bIns="45720" anchor="ctr" anchorCtr="0">
-                      <a:spAutoFit/>
-                    </a:bodyPr>
+                    <a:bodyPr/>
+                    <a:lstStyle/>
                     <a:p>
                       <a:pPr>
                         <a:defRPr/>
                       </a:pPr>
                       <a:r>
-                        <a:rPr lang="ko-KR" altLang="en-US"/>
+                        <a:rPr lang="ko-KR" altLang="en-US" dirty="0"/>
                         <a:t>패에 카드를 더하거나 액션</a:t>
                       </a:r>
                       <a:r>
-                        <a:rPr lang="en-US" altLang="ko-KR"/>
+                        <a:rPr lang="en-US" altLang="ko-KR" dirty="0"/>
                         <a:t>,</a:t>
                       </a:r>
                       <a:r>
-                        <a:rPr lang="ko-KR" altLang="en-US"/>
+                        <a:rPr lang="ko-KR" altLang="en-US" dirty="0"/>
                         <a:t> 구매 횟수를 늘리는 등</a:t>
                       </a:r>
-                      <a:endParaRPr lang="ko-KR" altLang="en-US"/>
                     </a:p>
                     <a:p>
                       <a:pPr>
                         <a:defRPr/>
                       </a:pPr>
                       <a:r>
-                        <a:rPr lang="ko-KR" altLang="en-US"/>
+                        <a:rPr lang="ko-KR" altLang="en-US" dirty="0"/>
                         <a:t>다양한 효과를 발휘할 수 있는 카드</a:t>
                       </a:r>
-                      <a:endParaRPr lang="ko-KR" altLang="en-US"/>
                     </a:p>
                     <a:p>
                       <a:pPr>
                         <a:defRPr/>
                       </a:pPr>
-                      <a:endParaRPr lang="ko-KR" altLang="en-US"/>
+                      <a:endParaRPr lang="ko-KR" altLang="en-US" dirty="0"/>
                     </a:p>
                     <a:p>
                       <a:pPr>
                         <a:defRPr/>
                       </a:pPr>
                       <a:r>
-                        <a:rPr lang="ko-KR" altLang="en-US"/>
+                        <a:rPr lang="ko-KR" altLang="en-US" dirty="0"/>
                         <a:t>효과에 따라 액션</a:t>
                       </a:r>
                       <a:r>
-                        <a:rPr lang="en-US" altLang="ko-KR"/>
+                        <a:rPr lang="en-US" altLang="ko-KR" dirty="0"/>
                         <a:t>,</a:t>
                       </a:r>
                       <a:r>
-                        <a:rPr lang="ko-KR" altLang="en-US"/>
+                        <a:rPr lang="ko-KR" altLang="en-US" dirty="0"/>
                         <a:t> 액션</a:t>
                       </a:r>
                       <a:r>
-                        <a:rPr lang="en-US" altLang="ko-KR"/>
+                        <a:rPr lang="en-US" altLang="ko-KR" dirty="0"/>
                         <a:t>-</a:t>
                       </a:r>
                       <a:r>
-                        <a:rPr lang="ko-KR" altLang="en-US"/>
+                        <a:rPr lang="ko-KR" altLang="en-US" dirty="0"/>
                         <a:t>공격</a:t>
                       </a:r>
                       <a:r>
-                        <a:rPr lang="en-US" altLang="ko-KR"/>
+                        <a:rPr lang="en-US" altLang="ko-KR" dirty="0"/>
                         <a:t>,</a:t>
                       </a:r>
                       <a:r>
-                        <a:rPr lang="ko-KR" altLang="en-US"/>
+                        <a:rPr lang="ko-KR" altLang="en-US" dirty="0"/>
                         <a:t> 액션</a:t>
                       </a:r>
                       <a:r>
-                        <a:rPr lang="en-US" altLang="ko-KR"/>
+                        <a:rPr lang="en-US" altLang="ko-KR" dirty="0"/>
                         <a:t>-</a:t>
                       </a:r>
                       <a:r>
-                        <a:rPr lang="ko-KR" altLang="en-US"/>
+                        <a:rPr lang="ko-KR" altLang="en-US" dirty="0"/>
                         <a:t>반응 등으로 나뉜다</a:t>
                       </a:r>
-                      <a:endParaRPr lang="ko-KR" altLang="en-US"/>
                     </a:p>
                   </a:txBody>
-                  <a:tcPr marL="91440" marR="91440" anchor="ctr"/>
+                  <a:tcPr anchor="ctr"/>
                 </a:tc>
+                <a:extLst>
+                  <a:ext uri="{0D108BD9-81ED-4DB2-BD59-A6C34878D82A}">
+                    <a16:rowId xmlns:a16="http://schemas.microsoft.com/office/drawing/2014/main" val="10002"/>
+                  </a:ext>
+                </a:extLst>
               </a:tr>
             </a:tbl>
           </a:graphicData>
@@ -8671,7 +9023,7 @@
       </p:graphicFrame>
       <p:pic>
         <p:nvPicPr>
-          <p:cNvPr id="6" name=""/>
+          <p:cNvPr id="6" name="그림 5"/>
           <p:cNvPicPr>
             <a:picLocks noChangeAspect="1"/>
           </p:cNvPicPr>
@@ -8695,7 +9047,7 @@
       </p:pic>
       <p:pic>
         <p:nvPicPr>
-          <p:cNvPr id="7" name=""/>
+          <p:cNvPr id="7" name="그림 6"/>
           <p:cNvPicPr>
             <a:picLocks noChangeAspect="1"/>
           </p:cNvPicPr>
@@ -8719,7 +9071,7 @@
       </p:pic>
       <p:pic>
         <p:nvPicPr>
-          <p:cNvPr id="9" name=""/>
+          <p:cNvPr id="9" name="그림 8"/>
           <p:cNvPicPr>
             <a:picLocks noChangeAspect="1"/>
           </p:cNvPicPr>
@@ -8746,11 +9098,11 @@
   <p:clrMapOvr>
     <a:masterClrMapping/>
   </p:clrMapOvr>
-  <mc:AlternateContent xmlns:mc="http://schemas.openxmlformats.org/markup-compatibility/2006">
-    <mc:Choice xmlns:p14="http://schemas.microsoft.com/office/powerpoint/2010/main" Requires="p14">
-      <p:transition xmlns:mc="http://schemas.openxmlformats.org/markup-compatibility/2006" xmlns:p14="http://schemas.microsoft.com/office/powerpoint/2010/main" mc:Ignorable="p14" p14:dur="500"/>
+  <mc:AlternateContent xmlns:mc="http://schemas.openxmlformats.org/markup-compatibility/2006" xmlns:p14="http://schemas.microsoft.com/office/powerpoint/2010/main">
+    <mc:Choice Requires="p14">
+      <p:transition/>
     </mc:Choice>
-    <mc:Fallback>
+    <mc:Fallback xmlns:dsp="http://schemas.microsoft.com/office/drawing/2008/diagram" xmlns:dgm="http://schemas.openxmlformats.org/drawingml/2006/diagram" xmlns:c="http://schemas.openxmlformats.org/drawingml/2006/chart" xmlns="">
       <p:transition/>
     </mc:Fallback>
   </mc:AlternateContent>
@@ -8758,7 +9110,7 @@
 </file>
 
 <file path=ppt/slides/slide6.xml><?xml version="1.0" encoding="utf-8"?>
-<p:sld xmlns:r="http://schemas.openxmlformats.org/officeDocument/2006/relationships" xmlns:c="http://schemas.openxmlformats.org/drawingml/2006/chart" xmlns:a="http://schemas.openxmlformats.org/drawingml/2006/main" xmlns:dgm="http://schemas.openxmlformats.org/drawingml/2006/diagram" xmlns:dsp="http://schemas.microsoft.com/office/drawing/2008/diagram" xmlns:p="http://schemas.openxmlformats.org/presentationml/2006/main">
+<p:sld xmlns:a="http://schemas.openxmlformats.org/drawingml/2006/main" xmlns:r="http://schemas.openxmlformats.org/officeDocument/2006/relationships" xmlns:p="http://schemas.openxmlformats.org/presentationml/2006/main">
   <p:cSld>
     <p:spTree>
       <p:nvGrpSpPr>
@@ -8781,7 +9133,7 @@
             <a:spLocks noGrp="1"/>
           </p:cNvSpPr>
           <p:nvPr>
-            <p:ph type="title" idx="0"/>
+            <p:ph type="title"/>
           </p:nvPr>
         </p:nvSpPr>
         <p:spPr/>
@@ -8796,13 +9148,12 @@
               <a:rPr lang="ko-KR" altLang="en-US"/>
               <a:t>클래스 구조</a:t>
             </a:r>
-            <a:endParaRPr lang="ko-KR" altLang="en-US"/>
           </a:p>
         </p:txBody>
       </p:sp>
       <p:pic>
         <p:nvPicPr>
-          <p:cNvPr id="3" name=""/>
+          <p:cNvPr id="3" name="내용 개체 틀 2"/>
           <p:cNvPicPr>
             <a:picLocks noGrp="1" noChangeAspect="1"/>
           </p:cNvPicPr>
@@ -8831,11 +9182,11 @@
   <p:clrMapOvr>
     <a:masterClrMapping/>
   </p:clrMapOvr>
-  <mc:AlternateContent xmlns:mc="http://schemas.openxmlformats.org/markup-compatibility/2006">
-    <mc:Choice xmlns:p14="http://schemas.microsoft.com/office/powerpoint/2010/main" Requires="p14">
-      <p:transition xmlns:mc="http://schemas.openxmlformats.org/markup-compatibility/2006" xmlns:p14="http://schemas.microsoft.com/office/powerpoint/2010/main" mc:Ignorable="p14" p14:dur="500"/>
+  <mc:AlternateContent xmlns:mc="http://schemas.openxmlformats.org/markup-compatibility/2006" xmlns:p14="http://schemas.microsoft.com/office/powerpoint/2010/main">
+    <mc:Choice Requires="p14">
+      <p:transition/>
     </mc:Choice>
-    <mc:Fallback>
+    <mc:Fallback xmlns:dsp="http://schemas.microsoft.com/office/drawing/2008/diagram" xmlns:dgm="http://schemas.openxmlformats.org/drawingml/2006/diagram" xmlns:c="http://schemas.openxmlformats.org/drawingml/2006/chart" xmlns="">
       <p:transition/>
     </mc:Fallback>
   </mc:AlternateContent>
@@ -8843,7 +9194,7 @@
 </file>
 
 <file path=ppt/slides/slide7.xml><?xml version="1.0" encoding="utf-8"?>
-<p:sld xmlns:r="http://schemas.openxmlformats.org/officeDocument/2006/relationships" xmlns:c="http://schemas.openxmlformats.org/drawingml/2006/chart" xmlns:a="http://schemas.openxmlformats.org/drawingml/2006/main" xmlns:dgm="http://schemas.openxmlformats.org/drawingml/2006/diagram" xmlns:dsp="http://schemas.microsoft.com/office/drawing/2008/diagram" xmlns:p="http://schemas.openxmlformats.org/presentationml/2006/main">
+<p:sld xmlns:a="http://schemas.openxmlformats.org/drawingml/2006/main" xmlns:r="http://schemas.openxmlformats.org/officeDocument/2006/relationships" xmlns:p="http://schemas.openxmlformats.org/presentationml/2006/main">
   <p:cSld>
     <p:spTree>
       <p:nvGrpSpPr>
@@ -8866,7 +9217,7 @@
             <a:spLocks noGrp="1"/>
           </p:cNvSpPr>
           <p:nvPr>
-            <p:ph type="title" idx="0"/>
+            <p:ph type="title"/>
           </p:nvPr>
         </p:nvSpPr>
         <p:spPr/>
@@ -8881,7 +9232,6 @@
               <a:rPr lang="ko-KR" altLang="en-US"/>
               <a:t>주요 구현 요소</a:t>
             </a:r>
-            <a:endParaRPr lang="ko-KR" altLang="en-US"/>
           </a:p>
         </p:txBody>
       </p:sp>
@@ -8911,68 +9261,61 @@
               <a:defRPr/>
             </a:pPr>
             <a:r>
-              <a:rPr lang="ko-KR" altLang="en-US"/>
-              <a:t>턴제 게임 </a:t>
-            </a:r>
-            <a:r>
-              <a:rPr lang="en-US" altLang="ko-KR"/>
+              <a:rPr lang="ko-KR" altLang="en-US" dirty="0" err="1"/>
+              <a:t>턴제</a:t>
+            </a:r>
+            <a:r>
+              <a:rPr lang="ko-KR" altLang="en-US" dirty="0"/>
+              <a:t> 게임 </a:t>
+            </a:r>
+            <a:r>
+              <a:rPr lang="en-US" altLang="ko-KR" dirty="0"/>
               <a:t>-&gt;</a:t>
             </a:r>
             <a:r>
-              <a:rPr lang="ko-KR" altLang="en-US"/>
+              <a:rPr lang="ko-KR" altLang="en-US" dirty="0"/>
               <a:t> 처리가 즉각적으로 이뤄지지 않는 경우가 많다</a:t>
             </a:r>
-            <a:endParaRPr lang="ko-KR" altLang="en-US"/>
           </a:p>
           <a:p>
             <a:pPr lvl="0">
               <a:defRPr/>
             </a:pPr>
-            <a:endParaRPr lang="ko-KR" altLang="en-US"/>
+            <a:endParaRPr lang="ko-KR" altLang="en-US" dirty="0"/>
           </a:p>
           <a:p>
             <a:pPr lvl="0">
               <a:defRPr/>
             </a:pPr>
             <a:r>
-              <a:rPr lang="ko-KR" altLang="en-US"/>
-              <a:t>입력을 시간에 관계 없이 대기</a:t>
-            </a:r>
-            <a:r>
-              <a:rPr lang="en-US" altLang="ko-KR"/>
-              <a:t>/</a:t>
-            </a:r>
-            <a:r>
-              <a:rPr lang="ko-KR" altLang="en-US"/>
-              <a:t>일정 시간동안 연출을 보여준다</a:t>
-            </a:r>
-            <a:endParaRPr lang="ko-KR" altLang="en-US"/>
+              <a:rPr lang="ko-KR" altLang="en-US" dirty="0"/>
+              <a:t>입력을 시간에 관계 없이 대기하거나 일정 시간동안 연출을 보여주는 일이 많다</a:t>
+            </a:r>
           </a:p>
           <a:p>
             <a:pPr lvl="0">
               <a:defRPr/>
             </a:pPr>
-            <a:endParaRPr lang="ko-KR" altLang="en-US"/>
+            <a:endParaRPr lang="ko-KR" altLang="en-US" dirty="0"/>
           </a:p>
           <a:p>
             <a:pPr lvl="0">
               <a:defRPr/>
             </a:pPr>
             <a:r>
-              <a:rPr lang="ko-KR" altLang="en-US"/>
-              <a:t>다른 이펙트나 애니메이션 등이 멈춰서는 안 된다</a:t>
-            </a:r>
-            <a:r>
-              <a:rPr lang="en-US" altLang="ko-KR"/>
+              <a:rPr lang="ko-KR" altLang="en-US" dirty="0"/>
+              <a:t>그 와중에 다른 이펙트나 애니메이션 등이 멈춰서는 안 된다</a:t>
+            </a:r>
+            <a:r>
+              <a:rPr lang="en-US" altLang="ko-KR" dirty="0"/>
               <a:t>!</a:t>
             </a:r>
-            <a:endParaRPr lang="en-US" altLang="ko-KR"/>
           </a:p>
           <a:p>
             <a:pPr lvl="0">
               <a:defRPr/>
             </a:pPr>
-            <a:endParaRPr lang="en-US" altLang="ko-KR"/>
+            <a:endParaRPr lang="en-US" altLang="ko-KR" dirty="0"/>
           </a:p>
         </p:txBody>
       </p:sp>
@@ -8981,11 +9324,11 @@
   <p:clrMapOvr>
     <a:masterClrMapping/>
   </p:clrMapOvr>
-  <mc:AlternateContent xmlns:mc="http://schemas.openxmlformats.org/markup-compatibility/2006">
-    <mc:Choice xmlns:p14="http://schemas.microsoft.com/office/powerpoint/2010/main" Requires="p14">
-      <p:transition xmlns:mc="http://schemas.openxmlformats.org/markup-compatibility/2006" xmlns:p14="http://schemas.microsoft.com/office/powerpoint/2010/main" mc:Ignorable="p14" p14:dur="500"/>
+  <mc:AlternateContent xmlns:mc="http://schemas.openxmlformats.org/markup-compatibility/2006" xmlns:p14="http://schemas.microsoft.com/office/powerpoint/2010/main">
+    <mc:Choice Requires="p14">
+      <p:transition/>
     </mc:Choice>
-    <mc:Fallback>
+    <mc:Fallback xmlns:dsp="http://schemas.microsoft.com/office/drawing/2008/diagram" xmlns:dgm="http://schemas.openxmlformats.org/drawingml/2006/diagram" xmlns:c="http://schemas.openxmlformats.org/drawingml/2006/chart" xmlns="">
       <p:transition/>
     </mc:Fallback>
   </mc:AlternateContent>
@@ -8993,7 +9336,7 @@
 </file>
 
 <file path=ppt/slides/slide8.xml><?xml version="1.0" encoding="utf-8"?>
-<p:sld xmlns:r="http://schemas.openxmlformats.org/officeDocument/2006/relationships" xmlns:c="http://schemas.openxmlformats.org/drawingml/2006/chart" xmlns:a="http://schemas.openxmlformats.org/drawingml/2006/main" xmlns:dgm="http://schemas.openxmlformats.org/drawingml/2006/diagram" xmlns:dsp="http://schemas.microsoft.com/office/drawing/2008/diagram" xmlns:p="http://schemas.openxmlformats.org/presentationml/2006/main">
+<p:sld xmlns:a="http://schemas.openxmlformats.org/drawingml/2006/main" xmlns:r="http://schemas.openxmlformats.org/officeDocument/2006/relationships" xmlns:p="http://schemas.openxmlformats.org/presentationml/2006/main">
   <p:cSld>
     <p:spTree>
       <p:nvGrpSpPr>
@@ -9016,7 +9359,7 @@
             <a:spLocks noGrp="1"/>
           </p:cNvSpPr>
           <p:nvPr>
-            <p:ph type="title" idx="0"/>
+            <p:ph type="title"/>
           </p:nvPr>
         </p:nvSpPr>
         <p:spPr/>
@@ -9031,13 +9374,12 @@
               <a:rPr lang="ko-KR" altLang="en-US"/>
               <a:t>주요 구현 요소</a:t>
             </a:r>
-            <a:endParaRPr lang="ko-KR" altLang="en-US"/>
           </a:p>
         </p:txBody>
       </p:sp>
       <p:pic>
         <p:nvPicPr>
-          <p:cNvPr id="3" name=""/>
+          <p:cNvPr id="3" name="내용 개체 틀 2"/>
           <p:cNvPicPr>
             <a:picLocks noGrp="1" noChangeAspect="1"/>
           </p:cNvPicPr>
@@ -9053,7 +9395,7 @@
         </p:blipFill>
         <p:spPr>
           <a:xfrm>
-            <a:off x="548794" y="2013881"/>
+            <a:off x="548794" y="1719280"/>
             <a:ext cx="5547206" cy="2830236"/>
           </a:xfrm>
           <a:prstGeom prst="rect">
@@ -9088,7 +9430,6 @@
               <a:rPr lang="ko-KR" altLang="en-US" sz="2200"/>
               <a:t>행동의 진행을 파이프라인으로 구현</a:t>
             </a:r>
-            <a:endParaRPr lang="ko-KR" altLang="en-US" sz="2200"/>
           </a:p>
           <a:p>
             <a:pPr>
@@ -9104,7 +9445,6 @@
               <a:rPr lang="ko-KR" altLang="en-US" sz="2200"/>
               <a:t>각 행동은 하위 행동의 집합으로 진행</a:t>
             </a:r>
-            <a:endParaRPr lang="ko-KR" altLang="en-US" sz="2200"/>
           </a:p>
           <a:p>
             <a:pPr>
@@ -9120,7 +9460,6 @@
               <a:rPr lang="ko-KR" altLang="en-US" sz="2200"/>
               <a:t>자신의 하위 행동이 모두 끝나면 종료</a:t>
             </a:r>
-            <a:endParaRPr lang="ko-KR" altLang="en-US" sz="2200"/>
           </a:p>
           <a:p>
             <a:pPr>
@@ -9147,13 +9486,12 @@
               <a:rPr lang="ko-KR" altLang="en-US" sz="2200"/>
               <a:t> 상위 행동에서 사용</a:t>
             </a:r>
-            <a:endParaRPr lang="ko-KR" altLang="en-US" sz="2200"/>
           </a:p>
         </p:txBody>
       </p:sp>
       <p:sp>
         <p:nvSpPr>
-          <p:cNvPr id="5" name=""/>
+          <p:cNvPr id="5" name="TextBox 4"/>
           <p:cNvSpPr txBox="1"/>
           <p:nvPr/>
         </p:nvSpPr>
@@ -9170,6 +9508,7 @@
           <a:bodyPr wrap="square">
             <a:spAutoFit/>
           </a:bodyPr>
+          <a:lstStyle/>
           <a:p>
             <a:pPr>
               <a:defRPr/>
@@ -9183,11 +9522,11 @@
   <p:clrMapOvr>
     <a:masterClrMapping/>
   </p:clrMapOvr>
-  <mc:AlternateContent xmlns:mc="http://schemas.openxmlformats.org/markup-compatibility/2006">
-    <mc:Choice xmlns:p14="http://schemas.microsoft.com/office/powerpoint/2010/main" Requires="p14">
-      <p:transition xmlns:mc="http://schemas.openxmlformats.org/markup-compatibility/2006" xmlns:p14="http://schemas.microsoft.com/office/powerpoint/2010/main" mc:Ignorable="p14" p14:dur="500"/>
+  <mc:AlternateContent xmlns:mc="http://schemas.openxmlformats.org/markup-compatibility/2006" xmlns:p14="http://schemas.microsoft.com/office/powerpoint/2010/main">
+    <mc:Choice Requires="p14">
+      <p:transition/>
     </mc:Choice>
-    <mc:Fallback>
+    <mc:Fallback xmlns:dsp="http://schemas.microsoft.com/office/drawing/2008/diagram" xmlns:dgm="http://schemas.openxmlformats.org/drawingml/2006/diagram" xmlns:c="http://schemas.openxmlformats.org/drawingml/2006/chart" xmlns="">
       <p:transition/>
     </mc:Fallback>
   </mc:AlternateContent>
@@ -9195,7 +9534,7 @@
 </file>
 
 <file path=ppt/slides/slide9.xml><?xml version="1.0" encoding="utf-8"?>
-<p:sld xmlns:r="http://schemas.openxmlformats.org/officeDocument/2006/relationships" xmlns:c="http://schemas.openxmlformats.org/drawingml/2006/chart" xmlns:a="http://schemas.openxmlformats.org/drawingml/2006/main" xmlns:dgm="http://schemas.openxmlformats.org/drawingml/2006/diagram" xmlns:dsp="http://schemas.microsoft.com/office/drawing/2008/diagram" xmlns:p="http://schemas.openxmlformats.org/presentationml/2006/main">
+<p:sld xmlns:a="http://schemas.openxmlformats.org/drawingml/2006/main" xmlns:r="http://schemas.openxmlformats.org/officeDocument/2006/relationships" xmlns:p="http://schemas.openxmlformats.org/presentationml/2006/main">
   <p:cSld>
     <p:spTree>
       <p:nvGrpSpPr>
@@ -9218,7 +9557,7 @@
             <a:spLocks noGrp="1"/>
           </p:cNvSpPr>
           <p:nvPr>
-            <p:ph type="title" idx="0"/>
+            <p:ph type="title"/>
           </p:nvPr>
         </p:nvSpPr>
         <p:spPr/>
@@ -9226,20 +9565,173 @@
           <a:bodyPr/>
           <a:lstStyle/>
           <a:p>
+            <a:pPr lvl="0">
+              <a:defRPr/>
+            </a:pPr>
+            <a:r>
+              <a:rPr lang="ko-KR" altLang="en-US"/>
+              <a:t>주요 구현 요소</a:t>
+            </a:r>
+          </a:p>
+        </p:txBody>
+      </p:sp>
+      <p:sp>
+        <p:nvSpPr>
+          <p:cNvPr id="4" name="내용 개체 틀 3"/>
+          <p:cNvSpPr>
+            <a:spLocks noGrp="1"/>
+          </p:cNvSpPr>
+          <p:nvPr>
+            <p:ph sz="half" idx="2"/>
+          </p:nvPr>
+        </p:nvSpPr>
+        <p:spPr>
+          <a:xfrm>
+            <a:off x="6172200" y="1758950"/>
+            <a:ext cx="5181600" cy="4351338"/>
+          </a:xfrm>
+        </p:spPr>
+        <p:txBody>
+          <a:bodyPr/>
+          <a:lstStyle/>
+          <a:p>
             <a:pPr>
               <a:defRPr/>
             </a:pPr>
             <a:r>
-              <a:rPr lang="ko-KR" altLang="en-US"/>
-              <a:t>주요 구현 요소</a:t>
-            </a:r>
-            <a:endParaRPr lang="ko-KR" altLang="en-US"/>
+              <a:rPr lang="ko-KR" altLang="en-US" sz="2200" dirty="0"/>
+              <a:t>각 하위 행동들은 처리한 결과를 </a:t>
+            </a:r>
+            <a:br>
+              <a:rPr lang="en-US" altLang="ko-KR" sz="2200" dirty="0"/>
+            </a:br>
+            <a:r>
+              <a:rPr lang="ko-KR" altLang="en-US" sz="2200" dirty="0"/>
+              <a:t>객체로 저장하고 있다</a:t>
+            </a:r>
+            <a:endParaRPr lang="en-US" altLang="ko-KR" sz="2200" dirty="0"/>
+          </a:p>
+          <a:p>
+            <a:pPr>
+              <a:defRPr/>
+            </a:pPr>
+            <a:endParaRPr lang="en-US" altLang="ko-KR" sz="2200" dirty="0"/>
+          </a:p>
+          <a:p>
+            <a:pPr>
+              <a:defRPr/>
+            </a:pPr>
+            <a:r>
+              <a:rPr lang="ko-KR" altLang="en-US" sz="2200" dirty="0"/>
+              <a:t>이 결과 객체를 다음 행동에 넘겨</a:t>
+            </a:r>
+            <a:br>
+              <a:rPr lang="en-US" altLang="ko-KR" sz="2200" dirty="0"/>
+            </a:br>
+            <a:r>
+              <a:rPr lang="ko-KR" altLang="en-US" sz="2200" dirty="0"/>
+              <a:t>사전 정보로서 사용한다</a:t>
+            </a:r>
+            <a:endParaRPr lang="en-US" altLang="ko-KR" sz="2200" dirty="0"/>
+          </a:p>
+          <a:p>
+            <a:pPr>
+              <a:defRPr/>
+            </a:pPr>
+            <a:endParaRPr lang="en-US" altLang="ko-KR" sz="2200" dirty="0"/>
+          </a:p>
+          <a:p>
+            <a:pPr>
+              <a:defRPr/>
+            </a:pPr>
+            <a:r>
+              <a:rPr lang="ko-KR" altLang="en-US" sz="2200" dirty="0"/>
+              <a:t>상위 행동은 각각의 하위 행동이</a:t>
+            </a:r>
+            <a:r>
+              <a:rPr lang="en-US" altLang="ko-KR" sz="2200" dirty="0"/>
+              <a:t> </a:t>
+            </a:r>
+            <a:r>
+              <a:rPr lang="ko-KR" altLang="en-US" sz="2200" dirty="0"/>
+              <a:t>끝날 때까지 그 처리만을 진행한다</a:t>
+            </a:r>
+            <a:endParaRPr lang="en-US" altLang="ko-KR" sz="2200" dirty="0"/>
+          </a:p>
+          <a:p>
+            <a:pPr>
+              <a:defRPr/>
+            </a:pPr>
+            <a:endParaRPr lang="en-US" altLang="ko-KR" sz="2200" dirty="0"/>
+          </a:p>
+          <a:p>
+            <a:pPr>
+              <a:defRPr/>
+            </a:pPr>
+            <a:r>
+              <a:rPr lang="en-US" altLang="ko-KR" sz="2200" dirty="0"/>
+              <a:t>&lt;- </a:t>
+            </a:r>
+            <a:r>
+              <a:rPr lang="ko-KR" altLang="en-US" sz="2200" dirty="0"/>
+              <a:t>예시 </a:t>
+            </a:r>
+            <a:r>
+              <a:rPr lang="en-US" altLang="ko-KR" sz="2200" dirty="0"/>
+              <a:t>: </a:t>
+            </a:r>
+            <a:r>
+              <a:rPr lang="ko-KR" altLang="en-US" sz="2200" dirty="0"/>
+              <a:t>장인</a:t>
+            </a:r>
+            <a:r>
+              <a:rPr lang="en-US" altLang="ko-KR" sz="2200" dirty="0"/>
+              <a:t>(Artisan) </a:t>
+            </a:r>
+            <a:r>
+              <a:rPr lang="ko-KR" altLang="en-US" sz="2200" dirty="0"/>
+              <a:t>카드</a:t>
+            </a:r>
+          </a:p>
+        </p:txBody>
+      </p:sp>
+      <p:sp>
+        <p:nvSpPr>
+          <p:cNvPr id="5" name="TextBox 4"/>
+          <p:cNvSpPr txBox="1"/>
+          <p:nvPr/>
+        </p:nvSpPr>
+        <p:spPr>
+          <a:xfrm>
+            <a:off x="6937525" y="1459266"/>
+            <a:ext cx="5067748" cy="520029"/>
+          </a:xfrm>
+          <a:prstGeom prst="rect">
+            <a:avLst/>
+          </a:prstGeom>
+        </p:spPr>
+        <p:txBody>
+          <a:bodyPr wrap="square">
+            <a:spAutoFit/>
+          </a:bodyPr>
+          <a:lstStyle/>
+          <a:p>
+            <a:pPr>
+              <a:defRPr/>
+            </a:pPr>
+            <a:endParaRPr lang="ko-KR" altLang="en-US" sz="2800"/>
           </a:p>
         </p:txBody>
       </p:sp>
       <p:pic>
         <p:nvPicPr>
-          <p:cNvPr id="3" name=""/>
+          <p:cNvPr id="9" name="내용 개체 틀 8">
+            <a:extLst>
+              <a:ext uri="{FF2B5EF4-FFF2-40B4-BE49-F238E27FC236}">
+                <a16:creationId xmlns:a16="http://schemas.microsoft.com/office/drawing/2014/main" id="{9DE48435-2BA6-44D9-B397-43F50C49A270}"/>
+              </a:ext>
+            </a:extLst>
+          </p:cNvPr>
           <p:cNvPicPr>
             <a:picLocks noGrp="1" noChangeAspect="1"/>
           </p:cNvPicPr>
@@ -9247,7 +9739,7 @@
             <p:ph sz="half" idx="1"/>
           </p:nvPr>
         </p:nvPicPr>
-        <p:blipFill rotWithShape="1">
+        <p:blipFill>
           <a:blip r:embed="rId2"/>
           <a:stretch>
             <a:fillRect/>
@@ -9255,69 +9747,64 @@
         </p:blipFill>
         <p:spPr>
           <a:xfrm>
-            <a:off x="2086071" y="1804323"/>
-            <a:ext cx="8019858" cy="4016600"/>
+            <a:off x="1001424" y="1318658"/>
+            <a:ext cx="4242227" cy="4791630"/>
           </a:xfrm>
-          <a:prstGeom prst="rect">
-            <a:avLst/>
-          </a:prstGeom>
         </p:spPr>
       </p:pic>
     </p:spTree>
+    <p:extLst>
+      <p:ext uri="{BB962C8B-B14F-4D97-AF65-F5344CB8AC3E}">
+        <p14:creationId xmlns:p14="http://schemas.microsoft.com/office/powerpoint/2010/main" val="1227753571"/>
+      </p:ext>
+    </p:extLst>
   </p:cSld>
   <p:clrMapOvr>
     <a:masterClrMapping/>
   </p:clrMapOvr>
-  <mc:AlternateContent xmlns:mc="http://schemas.openxmlformats.org/markup-compatibility/2006">
-    <mc:Choice xmlns:p14="http://schemas.microsoft.com/office/powerpoint/2010/main" Requires="p14">
-      <p:transition xmlns:mc="http://schemas.openxmlformats.org/markup-compatibility/2006" xmlns:p14="http://schemas.microsoft.com/office/powerpoint/2010/main" mc:Ignorable="p14" p14:dur="500"/>
-    </mc:Choice>
-    <mc:Fallback>
-      <p:transition/>
-    </mc:Fallback>
-  </mc:AlternateContent>
+  <p:transition/>
 </p:sld>
 </file>
 
 <file path=ppt/theme/theme1.xml><?xml version="1.0" encoding="utf-8"?>
-<a:theme xmlns:r="http://schemas.openxmlformats.org/officeDocument/2006/relationships" xmlns:c="http://schemas.openxmlformats.org/drawingml/2006/chart" xmlns:dgm="http://schemas.openxmlformats.org/drawingml/2006/diagram" xmlns:dsp="http://schemas.microsoft.com/office/drawing/2008/diagram" xmlns:a="http://schemas.openxmlformats.org/drawingml/2006/main" xmlns:pic="http://schemas.openxmlformats.org/drawingml/2006/picture" xmlns:wp="http://schemas.openxmlformats.org/drawingml/2006/wordprocessingDrawing" xmlns:xdr="http://schemas.openxmlformats.org/drawingml/2006/spreadsheetDrawing" xmlns:lc="http://schemas.openxmlformats.org/drawingml/2006/lockedCanvas" xmlns:p="http://schemas.openxmlformats.org/presentationml/2006/main" name="Office 테마">
+<a:theme xmlns:a="http://schemas.openxmlformats.org/drawingml/2006/main" name="Office 테마">
   <a:themeElements>
     <a:clrScheme name="Office">
       <a:dk1>
         <a:sysClr val="windowText" lastClr="000000"/>
       </a:dk1>
       <a:lt1>
-        <a:sysClr val="window" lastClr="ffffff"/>
+        <a:sysClr val="window" lastClr="FFFFFF"/>
       </a:lt1>
       <a:dk2>
-        <a:srgbClr val="44546a"/>
+        <a:srgbClr val="44546A"/>
       </a:dk2>
       <a:lt2>
-        <a:srgbClr val="e7e6e6"/>
+        <a:srgbClr val="E7E6E6"/>
       </a:lt2>
       <a:accent1>
-        <a:srgbClr val="4472c4"/>
+        <a:srgbClr val="4472C4"/>
       </a:accent1>
       <a:accent2>
-        <a:srgbClr val="ed7d31"/>
+        <a:srgbClr val="ED7D31"/>
       </a:accent2>
       <a:accent3>
-        <a:srgbClr val="a5a5a5"/>
+        <a:srgbClr val="A5A5A5"/>
       </a:accent3>
       <a:accent4>
-        <a:srgbClr val="ffc000"/>
+        <a:srgbClr val="FFC000"/>
       </a:accent4>
       <a:accent5>
-        <a:srgbClr val="5b9bd5"/>
+        <a:srgbClr val="5B9BD5"/>
       </a:accent5>
       <a:accent6>
-        <a:srgbClr val="70ad47"/>
+        <a:srgbClr val="70AD47"/>
       </a:accent6>
       <a:hlink>
-        <a:srgbClr val="0563c1"/>
+        <a:srgbClr val="0563C1"/>
       </a:hlink>
       <a:folHlink>
-        <a:srgbClr val="954f72"/>
+        <a:srgbClr val="954F72"/>
       </a:folHlink>
     </a:clrScheme>
     <a:fontScheme name="Office">
@@ -9564,5 +10051,7 @@
       </a:bgFillStyleLst>
     </a:fmtScheme>
   </a:themeElements>
+  <a:objectDefaults/>
+  <a:extraClrSchemeLst/>
 </a:theme>
 </file>